--- a/imgs/imgs.pptx
+++ b/imgs/imgs.pptx
@@ -6,6 +6,9 @@
   </p:sldMasterIdLst>
   <p:sldIdLst>
     <p:sldId id="256" r:id="rId2"/>
+    <p:sldId id="257" r:id="rId3"/>
+    <p:sldId id="258" r:id="rId4"/>
+    <p:sldId id="259" r:id="rId5"/>
   </p:sldIdLst>
   <p:sldSz cx="12192000" cy="6858000"/>
   <p:notesSz cx="6858000" cy="9144000"/>
@@ -104,6 +107,11 @@
       </a:defRPr>
     </a:lvl9pPr>
   </p:defaultTextStyle>
+  <p:extLst>
+    <p:ext uri="{EFAFB233-063F-42B5-8137-9DF3F51BA10A}">
+      <p15:sldGuideLst xmlns:p15="http://schemas.microsoft.com/office/powerpoint/2012/main"/>
+    </p:ext>
+  </p:extLst>
 </p:presentation>
 </file>
 
@@ -238,7 +246,7 @@
           <a:p>
             <a:fld id="{C8C22898-FD13-43DE-9B6D-87A66AFF690E}" type="datetimeFigureOut">
               <a:rPr lang="en-AU" smtClean="0"/>
-              <a:t>2/01/2017</a:t>
+              <a:t>4/01/2017</a:t>
             </a:fld>
             <a:endParaRPr lang="en-AU"/>
           </a:p>
@@ -408,7 +416,7 @@
           <a:p>
             <a:fld id="{C8C22898-FD13-43DE-9B6D-87A66AFF690E}" type="datetimeFigureOut">
               <a:rPr lang="en-AU" smtClean="0"/>
-              <a:t>2/01/2017</a:t>
+              <a:t>4/01/2017</a:t>
             </a:fld>
             <a:endParaRPr lang="en-AU"/>
           </a:p>
@@ -588,7 +596,7 @@
           <a:p>
             <a:fld id="{C8C22898-FD13-43DE-9B6D-87A66AFF690E}" type="datetimeFigureOut">
               <a:rPr lang="en-AU" smtClean="0"/>
-              <a:t>2/01/2017</a:t>
+              <a:t>4/01/2017</a:t>
             </a:fld>
             <a:endParaRPr lang="en-AU"/>
           </a:p>
@@ -758,7 +766,7 @@
           <a:p>
             <a:fld id="{C8C22898-FD13-43DE-9B6D-87A66AFF690E}" type="datetimeFigureOut">
               <a:rPr lang="en-AU" smtClean="0"/>
-              <a:t>2/01/2017</a:t>
+              <a:t>4/01/2017</a:t>
             </a:fld>
             <a:endParaRPr lang="en-AU"/>
           </a:p>
@@ -1004,7 +1012,7 @@
           <a:p>
             <a:fld id="{C8C22898-FD13-43DE-9B6D-87A66AFF690E}" type="datetimeFigureOut">
               <a:rPr lang="en-AU" smtClean="0"/>
-              <a:t>2/01/2017</a:t>
+              <a:t>4/01/2017</a:t>
             </a:fld>
             <a:endParaRPr lang="en-AU"/>
           </a:p>
@@ -1236,7 +1244,7 @@
           <a:p>
             <a:fld id="{C8C22898-FD13-43DE-9B6D-87A66AFF690E}" type="datetimeFigureOut">
               <a:rPr lang="en-AU" smtClean="0"/>
-              <a:t>2/01/2017</a:t>
+              <a:t>4/01/2017</a:t>
             </a:fld>
             <a:endParaRPr lang="en-AU"/>
           </a:p>
@@ -1603,7 +1611,7 @@
           <a:p>
             <a:fld id="{C8C22898-FD13-43DE-9B6D-87A66AFF690E}" type="datetimeFigureOut">
               <a:rPr lang="en-AU" smtClean="0"/>
-              <a:t>2/01/2017</a:t>
+              <a:t>4/01/2017</a:t>
             </a:fld>
             <a:endParaRPr lang="en-AU"/>
           </a:p>
@@ -1721,7 +1729,7 @@
           <a:p>
             <a:fld id="{C8C22898-FD13-43DE-9B6D-87A66AFF690E}" type="datetimeFigureOut">
               <a:rPr lang="en-AU" smtClean="0"/>
-              <a:t>2/01/2017</a:t>
+              <a:t>4/01/2017</a:t>
             </a:fld>
             <a:endParaRPr lang="en-AU"/>
           </a:p>
@@ -1816,7 +1824,7 @@
           <a:p>
             <a:fld id="{C8C22898-FD13-43DE-9B6D-87A66AFF690E}" type="datetimeFigureOut">
               <a:rPr lang="en-AU" smtClean="0"/>
-              <a:t>2/01/2017</a:t>
+              <a:t>4/01/2017</a:t>
             </a:fld>
             <a:endParaRPr lang="en-AU"/>
           </a:p>
@@ -2093,7 +2101,7 @@
           <a:p>
             <a:fld id="{C8C22898-FD13-43DE-9B6D-87A66AFF690E}" type="datetimeFigureOut">
               <a:rPr lang="en-AU" smtClean="0"/>
-              <a:t>2/01/2017</a:t>
+              <a:t>4/01/2017</a:t>
             </a:fld>
             <a:endParaRPr lang="en-AU"/>
           </a:p>
@@ -2346,7 +2354,7 @@
           <a:p>
             <a:fld id="{C8C22898-FD13-43DE-9B6D-87A66AFF690E}" type="datetimeFigureOut">
               <a:rPr lang="en-AU" smtClean="0"/>
-              <a:t>2/01/2017</a:t>
+              <a:t>4/01/2017</a:t>
             </a:fld>
             <a:endParaRPr lang="en-AU"/>
           </a:p>
@@ -2559,7 +2567,7 @@
           <a:p>
             <a:fld id="{C8C22898-FD13-43DE-9B6D-87A66AFF690E}" type="datetimeFigureOut">
               <a:rPr lang="en-AU" smtClean="0"/>
-              <a:t>2/01/2017</a:t>
+              <a:t>4/01/2017</a:t>
             </a:fld>
             <a:endParaRPr lang="en-AU"/>
           </a:p>
@@ -5056,6 +5064,7210 @@
 </p:sld>
 </file>
 
+<file path=ppt/slides/slide2.xml><?xml version="1.0" encoding="utf-8"?>
+<p:sld xmlns:a="http://schemas.openxmlformats.org/drawingml/2006/main" xmlns:r="http://schemas.openxmlformats.org/officeDocument/2006/relationships" xmlns:p="http://schemas.openxmlformats.org/presentationml/2006/main">
+  <p:cSld>
+    <p:spTree>
+      <p:nvGrpSpPr>
+        <p:cNvPr id="1" name=""/>
+        <p:cNvGrpSpPr/>
+        <p:nvPr/>
+      </p:nvGrpSpPr>
+      <p:grpSpPr>
+        <a:xfrm>
+          <a:off x="0" y="0"/>
+          <a:ext cx="0" cy="0"/>
+          <a:chOff x="0" y="0"/>
+          <a:chExt cx="0" cy="0"/>
+        </a:xfrm>
+      </p:grpSpPr>
+      <p:graphicFrame>
+        <p:nvGraphicFramePr>
+          <p:cNvPr id="4" name="Table 3"/>
+          <p:cNvGraphicFramePr>
+            <a:graphicFrameLocks noGrp="1"/>
+          </p:cNvGraphicFramePr>
+          <p:nvPr>
+            <p:extLst>
+              <p:ext uri="{D42A27DB-BD31-4B8C-83A1-F6EECF244321}">
+                <p14:modId xmlns:p14="http://schemas.microsoft.com/office/powerpoint/2010/main" val="607131398"/>
+              </p:ext>
+            </p:extLst>
+          </p:nvPr>
+        </p:nvGraphicFramePr>
+        <p:xfrm>
+          <a:off x="4328675" y="942954"/>
+          <a:ext cx="398476" cy="1145352"/>
+        </p:xfrm>
+        <a:graphic>
+          <a:graphicData uri="http://schemas.openxmlformats.org/drawingml/2006/table">
+            <a:tbl>
+              <a:tblPr firstRow="1" bandRow="1">
+                <a:tableStyleId>{5C22544A-7EE6-4342-B048-85BDC9FD1C3A}</a:tableStyleId>
+              </a:tblPr>
+              <a:tblGrid>
+                <a:gridCol w="398476"/>
+              </a:tblGrid>
+              <a:tr h="286338">
+                <a:tc>
+                  <a:txBody>
+                    <a:bodyPr/>
+                    <a:lstStyle/>
+                    <a:p>
+                      <a:pPr algn="ctr"/>
+                      <a:r>
+                        <a:rPr lang="en-AU" sz="1200" dirty="0" smtClean="0"/>
+                        <a:t>C</a:t>
+                      </a:r>
+                      <a:endParaRPr lang="en-AU" sz="1200" dirty="0"/>
+                    </a:p>
+                  </a:txBody>
+                  <a:tcPr anchor="ctr">
+                    <a:lnL w="12700" cmpd="sng">
+                      <a:noFill/>
+                    </a:lnL>
+                    <a:lnR w="12700" cap="flat" cmpd="sng" algn="ctr">
+                      <a:noFill/>
+                      <a:prstDash val="solid"/>
+                      <a:round/>
+                      <a:headEnd type="none" w="med" len="med"/>
+                      <a:tailEnd type="none" w="med" len="med"/>
+                    </a:lnR>
+                    <a:lnT w="12700" cap="flat" cmpd="sng" algn="ctr">
+                      <a:noFill/>
+                      <a:prstDash val="solid"/>
+                      <a:round/>
+                      <a:headEnd type="none" w="med" len="med"/>
+                      <a:tailEnd type="none" w="med" len="med"/>
+                    </a:lnT>
+                    <a:lnB w="38100" cmpd="sng">
+                      <a:noFill/>
+                    </a:lnB>
+                    <a:lnTlToBr w="12700" cmpd="sng">
+                      <a:noFill/>
+                      <a:prstDash val="solid"/>
+                    </a:lnTlToBr>
+                    <a:lnBlToTr w="12700" cmpd="sng">
+                      <a:noFill/>
+                      <a:prstDash val="solid"/>
+                    </a:lnBlToTr>
+                    <a:solidFill>
+                      <a:schemeClr val="accent6"/>
+                    </a:solidFill>
+                  </a:tcPr>
+                </a:tc>
+              </a:tr>
+              <a:tr h="286338">
+                <a:tc>
+                  <a:txBody>
+                    <a:bodyPr/>
+                    <a:lstStyle/>
+                    <a:p>
+                      <a:pPr algn="ctr"/>
+                      <a:endParaRPr lang="en-AU" sz="1200" dirty="0"/>
+                    </a:p>
+                  </a:txBody>
+                  <a:tcPr>
+                    <a:lnL w="12700" cmpd="sng">
+                      <a:noFill/>
+                    </a:lnL>
+                    <a:lnR w="12700" cap="flat" cmpd="sng" algn="ctr">
+                      <a:noFill/>
+                      <a:prstDash val="solid"/>
+                      <a:round/>
+                      <a:headEnd type="none" w="med" len="med"/>
+                      <a:tailEnd type="none" w="med" len="med"/>
+                    </a:lnR>
+                    <a:lnT w="38100" cmpd="sng">
+                      <a:noFill/>
+                    </a:lnT>
+                    <a:lnB w="12700" cmpd="sng">
+                      <a:noFill/>
+                    </a:lnB>
+                    <a:lnTlToBr w="12700" cmpd="sng">
+                      <a:noFill/>
+                      <a:prstDash val="solid"/>
+                    </a:lnTlToBr>
+                    <a:lnBlToTr w="12700" cmpd="sng">
+                      <a:noFill/>
+                      <a:prstDash val="solid"/>
+                    </a:lnBlToTr>
+                    <a:solidFill>
+                      <a:schemeClr val="accent6">
+                        <a:lumMod val="60000"/>
+                        <a:lumOff val="40000"/>
+                      </a:schemeClr>
+                    </a:solidFill>
+                  </a:tcPr>
+                </a:tc>
+              </a:tr>
+              <a:tr h="286338">
+                <a:tc>
+                  <a:txBody>
+                    <a:bodyPr/>
+                    <a:lstStyle/>
+                    <a:p>
+                      <a:pPr algn="ctr"/>
+                      <a:endParaRPr lang="en-AU" sz="1200" dirty="0"/>
+                    </a:p>
+                  </a:txBody>
+                  <a:tcPr>
+                    <a:lnL w="12700" cmpd="sng">
+                      <a:noFill/>
+                    </a:lnL>
+                    <a:lnR w="12700" cap="flat" cmpd="sng" algn="ctr">
+                      <a:noFill/>
+                      <a:prstDash val="solid"/>
+                      <a:round/>
+                      <a:headEnd type="none" w="med" len="med"/>
+                      <a:tailEnd type="none" w="med" len="med"/>
+                    </a:lnR>
+                    <a:lnT w="12700" cmpd="sng">
+                      <a:noFill/>
+                    </a:lnT>
+                    <a:lnB w="12700" cmpd="sng">
+                      <a:noFill/>
+                    </a:lnB>
+                    <a:lnTlToBr w="12700" cmpd="sng">
+                      <a:noFill/>
+                      <a:prstDash val="solid"/>
+                    </a:lnTlToBr>
+                    <a:lnBlToTr w="12700" cmpd="sng">
+                      <a:noFill/>
+                      <a:prstDash val="solid"/>
+                    </a:lnBlToTr>
+                    <a:solidFill>
+                      <a:schemeClr val="accent6">
+                        <a:lumMod val="40000"/>
+                        <a:lumOff val="60000"/>
+                      </a:schemeClr>
+                    </a:solidFill>
+                  </a:tcPr>
+                </a:tc>
+              </a:tr>
+              <a:tr h="286338">
+                <a:tc>
+                  <a:txBody>
+                    <a:bodyPr/>
+                    <a:lstStyle/>
+                    <a:p>
+                      <a:pPr algn="ctr"/>
+                      <a:endParaRPr lang="en-AU" sz="1200" dirty="0"/>
+                    </a:p>
+                  </a:txBody>
+                  <a:tcPr>
+                    <a:lnL w="12700" cmpd="sng">
+                      <a:noFill/>
+                    </a:lnL>
+                    <a:lnR w="12700" cap="flat" cmpd="sng" algn="ctr">
+                      <a:noFill/>
+                      <a:prstDash val="solid"/>
+                      <a:round/>
+                      <a:headEnd type="none" w="med" len="med"/>
+                      <a:tailEnd type="none" w="med" len="med"/>
+                    </a:lnR>
+                    <a:lnT w="12700" cmpd="sng">
+                      <a:noFill/>
+                    </a:lnT>
+                    <a:lnB w="12700" cap="flat" cmpd="sng" algn="ctr">
+                      <a:noFill/>
+                      <a:prstDash val="solid"/>
+                      <a:round/>
+                      <a:headEnd type="none" w="med" len="med"/>
+                      <a:tailEnd type="none" w="med" len="med"/>
+                    </a:lnB>
+                    <a:lnTlToBr w="12700" cmpd="sng">
+                      <a:noFill/>
+                      <a:prstDash val="solid"/>
+                    </a:lnTlToBr>
+                    <a:lnBlToTr w="12700" cmpd="sng">
+                      <a:noFill/>
+                      <a:prstDash val="solid"/>
+                    </a:lnBlToTr>
+                    <a:solidFill>
+                      <a:schemeClr val="accent6">
+                        <a:lumMod val="20000"/>
+                        <a:lumOff val="80000"/>
+                      </a:schemeClr>
+                    </a:solidFill>
+                  </a:tcPr>
+                </a:tc>
+              </a:tr>
+            </a:tbl>
+          </a:graphicData>
+        </a:graphic>
+      </p:graphicFrame>
+      <p:graphicFrame>
+        <p:nvGraphicFramePr>
+          <p:cNvPr id="5" name="Table 4"/>
+          <p:cNvGraphicFramePr>
+            <a:graphicFrameLocks noGrp="1"/>
+          </p:cNvGraphicFramePr>
+          <p:nvPr>
+            <p:extLst>
+              <p:ext uri="{D42A27DB-BD31-4B8C-83A1-F6EECF244321}">
+                <p14:modId xmlns:p14="http://schemas.microsoft.com/office/powerpoint/2010/main" val="1732435151"/>
+              </p:ext>
+            </p:extLst>
+          </p:nvPr>
+        </p:nvGraphicFramePr>
+        <p:xfrm>
+          <a:off x="4265969" y="3382630"/>
+          <a:ext cx="2078273" cy="1139344"/>
+        </p:xfrm>
+        <a:graphic>
+          <a:graphicData uri="http://schemas.openxmlformats.org/drawingml/2006/table">
+            <a:tbl>
+              <a:tblPr firstRow="1" bandRow="1">
+                <a:tableStyleId>{5C22544A-7EE6-4342-B048-85BDC9FD1C3A}</a:tableStyleId>
+              </a:tblPr>
+              <a:tblGrid>
+                <a:gridCol w="856055"/>
+                <a:gridCol w="407406"/>
+                <a:gridCol w="407406"/>
+                <a:gridCol w="407406"/>
+              </a:tblGrid>
+              <a:tr h="284836">
+                <a:tc>
+                  <a:txBody>
+                    <a:bodyPr/>
+                    <a:lstStyle/>
+                    <a:p>
+                      <a:pPr algn="ctr"/>
+                      <a:r>
+                        <a:rPr lang="en-AU" sz="1200" dirty="0" err="1" smtClean="0"/>
+                        <a:t>rowname</a:t>
+                      </a:r>
+                      <a:endParaRPr lang="en-AU" sz="1200" dirty="0"/>
+                    </a:p>
+                  </a:txBody>
+                  <a:tcPr anchor="ctr">
+                    <a:lnL w="12700" cap="flat" cmpd="sng" algn="ctr">
+                      <a:solidFill>
+                        <a:schemeClr val="tx1"/>
+                      </a:solidFill>
+                      <a:prstDash val="solid"/>
+                      <a:round/>
+                      <a:headEnd type="none" w="med" len="med"/>
+                      <a:tailEnd type="none" w="med" len="med"/>
+                    </a:lnL>
+                    <a:lnT w="12700" cap="flat" cmpd="sng" algn="ctr">
+                      <a:solidFill>
+                        <a:schemeClr val="tx1"/>
+                      </a:solidFill>
+                      <a:prstDash val="solid"/>
+                      <a:round/>
+                      <a:headEnd type="none" w="med" len="med"/>
+                      <a:tailEnd type="none" w="med" len="med"/>
+                    </a:lnT>
+                    <a:solidFill>
+                      <a:schemeClr val="accent3"/>
+                    </a:solidFill>
+                  </a:tcPr>
+                </a:tc>
+                <a:tc>
+                  <a:txBody>
+                    <a:bodyPr/>
+                    <a:lstStyle/>
+                    <a:p>
+                      <a:pPr algn="ctr"/>
+                      <a:r>
+                        <a:rPr lang="en-AU" sz="1200" dirty="0" smtClean="0"/>
+                        <a:t>A</a:t>
+                      </a:r>
+                      <a:endParaRPr lang="en-AU" sz="1200" dirty="0"/>
+                    </a:p>
+                  </a:txBody>
+                  <a:tcPr anchor="ctr">
+                    <a:lnT w="12700" cap="flat" cmpd="sng" algn="ctr">
+                      <a:solidFill>
+                        <a:schemeClr val="tx1"/>
+                      </a:solidFill>
+                      <a:prstDash val="solid"/>
+                      <a:round/>
+                      <a:headEnd type="none" w="med" len="med"/>
+                      <a:tailEnd type="none" w="med" len="med"/>
+                    </a:lnT>
+                  </a:tcPr>
+                </a:tc>
+                <a:tc>
+                  <a:txBody>
+                    <a:bodyPr/>
+                    <a:lstStyle/>
+                    <a:p>
+                      <a:pPr algn="ctr"/>
+                      <a:r>
+                        <a:rPr lang="en-AU" sz="1200" dirty="0" smtClean="0"/>
+                        <a:t>B</a:t>
+                      </a:r>
+                      <a:endParaRPr lang="en-AU" sz="1200" dirty="0"/>
+                    </a:p>
+                  </a:txBody>
+                  <a:tcPr anchor="ctr">
+                    <a:lnT w="12700" cap="flat" cmpd="sng" algn="ctr">
+                      <a:solidFill>
+                        <a:schemeClr val="tx1"/>
+                      </a:solidFill>
+                      <a:prstDash val="solid"/>
+                      <a:round/>
+                      <a:headEnd type="none" w="med" len="med"/>
+                      <a:tailEnd type="none" w="med" len="med"/>
+                    </a:lnT>
+                    <a:solidFill>
+                      <a:schemeClr val="accent2"/>
+                    </a:solidFill>
+                  </a:tcPr>
+                </a:tc>
+                <a:tc>
+                  <a:txBody>
+                    <a:bodyPr/>
+                    <a:lstStyle/>
+                    <a:p>
+                      <a:pPr algn="ctr"/>
+                      <a:r>
+                        <a:rPr lang="en-AU" sz="1200" dirty="0" smtClean="0"/>
+                        <a:t>C</a:t>
+                      </a:r>
+                      <a:endParaRPr lang="en-AU" sz="1200" dirty="0"/>
+                    </a:p>
+                  </a:txBody>
+                  <a:tcPr anchor="ctr">
+                    <a:lnR w="12700" cap="flat" cmpd="sng" algn="ctr">
+                      <a:solidFill>
+                        <a:schemeClr val="tx1"/>
+                      </a:solidFill>
+                      <a:prstDash val="solid"/>
+                      <a:round/>
+                      <a:headEnd type="none" w="med" len="med"/>
+                      <a:tailEnd type="none" w="med" len="med"/>
+                    </a:lnR>
+                    <a:lnT w="12700" cap="flat" cmpd="sng" algn="ctr">
+                      <a:solidFill>
+                        <a:schemeClr val="tx1"/>
+                      </a:solidFill>
+                      <a:prstDash val="solid"/>
+                      <a:round/>
+                      <a:headEnd type="none" w="med" len="med"/>
+                      <a:tailEnd type="none" w="med" len="med"/>
+                    </a:lnT>
+                    <a:solidFill>
+                      <a:schemeClr val="accent6"/>
+                    </a:solidFill>
+                  </a:tcPr>
+                </a:tc>
+              </a:tr>
+              <a:tr h="284836">
+                <a:tc>
+                  <a:txBody>
+                    <a:bodyPr/>
+                    <a:lstStyle/>
+                    <a:p>
+                      <a:pPr marL="0" marR="0" lvl="0" indent="0" algn="ctr" defTabSz="914400" rtl="0" eaLnBrk="1" fontAlgn="auto" latinLnBrk="0" hangingPunct="1">
+                        <a:lnSpc>
+                          <a:spcPct val="100000"/>
+                        </a:lnSpc>
+                        <a:spcBef>
+                          <a:spcPts val="0"/>
+                        </a:spcBef>
+                        <a:spcAft>
+                          <a:spcPts val="0"/>
+                        </a:spcAft>
+                        <a:buClrTx/>
+                        <a:buSzTx/>
+                        <a:buFontTx/>
+                        <a:buNone/>
+                        <a:tabLst/>
+                        <a:defRPr/>
+                      </a:pPr>
+                      <a:r>
+                        <a:rPr kumimoji="0" lang="en-AU" sz="1200" b="1" i="0" u="none" strike="noStrike" kern="1200" cap="none" spc="0" normalizeH="0" baseline="0" noProof="0" dirty="0" smtClean="0">
+                          <a:ln>
+                            <a:noFill/>
+                          </a:ln>
+                          <a:solidFill>
+                            <a:prstClr val="white"/>
+                          </a:solidFill>
+                          <a:effectLst/>
+                          <a:uLnTx/>
+                          <a:uFillTx/>
+                          <a:latin typeface="+mn-lt"/>
+                          <a:ea typeface="+mn-ea"/>
+                          <a:cs typeface="+mn-cs"/>
+                        </a:rPr>
+                        <a:t>A</a:t>
+                      </a:r>
+                    </a:p>
+                  </a:txBody>
+                  <a:tcPr anchor="ctr">
+                    <a:lnL w="12700" cap="flat" cmpd="sng" algn="ctr">
+                      <a:solidFill>
+                        <a:schemeClr val="tx1"/>
+                      </a:solidFill>
+                      <a:prstDash val="solid"/>
+                      <a:round/>
+                      <a:headEnd type="none" w="med" len="med"/>
+                      <a:tailEnd type="none" w="med" len="med"/>
+                    </a:lnL>
+                    <a:solidFill>
+                      <a:schemeClr val="accent1"/>
+                    </a:solidFill>
+                  </a:tcPr>
+                </a:tc>
+                <a:tc>
+                  <a:txBody>
+                    <a:bodyPr/>
+                    <a:lstStyle/>
+                    <a:p>
+                      <a:pPr algn="ctr"/>
+                      <a:r>
+                        <a:rPr lang="en-AU" sz="1200" i="1" dirty="0" smtClean="0">
+                          <a:solidFill>
+                            <a:srgbClr val="00B0F0"/>
+                          </a:solidFill>
+                        </a:rPr>
+                        <a:t>NA</a:t>
+                      </a:r>
+                      <a:endParaRPr lang="en-AU" sz="1200" i="1" dirty="0">
+                        <a:solidFill>
+                          <a:srgbClr val="00B0F0"/>
+                        </a:solidFill>
+                      </a:endParaRPr>
+                    </a:p>
+                  </a:txBody>
+                  <a:tcPr>
+                    <a:solidFill>
+                      <a:schemeClr val="bg1"/>
+                    </a:solidFill>
+                  </a:tcPr>
+                </a:tc>
+                <a:tc>
+                  <a:txBody>
+                    <a:bodyPr/>
+                    <a:lstStyle/>
+                    <a:p>
+                      <a:pPr algn="ctr"/>
+                      <a:r>
+                        <a:rPr lang="en-AU" sz="1200" dirty="0" smtClean="0"/>
+                        <a:t>BA</a:t>
+                      </a:r>
+                      <a:endParaRPr lang="en-AU" sz="1200" dirty="0"/>
+                    </a:p>
+                  </a:txBody>
+                  <a:tcPr>
+                    <a:solidFill>
+                      <a:schemeClr val="bg1"/>
+                    </a:solidFill>
+                  </a:tcPr>
+                </a:tc>
+                <a:tc>
+                  <a:txBody>
+                    <a:bodyPr/>
+                    <a:lstStyle/>
+                    <a:p>
+                      <a:pPr algn="ctr"/>
+                      <a:r>
+                        <a:rPr lang="en-AU" sz="1200" dirty="0" smtClean="0"/>
+                        <a:t>CA</a:t>
+                      </a:r>
+                      <a:endParaRPr lang="en-AU" sz="1200" dirty="0"/>
+                    </a:p>
+                  </a:txBody>
+                  <a:tcPr>
+                    <a:lnR w="12700" cap="flat" cmpd="sng" algn="ctr">
+                      <a:solidFill>
+                        <a:schemeClr val="tx1"/>
+                      </a:solidFill>
+                      <a:prstDash val="solid"/>
+                      <a:round/>
+                      <a:headEnd type="none" w="med" len="med"/>
+                      <a:tailEnd type="none" w="med" len="med"/>
+                    </a:lnR>
+                    <a:solidFill>
+                      <a:schemeClr val="bg1"/>
+                    </a:solidFill>
+                  </a:tcPr>
+                </a:tc>
+              </a:tr>
+              <a:tr h="284836">
+                <a:tc>
+                  <a:txBody>
+                    <a:bodyPr/>
+                    <a:lstStyle/>
+                    <a:p>
+                      <a:pPr marL="0" marR="0" lvl="0" indent="0" algn="ctr" defTabSz="914400" rtl="0" eaLnBrk="1" fontAlgn="auto" latinLnBrk="0" hangingPunct="1">
+                        <a:lnSpc>
+                          <a:spcPct val="100000"/>
+                        </a:lnSpc>
+                        <a:spcBef>
+                          <a:spcPts val="0"/>
+                        </a:spcBef>
+                        <a:spcAft>
+                          <a:spcPts val="0"/>
+                        </a:spcAft>
+                        <a:buClrTx/>
+                        <a:buSzTx/>
+                        <a:buFontTx/>
+                        <a:buNone/>
+                        <a:tabLst/>
+                        <a:defRPr/>
+                      </a:pPr>
+                      <a:r>
+                        <a:rPr kumimoji="0" lang="en-AU" sz="1200" b="1" i="0" u="none" strike="noStrike" kern="1200" cap="none" spc="0" normalizeH="0" baseline="0" noProof="0" dirty="0" smtClean="0">
+                          <a:ln>
+                            <a:noFill/>
+                          </a:ln>
+                          <a:solidFill>
+                            <a:prstClr val="white"/>
+                          </a:solidFill>
+                          <a:effectLst/>
+                          <a:uLnTx/>
+                          <a:uFillTx/>
+                          <a:latin typeface="+mn-lt"/>
+                          <a:ea typeface="+mn-ea"/>
+                          <a:cs typeface="+mn-cs"/>
+                        </a:rPr>
+                        <a:t>B</a:t>
+                      </a:r>
+                      <a:endParaRPr kumimoji="0" lang="en-AU" sz="1200" b="1" i="0" u="none" strike="noStrike" kern="1200" cap="none" spc="0" normalizeH="0" baseline="0" noProof="0" dirty="0">
+                        <a:ln>
+                          <a:noFill/>
+                        </a:ln>
+                        <a:solidFill>
+                          <a:prstClr val="white"/>
+                        </a:solidFill>
+                        <a:effectLst/>
+                        <a:uLnTx/>
+                        <a:uFillTx/>
+                        <a:latin typeface="+mn-lt"/>
+                        <a:ea typeface="+mn-ea"/>
+                        <a:cs typeface="+mn-cs"/>
+                      </a:endParaRPr>
+                    </a:p>
+                  </a:txBody>
+                  <a:tcPr anchor="ctr">
+                    <a:lnL w="12700" cap="flat" cmpd="sng" algn="ctr">
+                      <a:solidFill>
+                        <a:schemeClr val="tx1"/>
+                      </a:solidFill>
+                      <a:prstDash val="solid"/>
+                      <a:round/>
+                      <a:headEnd type="none" w="med" len="med"/>
+                      <a:tailEnd type="none" w="med" len="med"/>
+                    </a:lnL>
+                    <a:solidFill>
+                      <a:schemeClr val="accent2"/>
+                    </a:solidFill>
+                  </a:tcPr>
+                </a:tc>
+                <a:tc>
+                  <a:txBody>
+                    <a:bodyPr/>
+                    <a:lstStyle/>
+                    <a:p>
+                      <a:pPr algn="ctr"/>
+                      <a:r>
+                        <a:rPr lang="en-AU" sz="1200" dirty="0" smtClean="0"/>
+                        <a:t>AB</a:t>
+                      </a:r>
+                      <a:endParaRPr lang="en-AU" sz="1200" dirty="0"/>
+                    </a:p>
+                  </a:txBody>
+                  <a:tcPr>
+                    <a:solidFill>
+                      <a:schemeClr val="bg1"/>
+                    </a:solidFill>
+                  </a:tcPr>
+                </a:tc>
+                <a:tc>
+                  <a:txBody>
+                    <a:bodyPr/>
+                    <a:lstStyle/>
+                    <a:p>
+                      <a:pPr algn="ctr"/>
+                      <a:r>
+                        <a:rPr lang="en-AU" sz="1200" i="1" dirty="0" smtClean="0">
+                          <a:solidFill>
+                            <a:srgbClr val="00B0F0"/>
+                          </a:solidFill>
+                        </a:rPr>
+                        <a:t>NA</a:t>
+                      </a:r>
+                      <a:endParaRPr lang="en-AU" sz="1200" dirty="0"/>
+                    </a:p>
+                  </a:txBody>
+                  <a:tcPr>
+                    <a:solidFill>
+                      <a:schemeClr val="bg1"/>
+                    </a:solidFill>
+                  </a:tcPr>
+                </a:tc>
+                <a:tc>
+                  <a:txBody>
+                    <a:bodyPr/>
+                    <a:lstStyle/>
+                    <a:p>
+                      <a:pPr algn="ctr"/>
+                      <a:r>
+                        <a:rPr lang="en-AU" sz="1200" dirty="0" smtClean="0"/>
+                        <a:t>CB</a:t>
+                      </a:r>
+                      <a:endParaRPr lang="en-AU" sz="1200" dirty="0"/>
+                    </a:p>
+                  </a:txBody>
+                  <a:tcPr>
+                    <a:lnR w="12700" cap="flat" cmpd="sng" algn="ctr">
+                      <a:solidFill>
+                        <a:schemeClr val="tx1"/>
+                      </a:solidFill>
+                      <a:prstDash val="solid"/>
+                      <a:round/>
+                      <a:headEnd type="none" w="med" len="med"/>
+                      <a:tailEnd type="none" w="med" len="med"/>
+                    </a:lnR>
+                    <a:solidFill>
+                      <a:schemeClr val="bg1"/>
+                    </a:solidFill>
+                  </a:tcPr>
+                </a:tc>
+              </a:tr>
+              <a:tr h="284836">
+                <a:tc>
+                  <a:txBody>
+                    <a:bodyPr/>
+                    <a:lstStyle/>
+                    <a:p>
+                      <a:pPr marL="0" marR="0" lvl="0" indent="0" algn="ctr" defTabSz="914400" rtl="0" eaLnBrk="1" fontAlgn="auto" latinLnBrk="0" hangingPunct="1">
+                        <a:lnSpc>
+                          <a:spcPct val="100000"/>
+                        </a:lnSpc>
+                        <a:spcBef>
+                          <a:spcPts val="0"/>
+                        </a:spcBef>
+                        <a:spcAft>
+                          <a:spcPts val="0"/>
+                        </a:spcAft>
+                        <a:buClrTx/>
+                        <a:buSzTx/>
+                        <a:buFontTx/>
+                        <a:buNone/>
+                        <a:tabLst/>
+                        <a:defRPr/>
+                      </a:pPr>
+                      <a:r>
+                        <a:rPr kumimoji="0" lang="en-AU" sz="1200" b="1" i="0" u="none" strike="noStrike" kern="1200" cap="none" spc="0" normalizeH="0" baseline="0" noProof="0" dirty="0" smtClean="0">
+                          <a:ln>
+                            <a:noFill/>
+                          </a:ln>
+                          <a:solidFill>
+                            <a:prstClr val="white"/>
+                          </a:solidFill>
+                          <a:effectLst/>
+                          <a:uLnTx/>
+                          <a:uFillTx/>
+                          <a:latin typeface="+mn-lt"/>
+                          <a:ea typeface="+mn-ea"/>
+                          <a:cs typeface="+mn-cs"/>
+                        </a:rPr>
+                        <a:t>C</a:t>
+                      </a:r>
+                      <a:endParaRPr kumimoji="0" lang="en-AU" sz="1200" b="1" i="0" u="none" strike="noStrike" kern="1200" cap="none" spc="0" normalizeH="0" baseline="0" noProof="0" dirty="0">
+                        <a:ln>
+                          <a:noFill/>
+                        </a:ln>
+                        <a:solidFill>
+                          <a:prstClr val="white"/>
+                        </a:solidFill>
+                        <a:effectLst/>
+                        <a:uLnTx/>
+                        <a:uFillTx/>
+                        <a:latin typeface="+mn-lt"/>
+                        <a:ea typeface="+mn-ea"/>
+                        <a:cs typeface="+mn-cs"/>
+                      </a:endParaRPr>
+                    </a:p>
+                  </a:txBody>
+                  <a:tcPr anchor="ctr">
+                    <a:lnL w="12700" cap="flat" cmpd="sng" algn="ctr">
+                      <a:solidFill>
+                        <a:schemeClr val="tx1"/>
+                      </a:solidFill>
+                      <a:prstDash val="solid"/>
+                      <a:round/>
+                      <a:headEnd type="none" w="med" len="med"/>
+                      <a:tailEnd type="none" w="med" len="med"/>
+                    </a:lnL>
+                    <a:lnB w="12700" cap="flat" cmpd="sng" algn="ctr">
+                      <a:solidFill>
+                        <a:schemeClr val="tx1"/>
+                      </a:solidFill>
+                      <a:prstDash val="solid"/>
+                      <a:round/>
+                      <a:headEnd type="none" w="med" len="med"/>
+                      <a:tailEnd type="none" w="med" len="med"/>
+                    </a:lnB>
+                    <a:solidFill>
+                      <a:schemeClr val="accent6"/>
+                    </a:solidFill>
+                  </a:tcPr>
+                </a:tc>
+                <a:tc>
+                  <a:txBody>
+                    <a:bodyPr/>
+                    <a:lstStyle/>
+                    <a:p>
+                      <a:pPr algn="ctr"/>
+                      <a:r>
+                        <a:rPr lang="en-AU" sz="1200" dirty="0" smtClean="0"/>
+                        <a:t>AC</a:t>
+                      </a:r>
+                      <a:endParaRPr lang="en-AU" sz="1200" dirty="0"/>
+                    </a:p>
+                  </a:txBody>
+                  <a:tcPr>
+                    <a:lnB w="12700" cap="flat" cmpd="sng" algn="ctr">
+                      <a:solidFill>
+                        <a:schemeClr val="tx1"/>
+                      </a:solidFill>
+                      <a:prstDash val="solid"/>
+                      <a:round/>
+                      <a:headEnd type="none" w="med" len="med"/>
+                      <a:tailEnd type="none" w="med" len="med"/>
+                    </a:lnB>
+                    <a:solidFill>
+                      <a:schemeClr val="bg1"/>
+                    </a:solidFill>
+                  </a:tcPr>
+                </a:tc>
+                <a:tc>
+                  <a:txBody>
+                    <a:bodyPr/>
+                    <a:lstStyle/>
+                    <a:p>
+                      <a:pPr algn="ctr"/>
+                      <a:r>
+                        <a:rPr lang="en-AU" sz="1200" dirty="0" smtClean="0"/>
+                        <a:t>BC</a:t>
+                      </a:r>
+                      <a:endParaRPr lang="en-AU" sz="1200" dirty="0"/>
+                    </a:p>
+                  </a:txBody>
+                  <a:tcPr>
+                    <a:lnB w="12700" cap="flat" cmpd="sng" algn="ctr">
+                      <a:solidFill>
+                        <a:schemeClr val="tx1"/>
+                      </a:solidFill>
+                      <a:prstDash val="solid"/>
+                      <a:round/>
+                      <a:headEnd type="none" w="med" len="med"/>
+                      <a:tailEnd type="none" w="med" len="med"/>
+                    </a:lnB>
+                    <a:solidFill>
+                      <a:schemeClr val="bg1"/>
+                    </a:solidFill>
+                  </a:tcPr>
+                </a:tc>
+                <a:tc>
+                  <a:txBody>
+                    <a:bodyPr/>
+                    <a:lstStyle/>
+                    <a:p>
+                      <a:pPr algn="ctr"/>
+                      <a:r>
+                        <a:rPr lang="en-AU" sz="1200" i="1" dirty="0" smtClean="0">
+                          <a:solidFill>
+                            <a:srgbClr val="00B0F0"/>
+                          </a:solidFill>
+                        </a:rPr>
+                        <a:t>NA</a:t>
+                      </a:r>
+                      <a:endParaRPr lang="en-AU" sz="1200" dirty="0"/>
+                    </a:p>
+                  </a:txBody>
+                  <a:tcPr>
+                    <a:lnR w="12700" cap="flat" cmpd="sng" algn="ctr">
+                      <a:solidFill>
+                        <a:schemeClr val="tx1"/>
+                      </a:solidFill>
+                      <a:prstDash val="solid"/>
+                      <a:round/>
+                      <a:headEnd type="none" w="med" len="med"/>
+                      <a:tailEnd type="none" w="med" len="med"/>
+                    </a:lnR>
+                    <a:lnB w="12700" cap="flat" cmpd="sng" algn="ctr">
+                      <a:solidFill>
+                        <a:schemeClr val="tx1"/>
+                      </a:solidFill>
+                      <a:prstDash val="solid"/>
+                      <a:round/>
+                      <a:headEnd type="none" w="med" len="med"/>
+                      <a:tailEnd type="none" w="med" len="med"/>
+                    </a:lnB>
+                    <a:solidFill>
+                      <a:schemeClr val="bg1"/>
+                    </a:solidFill>
+                  </a:tcPr>
+                </a:tc>
+              </a:tr>
+            </a:tbl>
+          </a:graphicData>
+        </a:graphic>
+      </p:graphicFrame>
+      <p:sp>
+        <p:nvSpPr>
+          <p:cNvPr id="6" name="TextBox 5"/>
+          <p:cNvSpPr txBox="1"/>
+          <p:nvPr/>
+        </p:nvSpPr>
+        <p:spPr>
+          <a:xfrm>
+            <a:off x="3391267" y="2442031"/>
+            <a:ext cx="1418978" cy="338554"/>
+          </a:xfrm>
+          <a:prstGeom prst="rect">
+            <a:avLst/>
+          </a:prstGeom>
+          <a:noFill/>
+        </p:spPr>
+        <p:txBody>
+          <a:bodyPr wrap="none" rtlCol="0">
+            <a:spAutoFit/>
+          </a:bodyPr>
+          <a:lstStyle/>
+          <a:p>
+            <a:r>
+              <a:rPr lang="en-AU" sz="1600" dirty="0" smtClean="0">
+                <a:latin typeface="Consolas" panose="020B0609020204030204" pitchFamily="49" charset="0"/>
+                <a:cs typeface="Arial" panose="020B0604020202020204" pitchFamily="34" charset="0"/>
+              </a:rPr>
+              <a:t>correlate()</a:t>
+            </a:r>
+            <a:endParaRPr lang="en-AU" sz="1600" dirty="0">
+              <a:latin typeface="Consolas" panose="020B0609020204030204" pitchFamily="49" charset="0"/>
+              <a:cs typeface="Arial" panose="020B0604020202020204" pitchFamily="34" charset="0"/>
+            </a:endParaRPr>
+          </a:p>
+        </p:txBody>
+      </p:sp>
+      <p:sp>
+        <p:nvSpPr>
+          <p:cNvPr id="25" name="TextBox 24"/>
+          <p:cNvSpPr txBox="1"/>
+          <p:nvPr/>
+        </p:nvSpPr>
+        <p:spPr>
+          <a:xfrm>
+            <a:off x="4996366" y="1346353"/>
+            <a:ext cx="607859" cy="338554"/>
+          </a:xfrm>
+          <a:prstGeom prst="rect">
+            <a:avLst/>
+          </a:prstGeom>
+          <a:noFill/>
+        </p:spPr>
+        <p:txBody>
+          <a:bodyPr wrap="none" rtlCol="0">
+            <a:spAutoFit/>
+          </a:bodyPr>
+          <a:lstStyle/>
+          <a:p>
+            <a:r>
+              <a:rPr lang="en-AU" sz="1600" dirty="0" err="1" smtClean="0">
+                <a:solidFill>
+                  <a:schemeClr val="bg1">
+                    <a:lumMod val="65000"/>
+                  </a:schemeClr>
+                </a:solidFill>
+                <a:latin typeface="Arial" panose="020B0604020202020204" pitchFamily="34" charset="0"/>
+                <a:cs typeface="Arial" panose="020B0604020202020204" pitchFamily="34" charset="0"/>
+              </a:rPr>
+              <a:t>cor</a:t>
+            </a:r>
+            <a:r>
+              <a:rPr lang="en-AU" sz="1600" dirty="0" smtClean="0">
+                <a:solidFill>
+                  <a:schemeClr val="bg1">
+                    <a:lumMod val="65000"/>
+                  </a:schemeClr>
+                </a:solidFill>
+                <a:latin typeface="Arial" panose="020B0604020202020204" pitchFamily="34" charset="0"/>
+                <a:cs typeface="Arial" panose="020B0604020202020204" pitchFamily="34" charset="0"/>
+              </a:rPr>
+              <a:t>()</a:t>
+            </a:r>
+            <a:endParaRPr lang="en-AU" sz="1600" dirty="0">
+              <a:solidFill>
+                <a:schemeClr val="bg1">
+                  <a:lumMod val="65000"/>
+                </a:schemeClr>
+              </a:solidFill>
+              <a:latin typeface="Arial" panose="020B0604020202020204" pitchFamily="34" charset="0"/>
+              <a:cs typeface="Arial" panose="020B0604020202020204" pitchFamily="34" charset="0"/>
+            </a:endParaRPr>
+          </a:p>
+        </p:txBody>
+      </p:sp>
+      <p:cxnSp>
+        <p:nvCxnSpPr>
+          <p:cNvPr id="26" name="Straight Arrow Connector 25"/>
+          <p:cNvCxnSpPr>
+            <a:stCxn id="4" idx="3"/>
+            <a:endCxn id="25" idx="1"/>
+          </p:cNvCxnSpPr>
+          <p:nvPr/>
+        </p:nvCxnSpPr>
+        <p:spPr>
+          <a:xfrm>
+            <a:off x="4727151" y="1515630"/>
+            <a:ext cx="269215" cy="0"/>
+          </a:xfrm>
+          <a:prstGeom prst="straightConnector1">
+            <a:avLst/>
+          </a:prstGeom>
+          <a:ln>
+            <a:solidFill>
+              <a:schemeClr val="bg1">
+                <a:lumMod val="65000"/>
+              </a:schemeClr>
+            </a:solidFill>
+            <a:tailEnd type="triangle"/>
+          </a:ln>
+        </p:spPr>
+        <p:style>
+          <a:lnRef idx="2">
+            <a:schemeClr val="dk1"/>
+          </a:lnRef>
+          <a:fillRef idx="0">
+            <a:schemeClr val="dk1"/>
+          </a:fillRef>
+          <a:effectRef idx="1">
+            <a:schemeClr val="dk1"/>
+          </a:effectRef>
+          <a:fontRef idx="minor">
+            <a:schemeClr val="tx1"/>
+          </a:fontRef>
+        </p:style>
+      </p:cxnSp>
+      <p:graphicFrame>
+        <p:nvGraphicFramePr>
+          <p:cNvPr id="46" name="Table 45"/>
+          <p:cNvGraphicFramePr>
+            <a:graphicFrameLocks noGrp="1"/>
+          </p:cNvGraphicFramePr>
+          <p:nvPr>
+            <p:extLst>
+              <p:ext uri="{D42A27DB-BD31-4B8C-83A1-F6EECF244321}">
+                <p14:modId xmlns:p14="http://schemas.microsoft.com/office/powerpoint/2010/main" val="2979941902"/>
+              </p:ext>
+            </p:extLst>
+          </p:nvPr>
+        </p:nvGraphicFramePr>
+        <p:xfrm>
+          <a:off x="5925044" y="948963"/>
+          <a:ext cx="1208640" cy="1133334"/>
+        </p:xfrm>
+        <a:graphic>
+          <a:graphicData uri="http://schemas.openxmlformats.org/drawingml/2006/table">
+            <a:tbl>
+              <a:tblPr firstRow="1" bandRow="1">
+                <a:tableStyleId>{5C22544A-7EE6-4342-B048-85BDC9FD1C3A}</a:tableStyleId>
+              </a:tblPr>
+              <a:tblGrid>
+                <a:gridCol w="402880"/>
+                <a:gridCol w="402880"/>
+                <a:gridCol w="402880"/>
+              </a:tblGrid>
+              <a:tr h="286338">
+                <a:tc>
+                  <a:txBody>
+                    <a:bodyPr/>
+                    <a:lstStyle/>
+                    <a:p>
+                      <a:pPr algn="ctr"/>
+                      <a:r>
+                        <a:rPr lang="en-AU" sz="1200" dirty="0" smtClean="0"/>
+                        <a:t>A</a:t>
+                      </a:r>
+                      <a:endParaRPr lang="en-AU" sz="1200" dirty="0"/>
+                    </a:p>
+                  </a:txBody>
+                  <a:tcPr anchor="ctr">
+                    <a:lnL w="12700" cap="flat" cmpd="sng" algn="ctr">
+                      <a:solidFill>
+                        <a:schemeClr val="tx1"/>
+                      </a:solidFill>
+                      <a:prstDash val="solid"/>
+                      <a:round/>
+                      <a:headEnd type="none" w="med" len="med"/>
+                      <a:tailEnd type="none" w="med" len="med"/>
+                    </a:lnL>
+                    <a:lnR w="12700" cmpd="sng">
+                      <a:noFill/>
+                    </a:lnR>
+                    <a:lnT w="12700" cap="flat" cmpd="sng" algn="ctr">
+                      <a:solidFill>
+                        <a:schemeClr val="tx1"/>
+                      </a:solidFill>
+                      <a:prstDash val="solid"/>
+                      <a:round/>
+                      <a:headEnd type="none" w="med" len="med"/>
+                      <a:tailEnd type="none" w="med" len="med"/>
+                    </a:lnT>
+                    <a:lnB w="38100" cmpd="sng">
+                      <a:noFill/>
+                    </a:lnB>
+                    <a:lnTlToBr w="12700" cmpd="sng">
+                      <a:noFill/>
+                      <a:prstDash val="solid"/>
+                    </a:lnTlToBr>
+                    <a:lnBlToTr w="12700" cmpd="sng">
+                      <a:noFill/>
+                      <a:prstDash val="solid"/>
+                    </a:lnBlToTr>
+                  </a:tcPr>
+                </a:tc>
+                <a:tc>
+                  <a:txBody>
+                    <a:bodyPr/>
+                    <a:lstStyle/>
+                    <a:p>
+                      <a:pPr algn="ctr"/>
+                      <a:r>
+                        <a:rPr lang="en-AU" sz="1200" dirty="0" smtClean="0"/>
+                        <a:t>B</a:t>
+                      </a:r>
+                      <a:endParaRPr lang="en-AU" sz="1200" dirty="0"/>
+                    </a:p>
+                  </a:txBody>
+                  <a:tcPr anchor="ctr">
+                    <a:lnL w="12700" cmpd="sng">
+                      <a:noFill/>
+                    </a:lnL>
+                    <a:lnR w="12700" cmpd="sng">
+                      <a:noFill/>
+                    </a:lnR>
+                    <a:lnT w="12700" cap="flat" cmpd="sng" algn="ctr">
+                      <a:solidFill>
+                        <a:schemeClr val="tx1"/>
+                      </a:solidFill>
+                      <a:prstDash val="solid"/>
+                      <a:round/>
+                      <a:headEnd type="none" w="med" len="med"/>
+                      <a:tailEnd type="none" w="med" len="med"/>
+                    </a:lnT>
+                    <a:lnB w="38100" cmpd="sng">
+                      <a:noFill/>
+                    </a:lnB>
+                    <a:lnTlToBr w="12700" cmpd="sng">
+                      <a:noFill/>
+                      <a:prstDash val="solid"/>
+                    </a:lnTlToBr>
+                    <a:lnBlToTr w="12700" cmpd="sng">
+                      <a:noFill/>
+                      <a:prstDash val="solid"/>
+                    </a:lnBlToTr>
+                    <a:solidFill>
+                      <a:schemeClr val="accent2"/>
+                    </a:solidFill>
+                  </a:tcPr>
+                </a:tc>
+                <a:tc>
+                  <a:txBody>
+                    <a:bodyPr/>
+                    <a:lstStyle/>
+                    <a:p>
+                      <a:pPr algn="ctr"/>
+                      <a:r>
+                        <a:rPr lang="en-AU" sz="1200" dirty="0" smtClean="0"/>
+                        <a:t>C</a:t>
+                      </a:r>
+                      <a:endParaRPr lang="en-AU" sz="1200" dirty="0"/>
+                    </a:p>
+                  </a:txBody>
+                  <a:tcPr anchor="ctr">
+                    <a:lnL w="12700" cmpd="sng">
+                      <a:noFill/>
+                    </a:lnL>
+                    <a:lnR w="12700" cap="flat" cmpd="sng" algn="ctr">
+                      <a:solidFill>
+                        <a:schemeClr val="tx1"/>
+                      </a:solidFill>
+                      <a:prstDash val="solid"/>
+                      <a:round/>
+                      <a:headEnd type="none" w="med" len="med"/>
+                      <a:tailEnd type="none" w="med" len="med"/>
+                    </a:lnR>
+                    <a:lnT w="12700" cap="flat" cmpd="sng" algn="ctr">
+                      <a:solidFill>
+                        <a:schemeClr val="tx1"/>
+                      </a:solidFill>
+                      <a:prstDash val="solid"/>
+                      <a:round/>
+                      <a:headEnd type="none" w="med" len="med"/>
+                      <a:tailEnd type="none" w="med" len="med"/>
+                    </a:lnT>
+                    <a:lnB w="38100" cmpd="sng">
+                      <a:noFill/>
+                    </a:lnB>
+                    <a:lnTlToBr w="12700" cmpd="sng">
+                      <a:noFill/>
+                      <a:prstDash val="solid"/>
+                    </a:lnTlToBr>
+                    <a:lnBlToTr w="12700" cmpd="sng">
+                      <a:noFill/>
+                      <a:prstDash val="solid"/>
+                    </a:lnBlToTr>
+                    <a:solidFill>
+                      <a:schemeClr val="accent6"/>
+                    </a:solidFill>
+                  </a:tcPr>
+                </a:tc>
+              </a:tr>
+              <a:tr h="286338">
+                <a:tc>
+                  <a:txBody>
+                    <a:bodyPr/>
+                    <a:lstStyle/>
+                    <a:p>
+                      <a:pPr algn="ctr"/>
+                      <a:r>
+                        <a:rPr lang="en-AU" sz="1200" dirty="0" smtClean="0"/>
+                        <a:t>1</a:t>
+                      </a:r>
+                      <a:endParaRPr lang="en-AU" sz="1200" dirty="0"/>
+                    </a:p>
+                  </a:txBody>
+                  <a:tcPr>
+                    <a:lnL w="12700" cap="flat" cmpd="sng" algn="ctr">
+                      <a:solidFill>
+                        <a:schemeClr val="tx1"/>
+                      </a:solidFill>
+                      <a:prstDash val="solid"/>
+                      <a:round/>
+                      <a:headEnd type="none" w="med" len="med"/>
+                      <a:tailEnd type="none" w="med" len="med"/>
+                    </a:lnL>
+                    <a:lnR w="12700" cmpd="sng">
+                      <a:noFill/>
+                    </a:lnR>
+                    <a:lnT w="38100" cmpd="sng">
+                      <a:noFill/>
+                    </a:lnT>
+                    <a:lnB w="12700" cmpd="sng">
+                      <a:noFill/>
+                    </a:lnB>
+                    <a:lnTlToBr w="12700" cmpd="sng">
+                      <a:noFill/>
+                      <a:prstDash val="solid"/>
+                    </a:lnTlToBr>
+                    <a:lnBlToTr w="12700" cmpd="sng">
+                      <a:noFill/>
+                      <a:prstDash val="solid"/>
+                    </a:lnBlToTr>
+                    <a:solidFill>
+                      <a:schemeClr val="bg1"/>
+                    </a:solidFill>
+                  </a:tcPr>
+                </a:tc>
+                <a:tc>
+                  <a:txBody>
+                    <a:bodyPr/>
+                    <a:lstStyle/>
+                    <a:p>
+                      <a:pPr algn="ctr"/>
+                      <a:r>
+                        <a:rPr lang="en-AU" sz="1200" dirty="0" smtClean="0"/>
+                        <a:t>BA</a:t>
+                      </a:r>
+                      <a:endParaRPr lang="en-AU" sz="1200" dirty="0"/>
+                    </a:p>
+                  </a:txBody>
+                  <a:tcPr>
+                    <a:lnL w="12700" cmpd="sng">
+                      <a:noFill/>
+                    </a:lnL>
+                    <a:lnR w="12700" cmpd="sng">
+                      <a:noFill/>
+                    </a:lnR>
+                    <a:lnT w="38100" cmpd="sng">
+                      <a:noFill/>
+                    </a:lnT>
+                    <a:lnB w="12700" cmpd="sng">
+                      <a:noFill/>
+                    </a:lnB>
+                    <a:lnTlToBr w="12700" cmpd="sng">
+                      <a:noFill/>
+                      <a:prstDash val="solid"/>
+                    </a:lnTlToBr>
+                    <a:lnBlToTr w="12700" cmpd="sng">
+                      <a:noFill/>
+                      <a:prstDash val="solid"/>
+                    </a:lnBlToTr>
+                    <a:solidFill>
+                      <a:schemeClr val="bg1"/>
+                    </a:solidFill>
+                  </a:tcPr>
+                </a:tc>
+                <a:tc>
+                  <a:txBody>
+                    <a:bodyPr/>
+                    <a:lstStyle/>
+                    <a:p>
+                      <a:pPr algn="ctr"/>
+                      <a:r>
+                        <a:rPr lang="en-AU" sz="1200" dirty="0" smtClean="0"/>
+                        <a:t>CA</a:t>
+                      </a:r>
+                      <a:endParaRPr lang="en-AU" sz="1200" dirty="0"/>
+                    </a:p>
+                  </a:txBody>
+                  <a:tcPr>
+                    <a:lnL w="12700" cmpd="sng">
+                      <a:noFill/>
+                    </a:lnL>
+                    <a:lnR w="12700" cap="flat" cmpd="sng" algn="ctr">
+                      <a:solidFill>
+                        <a:schemeClr val="tx1"/>
+                      </a:solidFill>
+                      <a:prstDash val="solid"/>
+                      <a:round/>
+                      <a:headEnd type="none" w="med" len="med"/>
+                      <a:tailEnd type="none" w="med" len="med"/>
+                    </a:lnR>
+                    <a:lnT w="38100" cmpd="sng">
+                      <a:noFill/>
+                    </a:lnT>
+                    <a:lnB w="12700" cmpd="sng">
+                      <a:noFill/>
+                    </a:lnB>
+                    <a:lnTlToBr w="12700" cmpd="sng">
+                      <a:noFill/>
+                      <a:prstDash val="solid"/>
+                    </a:lnTlToBr>
+                    <a:lnBlToTr w="12700" cmpd="sng">
+                      <a:noFill/>
+                      <a:prstDash val="solid"/>
+                    </a:lnBlToTr>
+                    <a:solidFill>
+                      <a:schemeClr val="bg1"/>
+                    </a:solidFill>
+                  </a:tcPr>
+                </a:tc>
+              </a:tr>
+              <a:tr h="286338">
+                <a:tc>
+                  <a:txBody>
+                    <a:bodyPr/>
+                    <a:lstStyle/>
+                    <a:p>
+                      <a:pPr algn="ctr"/>
+                      <a:r>
+                        <a:rPr lang="en-AU" sz="1200" dirty="0" smtClean="0"/>
+                        <a:t>AB</a:t>
+                      </a:r>
+                      <a:endParaRPr lang="en-AU" sz="1200" dirty="0"/>
+                    </a:p>
+                  </a:txBody>
+                  <a:tcPr>
+                    <a:lnL w="12700" cap="flat" cmpd="sng" algn="ctr">
+                      <a:solidFill>
+                        <a:schemeClr val="tx1"/>
+                      </a:solidFill>
+                      <a:prstDash val="solid"/>
+                      <a:round/>
+                      <a:headEnd type="none" w="med" len="med"/>
+                      <a:tailEnd type="none" w="med" len="med"/>
+                    </a:lnL>
+                    <a:lnR w="12700" cmpd="sng">
+                      <a:noFill/>
+                    </a:lnR>
+                    <a:lnT w="12700" cmpd="sng">
+                      <a:noFill/>
+                    </a:lnT>
+                    <a:lnB w="12700" cmpd="sng">
+                      <a:noFill/>
+                    </a:lnB>
+                    <a:lnTlToBr w="12700" cmpd="sng">
+                      <a:noFill/>
+                      <a:prstDash val="solid"/>
+                    </a:lnTlToBr>
+                    <a:lnBlToTr w="12700" cmpd="sng">
+                      <a:noFill/>
+                      <a:prstDash val="solid"/>
+                    </a:lnBlToTr>
+                    <a:solidFill>
+                      <a:schemeClr val="bg1"/>
+                    </a:solidFill>
+                  </a:tcPr>
+                </a:tc>
+                <a:tc>
+                  <a:txBody>
+                    <a:bodyPr/>
+                    <a:lstStyle/>
+                    <a:p>
+                      <a:pPr algn="ctr"/>
+                      <a:r>
+                        <a:rPr lang="en-AU" sz="1200" dirty="0" smtClean="0"/>
+                        <a:t>1</a:t>
+                      </a:r>
+                      <a:endParaRPr lang="en-AU" sz="1200" dirty="0"/>
+                    </a:p>
+                  </a:txBody>
+                  <a:tcPr>
+                    <a:lnL w="12700" cmpd="sng">
+                      <a:noFill/>
+                    </a:lnL>
+                    <a:lnR w="12700" cmpd="sng">
+                      <a:noFill/>
+                    </a:lnR>
+                    <a:lnT w="12700" cmpd="sng">
+                      <a:noFill/>
+                    </a:lnT>
+                    <a:lnB w="12700" cmpd="sng">
+                      <a:noFill/>
+                    </a:lnB>
+                    <a:lnTlToBr w="12700" cmpd="sng">
+                      <a:noFill/>
+                      <a:prstDash val="solid"/>
+                    </a:lnTlToBr>
+                    <a:lnBlToTr w="12700" cmpd="sng">
+                      <a:noFill/>
+                      <a:prstDash val="solid"/>
+                    </a:lnBlToTr>
+                    <a:solidFill>
+                      <a:schemeClr val="bg1"/>
+                    </a:solidFill>
+                  </a:tcPr>
+                </a:tc>
+                <a:tc>
+                  <a:txBody>
+                    <a:bodyPr/>
+                    <a:lstStyle/>
+                    <a:p>
+                      <a:pPr algn="ctr"/>
+                      <a:r>
+                        <a:rPr lang="en-AU" sz="1200" dirty="0" smtClean="0"/>
+                        <a:t>CB</a:t>
+                      </a:r>
+                      <a:endParaRPr lang="en-AU" sz="1200" dirty="0"/>
+                    </a:p>
+                  </a:txBody>
+                  <a:tcPr>
+                    <a:lnL w="12700" cmpd="sng">
+                      <a:noFill/>
+                    </a:lnL>
+                    <a:lnR w="12700" cap="flat" cmpd="sng" algn="ctr">
+                      <a:solidFill>
+                        <a:schemeClr val="tx1"/>
+                      </a:solidFill>
+                      <a:prstDash val="solid"/>
+                      <a:round/>
+                      <a:headEnd type="none" w="med" len="med"/>
+                      <a:tailEnd type="none" w="med" len="med"/>
+                    </a:lnR>
+                    <a:lnT w="12700" cmpd="sng">
+                      <a:noFill/>
+                    </a:lnT>
+                    <a:lnB w="12700" cmpd="sng">
+                      <a:noFill/>
+                    </a:lnB>
+                    <a:lnTlToBr w="12700" cmpd="sng">
+                      <a:noFill/>
+                      <a:prstDash val="solid"/>
+                    </a:lnTlToBr>
+                    <a:lnBlToTr w="12700" cmpd="sng">
+                      <a:noFill/>
+                      <a:prstDash val="solid"/>
+                    </a:lnBlToTr>
+                    <a:solidFill>
+                      <a:schemeClr val="bg1"/>
+                    </a:solidFill>
+                  </a:tcPr>
+                </a:tc>
+              </a:tr>
+              <a:tr h="274320">
+                <a:tc>
+                  <a:txBody>
+                    <a:bodyPr/>
+                    <a:lstStyle/>
+                    <a:p>
+                      <a:pPr algn="ctr"/>
+                      <a:r>
+                        <a:rPr lang="en-AU" sz="1200" dirty="0" smtClean="0"/>
+                        <a:t>AC</a:t>
+                      </a:r>
+                      <a:endParaRPr lang="en-AU" sz="1200" dirty="0"/>
+                    </a:p>
+                  </a:txBody>
+                  <a:tcPr>
+                    <a:lnL w="12700" cap="flat" cmpd="sng" algn="ctr">
+                      <a:solidFill>
+                        <a:schemeClr val="tx1"/>
+                      </a:solidFill>
+                      <a:prstDash val="solid"/>
+                      <a:round/>
+                      <a:headEnd type="none" w="med" len="med"/>
+                      <a:tailEnd type="none" w="med" len="med"/>
+                    </a:lnL>
+                    <a:lnR w="12700" cmpd="sng">
+                      <a:noFill/>
+                    </a:lnR>
+                    <a:lnT w="12700" cmpd="sng">
+                      <a:noFill/>
+                    </a:lnT>
+                    <a:lnB w="12700" cap="flat" cmpd="sng" algn="ctr">
+                      <a:solidFill>
+                        <a:schemeClr val="tx1"/>
+                      </a:solidFill>
+                      <a:prstDash val="solid"/>
+                      <a:round/>
+                      <a:headEnd type="none" w="med" len="med"/>
+                      <a:tailEnd type="none" w="med" len="med"/>
+                    </a:lnB>
+                    <a:lnTlToBr w="12700" cmpd="sng">
+                      <a:noFill/>
+                      <a:prstDash val="solid"/>
+                    </a:lnTlToBr>
+                    <a:lnBlToTr w="12700" cmpd="sng">
+                      <a:noFill/>
+                      <a:prstDash val="solid"/>
+                    </a:lnBlToTr>
+                    <a:solidFill>
+                      <a:schemeClr val="bg1"/>
+                    </a:solidFill>
+                  </a:tcPr>
+                </a:tc>
+                <a:tc>
+                  <a:txBody>
+                    <a:bodyPr/>
+                    <a:lstStyle/>
+                    <a:p>
+                      <a:pPr algn="ctr"/>
+                      <a:r>
+                        <a:rPr lang="en-AU" sz="1200" dirty="0" smtClean="0"/>
+                        <a:t>BC</a:t>
+                      </a:r>
+                      <a:endParaRPr lang="en-AU" sz="1200" dirty="0"/>
+                    </a:p>
+                  </a:txBody>
+                  <a:tcPr>
+                    <a:lnL w="12700" cmpd="sng">
+                      <a:noFill/>
+                    </a:lnL>
+                    <a:lnR w="12700" cmpd="sng">
+                      <a:noFill/>
+                    </a:lnR>
+                    <a:lnT w="12700" cmpd="sng">
+                      <a:noFill/>
+                    </a:lnT>
+                    <a:lnB w="12700" cap="flat" cmpd="sng" algn="ctr">
+                      <a:solidFill>
+                        <a:schemeClr val="tx1"/>
+                      </a:solidFill>
+                      <a:prstDash val="solid"/>
+                      <a:round/>
+                      <a:headEnd type="none" w="med" len="med"/>
+                      <a:tailEnd type="none" w="med" len="med"/>
+                    </a:lnB>
+                    <a:lnTlToBr w="12700" cmpd="sng">
+                      <a:noFill/>
+                      <a:prstDash val="solid"/>
+                    </a:lnTlToBr>
+                    <a:lnBlToTr w="12700" cmpd="sng">
+                      <a:noFill/>
+                      <a:prstDash val="solid"/>
+                    </a:lnBlToTr>
+                    <a:solidFill>
+                      <a:schemeClr val="bg1"/>
+                    </a:solidFill>
+                  </a:tcPr>
+                </a:tc>
+                <a:tc>
+                  <a:txBody>
+                    <a:bodyPr/>
+                    <a:lstStyle/>
+                    <a:p>
+                      <a:pPr algn="ctr"/>
+                      <a:r>
+                        <a:rPr lang="en-AU" sz="1200" dirty="0" smtClean="0"/>
+                        <a:t>1</a:t>
+                      </a:r>
+                      <a:endParaRPr lang="en-AU" sz="1200" dirty="0"/>
+                    </a:p>
+                  </a:txBody>
+                  <a:tcPr>
+                    <a:lnL w="12700" cmpd="sng">
+                      <a:noFill/>
+                    </a:lnL>
+                    <a:lnR w="12700" cap="flat" cmpd="sng" algn="ctr">
+                      <a:solidFill>
+                        <a:schemeClr val="tx1"/>
+                      </a:solidFill>
+                      <a:prstDash val="solid"/>
+                      <a:round/>
+                      <a:headEnd type="none" w="med" len="med"/>
+                      <a:tailEnd type="none" w="med" len="med"/>
+                    </a:lnR>
+                    <a:lnT w="12700" cmpd="sng">
+                      <a:noFill/>
+                    </a:lnT>
+                    <a:lnB w="12700" cap="flat" cmpd="sng" algn="ctr">
+                      <a:solidFill>
+                        <a:schemeClr val="tx1"/>
+                      </a:solidFill>
+                      <a:prstDash val="solid"/>
+                      <a:round/>
+                      <a:headEnd type="none" w="med" len="med"/>
+                      <a:tailEnd type="none" w="med" len="med"/>
+                    </a:lnB>
+                    <a:lnTlToBr w="12700" cmpd="sng">
+                      <a:noFill/>
+                      <a:prstDash val="solid"/>
+                    </a:lnTlToBr>
+                    <a:lnBlToTr w="12700" cmpd="sng">
+                      <a:noFill/>
+                      <a:prstDash val="solid"/>
+                    </a:lnBlToTr>
+                    <a:solidFill>
+                      <a:schemeClr val="bg1"/>
+                    </a:solidFill>
+                  </a:tcPr>
+                </a:tc>
+              </a:tr>
+            </a:tbl>
+          </a:graphicData>
+        </a:graphic>
+      </p:graphicFrame>
+      <p:cxnSp>
+        <p:nvCxnSpPr>
+          <p:cNvPr id="47" name="Straight Arrow Connector 46"/>
+          <p:cNvCxnSpPr>
+            <a:stCxn id="25" idx="3"/>
+            <a:endCxn id="46" idx="1"/>
+          </p:cNvCxnSpPr>
+          <p:nvPr/>
+        </p:nvCxnSpPr>
+        <p:spPr>
+          <a:xfrm>
+            <a:off x="5604225" y="1515630"/>
+            <a:ext cx="320819" cy="0"/>
+          </a:xfrm>
+          <a:prstGeom prst="straightConnector1">
+            <a:avLst/>
+          </a:prstGeom>
+          <a:ln>
+            <a:solidFill>
+              <a:schemeClr val="bg1">
+                <a:lumMod val="65000"/>
+              </a:schemeClr>
+            </a:solidFill>
+            <a:tailEnd type="triangle"/>
+          </a:ln>
+        </p:spPr>
+        <p:style>
+          <a:lnRef idx="2">
+            <a:schemeClr val="dk1"/>
+          </a:lnRef>
+          <a:fillRef idx="0">
+            <a:schemeClr val="dk1"/>
+          </a:fillRef>
+          <a:effectRef idx="1">
+            <a:schemeClr val="dk1"/>
+          </a:effectRef>
+          <a:fontRef idx="minor">
+            <a:schemeClr val="tx1"/>
+          </a:fontRef>
+        </p:style>
+      </p:cxnSp>
+      <p:sp>
+        <p:nvSpPr>
+          <p:cNvPr id="52" name="TextBox 51"/>
+          <p:cNvSpPr txBox="1"/>
+          <p:nvPr/>
+        </p:nvSpPr>
+        <p:spPr>
+          <a:xfrm>
+            <a:off x="5882239" y="2442031"/>
+            <a:ext cx="1306768" cy="338554"/>
+          </a:xfrm>
+          <a:prstGeom prst="rect">
+            <a:avLst/>
+          </a:prstGeom>
+          <a:noFill/>
+        </p:spPr>
+        <p:txBody>
+          <a:bodyPr wrap="none" rtlCol="0">
+            <a:spAutoFit/>
+          </a:bodyPr>
+          <a:lstStyle/>
+          <a:p>
+            <a:r>
+              <a:rPr lang="en-AU" sz="1600" dirty="0" err="1" smtClean="0">
+                <a:latin typeface="Consolas" panose="020B0609020204030204" pitchFamily="49" charset="0"/>
+                <a:cs typeface="Arial" panose="020B0604020202020204" pitchFamily="34" charset="0"/>
+              </a:rPr>
+              <a:t>as_cordf</a:t>
+            </a:r>
+            <a:r>
+              <a:rPr lang="en-AU" sz="1600" dirty="0" smtClean="0">
+                <a:latin typeface="Consolas" panose="020B0609020204030204" pitchFamily="49" charset="0"/>
+                <a:cs typeface="Arial" panose="020B0604020202020204" pitchFamily="34" charset="0"/>
+              </a:rPr>
+              <a:t>()</a:t>
+            </a:r>
+            <a:endParaRPr lang="en-AU" sz="1600" dirty="0">
+              <a:latin typeface="Consolas" panose="020B0609020204030204" pitchFamily="49" charset="0"/>
+              <a:cs typeface="Arial" panose="020B0604020202020204" pitchFamily="34" charset="0"/>
+            </a:endParaRPr>
+          </a:p>
+        </p:txBody>
+      </p:sp>
+      <p:cxnSp>
+        <p:nvCxnSpPr>
+          <p:cNvPr id="53" name="Straight Arrow Connector 52"/>
+          <p:cNvCxnSpPr>
+            <a:stCxn id="46" idx="2"/>
+            <a:endCxn id="52" idx="0"/>
+          </p:cNvCxnSpPr>
+          <p:nvPr/>
+        </p:nvCxnSpPr>
+        <p:spPr>
+          <a:xfrm>
+            <a:off x="6529364" y="2082297"/>
+            <a:ext cx="6259" cy="359734"/>
+          </a:xfrm>
+          <a:prstGeom prst="straightConnector1">
+            <a:avLst/>
+          </a:prstGeom>
+          <a:ln w="57150">
+            <a:tailEnd type="triangle"/>
+          </a:ln>
+        </p:spPr>
+        <p:style>
+          <a:lnRef idx="2">
+            <a:schemeClr val="dk1"/>
+          </a:lnRef>
+          <a:fillRef idx="0">
+            <a:schemeClr val="dk1"/>
+          </a:fillRef>
+          <a:effectRef idx="1">
+            <a:schemeClr val="dk1"/>
+          </a:effectRef>
+          <a:fontRef idx="minor">
+            <a:schemeClr val="tx1"/>
+          </a:fontRef>
+        </p:style>
+      </p:cxnSp>
+      <p:cxnSp>
+        <p:nvCxnSpPr>
+          <p:cNvPr id="57" name="Straight Arrow Connector 56"/>
+          <p:cNvCxnSpPr>
+            <a:stCxn id="52" idx="2"/>
+          </p:cNvCxnSpPr>
+          <p:nvPr/>
+        </p:nvCxnSpPr>
+        <p:spPr>
+          <a:xfrm flipH="1">
+            <a:off x="6083929" y="2780585"/>
+            <a:ext cx="451694" cy="453073"/>
+          </a:xfrm>
+          <a:prstGeom prst="straightConnector1">
+            <a:avLst/>
+          </a:prstGeom>
+          <a:ln w="57150">
+            <a:tailEnd type="triangle"/>
+          </a:ln>
+        </p:spPr>
+        <p:style>
+          <a:lnRef idx="2">
+            <a:schemeClr val="dk1"/>
+          </a:lnRef>
+          <a:fillRef idx="0">
+            <a:schemeClr val="dk1"/>
+          </a:fillRef>
+          <a:effectRef idx="1">
+            <a:schemeClr val="dk1"/>
+          </a:effectRef>
+          <a:fontRef idx="minor">
+            <a:schemeClr val="tx1"/>
+          </a:fontRef>
+        </p:style>
+      </p:cxnSp>
+      <p:sp>
+        <p:nvSpPr>
+          <p:cNvPr id="118" name="TextBox 117"/>
+          <p:cNvSpPr txBox="1"/>
+          <p:nvPr/>
+        </p:nvSpPr>
+        <p:spPr>
+          <a:xfrm>
+            <a:off x="3148738" y="434797"/>
+            <a:ext cx="1877437" cy="461665"/>
+          </a:xfrm>
+          <a:prstGeom prst="rect">
+            <a:avLst/>
+          </a:prstGeom>
+          <a:noFill/>
+        </p:spPr>
+        <p:txBody>
+          <a:bodyPr wrap="none" rtlCol="0">
+            <a:spAutoFit/>
+          </a:bodyPr>
+          <a:lstStyle/>
+          <a:p>
+            <a:pPr algn="ctr"/>
+            <a:r>
+              <a:rPr lang="en-AU" sz="1200" i="1" dirty="0" smtClean="0">
+                <a:latin typeface="Arial" panose="020B0604020202020204" pitchFamily="34" charset="0"/>
+                <a:cs typeface="Arial" panose="020B0604020202020204" pitchFamily="34" charset="0"/>
+              </a:rPr>
+              <a:t>Raw data</a:t>
+            </a:r>
+          </a:p>
+          <a:p>
+            <a:pPr algn="ctr"/>
+            <a:r>
+              <a:rPr lang="en-AU" sz="1200" i="1" dirty="0" smtClean="0">
+                <a:latin typeface="Arial" panose="020B0604020202020204" pitchFamily="34" charset="0"/>
+                <a:cs typeface="Arial" panose="020B0604020202020204" pitchFamily="34" charset="0"/>
+              </a:rPr>
+              <a:t>Data frame, matrix, list…</a:t>
+            </a:r>
+            <a:endParaRPr lang="en-AU" sz="1200" i="1" dirty="0">
+              <a:latin typeface="Arial" panose="020B0604020202020204" pitchFamily="34" charset="0"/>
+              <a:cs typeface="Arial" panose="020B0604020202020204" pitchFamily="34" charset="0"/>
+            </a:endParaRPr>
+          </a:p>
+        </p:txBody>
+      </p:sp>
+      <p:sp>
+        <p:nvSpPr>
+          <p:cNvPr id="119" name="TextBox 118"/>
+          <p:cNvSpPr txBox="1"/>
+          <p:nvPr/>
+        </p:nvSpPr>
+        <p:spPr>
+          <a:xfrm>
+            <a:off x="5810258" y="434797"/>
+            <a:ext cx="1438214" cy="461665"/>
+          </a:xfrm>
+          <a:prstGeom prst="rect">
+            <a:avLst/>
+          </a:prstGeom>
+          <a:noFill/>
+        </p:spPr>
+        <p:txBody>
+          <a:bodyPr wrap="none" rtlCol="0">
+            <a:spAutoFit/>
+          </a:bodyPr>
+          <a:lstStyle/>
+          <a:p>
+            <a:pPr algn="ctr"/>
+            <a:r>
+              <a:rPr lang="en-AU" sz="1200" i="1" dirty="0" smtClean="0">
+                <a:latin typeface="Arial" panose="020B0604020202020204" pitchFamily="34" charset="0"/>
+                <a:cs typeface="Arial" panose="020B0604020202020204" pitchFamily="34" charset="0"/>
+              </a:rPr>
+              <a:t>Correlation Matrix/</a:t>
+            </a:r>
+            <a:br>
+              <a:rPr lang="en-AU" sz="1200" i="1" dirty="0" smtClean="0">
+                <a:latin typeface="Arial" panose="020B0604020202020204" pitchFamily="34" charset="0"/>
+                <a:cs typeface="Arial" panose="020B0604020202020204" pitchFamily="34" charset="0"/>
+              </a:rPr>
+            </a:br>
+            <a:r>
+              <a:rPr lang="en-AU" sz="1200" i="1" dirty="0" smtClean="0">
+                <a:latin typeface="Arial" panose="020B0604020202020204" pitchFamily="34" charset="0"/>
+                <a:cs typeface="Arial" panose="020B0604020202020204" pitchFamily="34" charset="0"/>
+              </a:rPr>
+              <a:t>Square Structure</a:t>
+            </a:r>
+            <a:endParaRPr lang="en-AU" sz="1200" i="1" dirty="0">
+              <a:latin typeface="Arial" panose="020B0604020202020204" pitchFamily="34" charset="0"/>
+              <a:cs typeface="Arial" panose="020B0604020202020204" pitchFamily="34" charset="0"/>
+            </a:endParaRPr>
+          </a:p>
+        </p:txBody>
+      </p:sp>
+      <p:sp>
+        <p:nvSpPr>
+          <p:cNvPr id="120" name="TextBox 119"/>
+          <p:cNvSpPr txBox="1"/>
+          <p:nvPr/>
+        </p:nvSpPr>
+        <p:spPr>
+          <a:xfrm>
+            <a:off x="4835536" y="2875256"/>
+            <a:ext cx="944489" cy="461665"/>
+          </a:xfrm>
+          <a:prstGeom prst="rect">
+            <a:avLst/>
+          </a:prstGeom>
+          <a:noFill/>
+        </p:spPr>
+        <p:txBody>
+          <a:bodyPr wrap="none" rtlCol="0">
+            <a:spAutoFit/>
+          </a:bodyPr>
+          <a:lstStyle/>
+          <a:p>
+            <a:pPr algn="ctr"/>
+            <a:r>
+              <a:rPr lang="en-AU" sz="1200" i="1" dirty="0" smtClean="0">
+                <a:latin typeface="Arial" panose="020B0604020202020204" pitchFamily="34" charset="0"/>
+                <a:cs typeface="Arial" panose="020B0604020202020204" pitchFamily="34" charset="0"/>
+              </a:rPr>
+              <a:t>Correlation</a:t>
+            </a:r>
+            <a:br>
+              <a:rPr lang="en-AU" sz="1200" i="1" dirty="0" smtClean="0">
+                <a:latin typeface="Arial" panose="020B0604020202020204" pitchFamily="34" charset="0"/>
+                <a:cs typeface="Arial" panose="020B0604020202020204" pitchFamily="34" charset="0"/>
+              </a:rPr>
+            </a:br>
+            <a:r>
+              <a:rPr lang="en-AU" sz="1200" i="1" dirty="0" smtClean="0">
+                <a:latin typeface="Arial" panose="020B0604020202020204" pitchFamily="34" charset="0"/>
+                <a:cs typeface="Arial" panose="020B0604020202020204" pitchFamily="34" charset="0"/>
+              </a:rPr>
+              <a:t>Data frame</a:t>
+            </a:r>
+            <a:endParaRPr lang="en-AU" sz="1200" i="1" dirty="0">
+              <a:latin typeface="Arial" panose="020B0604020202020204" pitchFamily="34" charset="0"/>
+              <a:cs typeface="Arial" panose="020B0604020202020204" pitchFamily="34" charset="0"/>
+            </a:endParaRPr>
+          </a:p>
+        </p:txBody>
+      </p:sp>
+      <p:cxnSp>
+        <p:nvCxnSpPr>
+          <p:cNvPr id="31" name="Straight Arrow Connector 30"/>
+          <p:cNvCxnSpPr>
+            <a:stCxn id="54" idx="2"/>
+            <a:endCxn id="6" idx="0"/>
+          </p:cNvCxnSpPr>
+          <p:nvPr/>
+        </p:nvCxnSpPr>
+        <p:spPr>
+          <a:xfrm>
+            <a:off x="4089399" y="2088306"/>
+            <a:ext cx="11357" cy="353725"/>
+          </a:xfrm>
+          <a:prstGeom prst="straightConnector1">
+            <a:avLst/>
+          </a:prstGeom>
+          <a:ln w="57150">
+            <a:tailEnd type="triangle"/>
+          </a:ln>
+        </p:spPr>
+        <p:style>
+          <a:lnRef idx="2">
+            <a:schemeClr val="dk1"/>
+          </a:lnRef>
+          <a:fillRef idx="0">
+            <a:schemeClr val="dk1"/>
+          </a:fillRef>
+          <a:effectRef idx="1">
+            <a:schemeClr val="dk1"/>
+          </a:effectRef>
+          <a:fontRef idx="minor">
+            <a:schemeClr val="tx1"/>
+          </a:fontRef>
+        </p:style>
+      </p:cxnSp>
+      <p:cxnSp>
+        <p:nvCxnSpPr>
+          <p:cNvPr id="36" name="Straight Arrow Connector 35"/>
+          <p:cNvCxnSpPr>
+            <a:stCxn id="6" idx="2"/>
+          </p:cNvCxnSpPr>
+          <p:nvPr/>
+        </p:nvCxnSpPr>
+        <p:spPr>
+          <a:xfrm>
+            <a:off x="4100756" y="2780585"/>
+            <a:ext cx="364443" cy="453073"/>
+          </a:xfrm>
+          <a:prstGeom prst="straightConnector1">
+            <a:avLst/>
+          </a:prstGeom>
+          <a:ln w="57150">
+            <a:tailEnd type="triangle"/>
+          </a:ln>
+        </p:spPr>
+        <p:style>
+          <a:lnRef idx="2">
+            <a:schemeClr val="dk1"/>
+          </a:lnRef>
+          <a:fillRef idx="0">
+            <a:schemeClr val="dk1"/>
+          </a:fillRef>
+          <a:effectRef idx="1">
+            <a:schemeClr val="dk1"/>
+          </a:effectRef>
+          <a:fontRef idx="minor">
+            <a:schemeClr val="tx1"/>
+          </a:fontRef>
+        </p:style>
+      </p:cxnSp>
+      <p:sp>
+        <p:nvSpPr>
+          <p:cNvPr id="45" name="TextBox 44"/>
+          <p:cNvSpPr txBox="1"/>
+          <p:nvPr/>
+        </p:nvSpPr>
+        <p:spPr>
+          <a:xfrm>
+            <a:off x="4703273" y="4881651"/>
+            <a:ext cx="1208985" cy="338554"/>
+          </a:xfrm>
+          <a:prstGeom prst="rect">
+            <a:avLst/>
+          </a:prstGeom>
+          <a:noFill/>
+        </p:spPr>
+        <p:txBody>
+          <a:bodyPr wrap="none" rtlCol="0">
+            <a:spAutoFit/>
+          </a:bodyPr>
+          <a:lstStyle/>
+          <a:p>
+            <a:r>
+              <a:rPr lang="en-AU" sz="1600" dirty="0" smtClean="0">
+                <a:latin typeface="Arial" panose="020B0604020202020204" pitchFamily="34" charset="0"/>
+                <a:cs typeface="Arial" panose="020B0604020202020204" pitchFamily="34" charset="0"/>
+              </a:rPr>
+              <a:t>EXPLORE!</a:t>
+            </a:r>
+            <a:endParaRPr lang="en-AU" sz="1600" dirty="0">
+              <a:latin typeface="Arial" panose="020B0604020202020204" pitchFamily="34" charset="0"/>
+              <a:cs typeface="Arial" panose="020B0604020202020204" pitchFamily="34" charset="0"/>
+            </a:endParaRPr>
+          </a:p>
+        </p:txBody>
+      </p:sp>
+      <p:graphicFrame>
+        <p:nvGraphicFramePr>
+          <p:cNvPr id="54" name="Table 53"/>
+          <p:cNvGraphicFramePr>
+            <a:graphicFrameLocks noGrp="1"/>
+          </p:cNvGraphicFramePr>
+          <p:nvPr>
+            <p:extLst>
+              <p:ext uri="{D42A27DB-BD31-4B8C-83A1-F6EECF244321}">
+                <p14:modId xmlns:p14="http://schemas.microsoft.com/office/powerpoint/2010/main" val="3568259453"/>
+              </p:ext>
+            </p:extLst>
+          </p:nvPr>
+        </p:nvGraphicFramePr>
+        <p:xfrm>
+          <a:off x="3890161" y="942954"/>
+          <a:ext cx="398476" cy="1145352"/>
+        </p:xfrm>
+        <a:graphic>
+          <a:graphicData uri="http://schemas.openxmlformats.org/drawingml/2006/table">
+            <a:tbl>
+              <a:tblPr firstRow="1" bandRow="1">
+                <a:tableStyleId>{5C22544A-7EE6-4342-B048-85BDC9FD1C3A}</a:tableStyleId>
+              </a:tblPr>
+              <a:tblGrid>
+                <a:gridCol w="398476"/>
+              </a:tblGrid>
+              <a:tr h="286338">
+                <a:tc>
+                  <a:txBody>
+                    <a:bodyPr/>
+                    <a:lstStyle/>
+                    <a:p>
+                      <a:pPr algn="ctr"/>
+                      <a:r>
+                        <a:rPr lang="en-AU" sz="1200" dirty="0" smtClean="0"/>
+                        <a:t>B</a:t>
+                      </a:r>
+                      <a:endParaRPr lang="en-AU" sz="1200" dirty="0"/>
+                    </a:p>
+                  </a:txBody>
+                  <a:tcPr anchor="ctr">
+                    <a:lnL w="12700" cmpd="sng">
+                      <a:noFill/>
+                    </a:lnL>
+                    <a:lnR w="12700" cmpd="sng">
+                      <a:noFill/>
+                    </a:lnR>
+                    <a:lnT w="12700" cap="flat" cmpd="sng" algn="ctr">
+                      <a:noFill/>
+                      <a:prstDash val="solid"/>
+                      <a:round/>
+                      <a:headEnd type="none" w="med" len="med"/>
+                      <a:tailEnd type="none" w="med" len="med"/>
+                    </a:lnT>
+                    <a:lnB w="38100" cmpd="sng">
+                      <a:noFill/>
+                    </a:lnB>
+                    <a:lnTlToBr w="12700" cmpd="sng">
+                      <a:noFill/>
+                      <a:prstDash val="solid"/>
+                    </a:lnTlToBr>
+                    <a:lnBlToTr w="12700" cmpd="sng">
+                      <a:noFill/>
+                      <a:prstDash val="solid"/>
+                    </a:lnBlToTr>
+                    <a:solidFill>
+                      <a:schemeClr val="accent2"/>
+                    </a:solidFill>
+                  </a:tcPr>
+                </a:tc>
+              </a:tr>
+              <a:tr h="286338">
+                <a:tc>
+                  <a:txBody>
+                    <a:bodyPr/>
+                    <a:lstStyle/>
+                    <a:p>
+                      <a:pPr algn="ctr"/>
+                      <a:endParaRPr lang="en-AU" sz="1200" dirty="0"/>
+                    </a:p>
+                  </a:txBody>
+                  <a:tcPr>
+                    <a:lnL w="12700" cmpd="sng">
+                      <a:noFill/>
+                    </a:lnL>
+                    <a:lnR w="12700" cmpd="sng">
+                      <a:noFill/>
+                    </a:lnR>
+                    <a:lnT w="38100" cmpd="sng">
+                      <a:noFill/>
+                    </a:lnT>
+                    <a:lnB w="12700" cmpd="sng">
+                      <a:noFill/>
+                    </a:lnB>
+                    <a:lnTlToBr w="12700" cmpd="sng">
+                      <a:noFill/>
+                      <a:prstDash val="solid"/>
+                    </a:lnTlToBr>
+                    <a:lnBlToTr w="12700" cmpd="sng">
+                      <a:noFill/>
+                      <a:prstDash val="solid"/>
+                    </a:lnBlToTr>
+                    <a:solidFill>
+                      <a:schemeClr val="accent2">
+                        <a:lumMod val="60000"/>
+                        <a:lumOff val="40000"/>
+                      </a:schemeClr>
+                    </a:solidFill>
+                  </a:tcPr>
+                </a:tc>
+              </a:tr>
+              <a:tr h="286338">
+                <a:tc>
+                  <a:txBody>
+                    <a:bodyPr/>
+                    <a:lstStyle/>
+                    <a:p>
+                      <a:pPr algn="ctr"/>
+                      <a:endParaRPr lang="en-AU" sz="1200" dirty="0"/>
+                    </a:p>
+                  </a:txBody>
+                  <a:tcPr>
+                    <a:lnL w="12700" cmpd="sng">
+                      <a:noFill/>
+                    </a:lnL>
+                    <a:lnR w="12700" cmpd="sng">
+                      <a:noFill/>
+                    </a:lnR>
+                    <a:lnT w="12700" cmpd="sng">
+                      <a:noFill/>
+                    </a:lnT>
+                    <a:lnB w="12700" cmpd="sng">
+                      <a:noFill/>
+                    </a:lnB>
+                    <a:lnTlToBr w="12700" cmpd="sng">
+                      <a:noFill/>
+                      <a:prstDash val="solid"/>
+                    </a:lnTlToBr>
+                    <a:lnBlToTr w="12700" cmpd="sng">
+                      <a:noFill/>
+                      <a:prstDash val="solid"/>
+                    </a:lnBlToTr>
+                    <a:solidFill>
+                      <a:schemeClr val="accent2">
+                        <a:lumMod val="40000"/>
+                        <a:lumOff val="60000"/>
+                      </a:schemeClr>
+                    </a:solidFill>
+                  </a:tcPr>
+                </a:tc>
+              </a:tr>
+              <a:tr h="286338">
+                <a:tc>
+                  <a:txBody>
+                    <a:bodyPr/>
+                    <a:lstStyle/>
+                    <a:p>
+                      <a:pPr algn="ctr"/>
+                      <a:endParaRPr lang="en-AU" sz="1200" dirty="0"/>
+                    </a:p>
+                  </a:txBody>
+                  <a:tcPr>
+                    <a:lnL w="12700" cmpd="sng">
+                      <a:noFill/>
+                    </a:lnL>
+                    <a:lnR w="12700" cmpd="sng">
+                      <a:noFill/>
+                    </a:lnR>
+                    <a:lnT w="12700" cmpd="sng">
+                      <a:noFill/>
+                    </a:lnT>
+                    <a:lnB w="12700" cap="flat" cmpd="sng" algn="ctr">
+                      <a:noFill/>
+                      <a:prstDash val="solid"/>
+                      <a:round/>
+                      <a:headEnd type="none" w="med" len="med"/>
+                      <a:tailEnd type="none" w="med" len="med"/>
+                    </a:lnB>
+                    <a:lnTlToBr w="12700" cmpd="sng">
+                      <a:noFill/>
+                      <a:prstDash val="solid"/>
+                    </a:lnTlToBr>
+                    <a:lnBlToTr w="12700" cmpd="sng">
+                      <a:noFill/>
+                      <a:prstDash val="solid"/>
+                    </a:lnBlToTr>
+                    <a:solidFill>
+                      <a:schemeClr val="accent2">
+                        <a:lumMod val="20000"/>
+                        <a:lumOff val="80000"/>
+                      </a:schemeClr>
+                    </a:solidFill>
+                  </a:tcPr>
+                </a:tc>
+              </a:tr>
+            </a:tbl>
+          </a:graphicData>
+        </a:graphic>
+      </p:graphicFrame>
+      <p:graphicFrame>
+        <p:nvGraphicFramePr>
+          <p:cNvPr id="55" name="Table 54"/>
+          <p:cNvGraphicFramePr>
+            <a:graphicFrameLocks noGrp="1"/>
+          </p:cNvGraphicFramePr>
+          <p:nvPr>
+            <p:extLst>
+              <p:ext uri="{D42A27DB-BD31-4B8C-83A1-F6EECF244321}">
+                <p14:modId xmlns:p14="http://schemas.microsoft.com/office/powerpoint/2010/main" val="1699868338"/>
+              </p:ext>
+            </p:extLst>
+          </p:nvPr>
+        </p:nvGraphicFramePr>
+        <p:xfrm>
+          <a:off x="3451648" y="942954"/>
+          <a:ext cx="398476" cy="1145352"/>
+        </p:xfrm>
+        <a:graphic>
+          <a:graphicData uri="http://schemas.openxmlformats.org/drawingml/2006/table">
+            <a:tbl>
+              <a:tblPr firstRow="1" bandRow="1">
+                <a:tableStyleId>{5C22544A-7EE6-4342-B048-85BDC9FD1C3A}</a:tableStyleId>
+              </a:tblPr>
+              <a:tblGrid>
+                <a:gridCol w="398476"/>
+              </a:tblGrid>
+              <a:tr h="286338">
+                <a:tc>
+                  <a:txBody>
+                    <a:bodyPr/>
+                    <a:lstStyle/>
+                    <a:p>
+                      <a:pPr algn="ctr"/>
+                      <a:r>
+                        <a:rPr lang="en-AU" sz="1200" dirty="0" smtClean="0"/>
+                        <a:t>A</a:t>
+                      </a:r>
+                      <a:endParaRPr lang="en-AU" sz="1200" dirty="0"/>
+                    </a:p>
+                  </a:txBody>
+                  <a:tcPr anchor="ctr">
+                    <a:lnL w="12700" cap="flat" cmpd="sng" algn="ctr">
+                      <a:noFill/>
+                      <a:prstDash val="solid"/>
+                      <a:round/>
+                      <a:headEnd type="none" w="med" len="med"/>
+                      <a:tailEnd type="none" w="med" len="med"/>
+                    </a:lnL>
+                    <a:lnR w="12700" cmpd="sng">
+                      <a:noFill/>
+                    </a:lnR>
+                    <a:lnT w="12700" cap="flat" cmpd="sng" algn="ctr">
+                      <a:noFill/>
+                      <a:prstDash val="solid"/>
+                      <a:round/>
+                      <a:headEnd type="none" w="med" len="med"/>
+                      <a:tailEnd type="none" w="med" len="med"/>
+                    </a:lnT>
+                    <a:lnB w="38100" cmpd="sng">
+                      <a:noFill/>
+                    </a:lnB>
+                    <a:lnTlToBr w="12700" cmpd="sng">
+                      <a:noFill/>
+                      <a:prstDash val="solid"/>
+                    </a:lnTlToBr>
+                    <a:lnBlToTr w="12700" cmpd="sng">
+                      <a:noFill/>
+                      <a:prstDash val="solid"/>
+                    </a:lnBlToTr>
+                  </a:tcPr>
+                </a:tc>
+              </a:tr>
+              <a:tr h="286338">
+                <a:tc>
+                  <a:txBody>
+                    <a:bodyPr/>
+                    <a:lstStyle/>
+                    <a:p>
+                      <a:pPr algn="ctr"/>
+                      <a:endParaRPr lang="en-AU" sz="1200" dirty="0"/>
+                    </a:p>
+                  </a:txBody>
+                  <a:tcPr>
+                    <a:lnL w="12700" cap="flat" cmpd="sng" algn="ctr">
+                      <a:noFill/>
+                      <a:prstDash val="solid"/>
+                      <a:round/>
+                      <a:headEnd type="none" w="med" len="med"/>
+                      <a:tailEnd type="none" w="med" len="med"/>
+                    </a:lnL>
+                    <a:lnR w="12700" cmpd="sng">
+                      <a:noFill/>
+                    </a:lnR>
+                    <a:lnT w="38100" cmpd="sng">
+                      <a:noFill/>
+                    </a:lnT>
+                    <a:lnB w="12700" cmpd="sng">
+                      <a:noFill/>
+                    </a:lnB>
+                    <a:lnTlToBr w="12700" cmpd="sng">
+                      <a:noFill/>
+                      <a:prstDash val="solid"/>
+                    </a:lnTlToBr>
+                    <a:lnBlToTr w="12700" cmpd="sng">
+                      <a:noFill/>
+                      <a:prstDash val="solid"/>
+                    </a:lnBlToTr>
+                    <a:solidFill>
+                      <a:schemeClr val="accent1">
+                        <a:lumMod val="60000"/>
+                        <a:lumOff val="40000"/>
+                      </a:schemeClr>
+                    </a:solidFill>
+                  </a:tcPr>
+                </a:tc>
+              </a:tr>
+              <a:tr h="286338">
+                <a:tc>
+                  <a:txBody>
+                    <a:bodyPr/>
+                    <a:lstStyle/>
+                    <a:p>
+                      <a:pPr algn="ctr"/>
+                      <a:endParaRPr lang="en-AU" sz="1200" dirty="0"/>
+                    </a:p>
+                  </a:txBody>
+                  <a:tcPr>
+                    <a:lnL w="12700" cap="flat" cmpd="sng" algn="ctr">
+                      <a:noFill/>
+                      <a:prstDash val="solid"/>
+                      <a:round/>
+                      <a:headEnd type="none" w="med" len="med"/>
+                      <a:tailEnd type="none" w="med" len="med"/>
+                    </a:lnL>
+                    <a:lnR w="12700" cmpd="sng">
+                      <a:noFill/>
+                    </a:lnR>
+                    <a:lnT w="12700" cmpd="sng">
+                      <a:noFill/>
+                    </a:lnT>
+                    <a:lnB w="12700" cmpd="sng">
+                      <a:noFill/>
+                    </a:lnB>
+                    <a:lnTlToBr w="12700" cmpd="sng">
+                      <a:noFill/>
+                      <a:prstDash val="solid"/>
+                    </a:lnTlToBr>
+                    <a:lnBlToTr w="12700" cmpd="sng">
+                      <a:noFill/>
+                      <a:prstDash val="solid"/>
+                    </a:lnBlToTr>
+                    <a:solidFill>
+                      <a:schemeClr val="accent1">
+                        <a:lumMod val="40000"/>
+                        <a:lumOff val="60000"/>
+                      </a:schemeClr>
+                    </a:solidFill>
+                  </a:tcPr>
+                </a:tc>
+              </a:tr>
+              <a:tr h="286338">
+                <a:tc>
+                  <a:txBody>
+                    <a:bodyPr/>
+                    <a:lstStyle/>
+                    <a:p>
+                      <a:pPr algn="ctr"/>
+                      <a:endParaRPr lang="en-AU" sz="1200" dirty="0"/>
+                    </a:p>
+                  </a:txBody>
+                  <a:tcPr>
+                    <a:lnL w="12700" cap="flat" cmpd="sng" algn="ctr">
+                      <a:noFill/>
+                      <a:prstDash val="solid"/>
+                      <a:round/>
+                      <a:headEnd type="none" w="med" len="med"/>
+                      <a:tailEnd type="none" w="med" len="med"/>
+                    </a:lnL>
+                    <a:lnR w="12700" cmpd="sng">
+                      <a:noFill/>
+                    </a:lnR>
+                    <a:lnT w="12700" cmpd="sng">
+                      <a:noFill/>
+                    </a:lnT>
+                    <a:lnB w="12700" cap="flat" cmpd="sng" algn="ctr">
+                      <a:noFill/>
+                      <a:prstDash val="solid"/>
+                      <a:round/>
+                      <a:headEnd type="none" w="med" len="med"/>
+                      <a:tailEnd type="none" w="med" len="med"/>
+                    </a:lnB>
+                    <a:lnTlToBr w="12700" cmpd="sng">
+                      <a:noFill/>
+                      <a:prstDash val="solid"/>
+                    </a:lnTlToBr>
+                    <a:lnBlToTr w="12700" cmpd="sng">
+                      <a:noFill/>
+                      <a:prstDash val="solid"/>
+                    </a:lnBlToTr>
+                    <a:solidFill>
+                      <a:schemeClr val="accent1">
+                        <a:lumMod val="20000"/>
+                        <a:lumOff val="80000"/>
+                      </a:schemeClr>
+                    </a:solidFill>
+                  </a:tcPr>
+                </a:tc>
+              </a:tr>
+            </a:tbl>
+          </a:graphicData>
+        </a:graphic>
+      </p:graphicFrame>
+      <p:cxnSp>
+        <p:nvCxnSpPr>
+          <p:cNvPr id="60" name="Straight Arrow Connector 59"/>
+          <p:cNvCxnSpPr>
+            <a:stCxn id="5" idx="2"/>
+            <a:endCxn id="45" idx="0"/>
+          </p:cNvCxnSpPr>
+          <p:nvPr/>
+        </p:nvCxnSpPr>
+        <p:spPr>
+          <a:xfrm>
+            <a:off x="5305105" y="4521974"/>
+            <a:ext cx="2661" cy="359677"/>
+          </a:xfrm>
+          <a:prstGeom prst="straightConnector1">
+            <a:avLst/>
+          </a:prstGeom>
+          <a:ln w="57150">
+            <a:tailEnd type="triangle"/>
+          </a:ln>
+        </p:spPr>
+        <p:style>
+          <a:lnRef idx="2">
+            <a:schemeClr val="dk1"/>
+          </a:lnRef>
+          <a:fillRef idx="0">
+            <a:schemeClr val="dk1"/>
+          </a:fillRef>
+          <a:effectRef idx="1">
+            <a:schemeClr val="dk1"/>
+          </a:effectRef>
+          <a:fontRef idx="minor">
+            <a:schemeClr val="tx1"/>
+          </a:fontRef>
+        </p:style>
+      </p:cxnSp>
+    </p:spTree>
+    <p:extLst>
+      <p:ext uri="{BB962C8B-B14F-4D97-AF65-F5344CB8AC3E}">
+        <p14:creationId xmlns:p14="http://schemas.microsoft.com/office/powerpoint/2010/main" val="4082660963"/>
+      </p:ext>
+    </p:extLst>
+  </p:cSld>
+  <p:clrMapOvr>
+    <a:masterClrMapping/>
+  </p:clrMapOvr>
+</p:sld>
+</file>
+
+<file path=ppt/slides/slide3.xml><?xml version="1.0" encoding="utf-8"?>
+<p:sld xmlns:a="http://schemas.openxmlformats.org/drawingml/2006/main" xmlns:r="http://schemas.openxmlformats.org/officeDocument/2006/relationships" xmlns:p="http://schemas.openxmlformats.org/presentationml/2006/main">
+  <p:cSld>
+    <p:spTree>
+      <p:nvGrpSpPr>
+        <p:cNvPr id="1" name=""/>
+        <p:cNvGrpSpPr/>
+        <p:nvPr/>
+      </p:nvGrpSpPr>
+      <p:grpSpPr>
+        <a:xfrm>
+          <a:off x="0" y="0"/>
+          <a:ext cx="0" cy="0"/>
+          <a:chOff x="0" y="0"/>
+          <a:chExt cx="0" cy="0"/>
+        </a:xfrm>
+      </p:grpSpPr>
+      <p:graphicFrame>
+        <p:nvGraphicFramePr>
+          <p:cNvPr id="4" name="Table 3"/>
+          <p:cNvGraphicFramePr>
+            <a:graphicFrameLocks noGrp="1"/>
+          </p:cNvGraphicFramePr>
+          <p:nvPr>
+            <p:extLst>
+              <p:ext uri="{D42A27DB-BD31-4B8C-83A1-F6EECF244321}">
+                <p14:modId xmlns:p14="http://schemas.microsoft.com/office/powerpoint/2010/main" val="607131398"/>
+              </p:ext>
+            </p:extLst>
+          </p:nvPr>
+        </p:nvGraphicFramePr>
+        <p:xfrm>
+          <a:off x="4328675" y="942954"/>
+          <a:ext cx="398476" cy="1145352"/>
+        </p:xfrm>
+        <a:graphic>
+          <a:graphicData uri="http://schemas.openxmlformats.org/drawingml/2006/table">
+            <a:tbl>
+              <a:tblPr firstRow="1" bandRow="1">
+                <a:tableStyleId>{5C22544A-7EE6-4342-B048-85BDC9FD1C3A}</a:tableStyleId>
+              </a:tblPr>
+              <a:tblGrid>
+                <a:gridCol w="398476"/>
+              </a:tblGrid>
+              <a:tr h="286338">
+                <a:tc>
+                  <a:txBody>
+                    <a:bodyPr/>
+                    <a:lstStyle/>
+                    <a:p>
+                      <a:pPr algn="ctr"/>
+                      <a:r>
+                        <a:rPr lang="en-AU" sz="1200" dirty="0" smtClean="0"/>
+                        <a:t>C</a:t>
+                      </a:r>
+                      <a:endParaRPr lang="en-AU" sz="1200" dirty="0"/>
+                    </a:p>
+                  </a:txBody>
+                  <a:tcPr anchor="ctr">
+                    <a:lnL w="12700" cmpd="sng">
+                      <a:noFill/>
+                    </a:lnL>
+                    <a:lnR w="12700" cap="flat" cmpd="sng" algn="ctr">
+                      <a:noFill/>
+                      <a:prstDash val="solid"/>
+                      <a:round/>
+                      <a:headEnd type="none" w="med" len="med"/>
+                      <a:tailEnd type="none" w="med" len="med"/>
+                    </a:lnR>
+                    <a:lnT w="12700" cap="flat" cmpd="sng" algn="ctr">
+                      <a:noFill/>
+                      <a:prstDash val="solid"/>
+                      <a:round/>
+                      <a:headEnd type="none" w="med" len="med"/>
+                      <a:tailEnd type="none" w="med" len="med"/>
+                    </a:lnT>
+                    <a:lnB w="38100" cmpd="sng">
+                      <a:noFill/>
+                    </a:lnB>
+                    <a:lnTlToBr w="12700" cmpd="sng">
+                      <a:noFill/>
+                      <a:prstDash val="solid"/>
+                    </a:lnTlToBr>
+                    <a:lnBlToTr w="12700" cmpd="sng">
+                      <a:noFill/>
+                      <a:prstDash val="solid"/>
+                    </a:lnBlToTr>
+                    <a:solidFill>
+                      <a:schemeClr val="accent6"/>
+                    </a:solidFill>
+                  </a:tcPr>
+                </a:tc>
+              </a:tr>
+              <a:tr h="286338">
+                <a:tc>
+                  <a:txBody>
+                    <a:bodyPr/>
+                    <a:lstStyle/>
+                    <a:p>
+                      <a:pPr algn="ctr"/>
+                      <a:endParaRPr lang="en-AU" sz="1200" dirty="0"/>
+                    </a:p>
+                  </a:txBody>
+                  <a:tcPr>
+                    <a:lnL w="12700" cmpd="sng">
+                      <a:noFill/>
+                    </a:lnL>
+                    <a:lnR w="12700" cap="flat" cmpd="sng" algn="ctr">
+                      <a:noFill/>
+                      <a:prstDash val="solid"/>
+                      <a:round/>
+                      <a:headEnd type="none" w="med" len="med"/>
+                      <a:tailEnd type="none" w="med" len="med"/>
+                    </a:lnR>
+                    <a:lnT w="38100" cmpd="sng">
+                      <a:noFill/>
+                    </a:lnT>
+                    <a:lnB w="12700" cmpd="sng">
+                      <a:noFill/>
+                    </a:lnB>
+                    <a:lnTlToBr w="12700" cmpd="sng">
+                      <a:noFill/>
+                      <a:prstDash val="solid"/>
+                    </a:lnTlToBr>
+                    <a:lnBlToTr w="12700" cmpd="sng">
+                      <a:noFill/>
+                      <a:prstDash val="solid"/>
+                    </a:lnBlToTr>
+                    <a:solidFill>
+                      <a:schemeClr val="accent6">
+                        <a:lumMod val="60000"/>
+                        <a:lumOff val="40000"/>
+                      </a:schemeClr>
+                    </a:solidFill>
+                  </a:tcPr>
+                </a:tc>
+              </a:tr>
+              <a:tr h="286338">
+                <a:tc>
+                  <a:txBody>
+                    <a:bodyPr/>
+                    <a:lstStyle/>
+                    <a:p>
+                      <a:pPr algn="ctr"/>
+                      <a:endParaRPr lang="en-AU" sz="1200" dirty="0"/>
+                    </a:p>
+                  </a:txBody>
+                  <a:tcPr>
+                    <a:lnL w="12700" cmpd="sng">
+                      <a:noFill/>
+                    </a:lnL>
+                    <a:lnR w="12700" cap="flat" cmpd="sng" algn="ctr">
+                      <a:noFill/>
+                      <a:prstDash val="solid"/>
+                      <a:round/>
+                      <a:headEnd type="none" w="med" len="med"/>
+                      <a:tailEnd type="none" w="med" len="med"/>
+                    </a:lnR>
+                    <a:lnT w="12700" cmpd="sng">
+                      <a:noFill/>
+                    </a:lnT>
+                    <a:lnB w="12700" cmpd="sng">
+                      <a:noFill/>
+                    </a:lnB>
+                    <a:lnTlToBr w="12700" cmpd="sng">
+                      <a:noFill/>
+                      <a:prstDash val="solid"/>
+                    </a:lnTlToBr>
+                    <a:lnBlToTr w="12700" cmpd="sng">
+                      <a:noFill/>
+                      <a:prstDash val="solid"/>
+                    </a:lnBlToTr>
+                    <a:solidFill>
+                      <a:schemeClr val="accent6">
+                        <a:lumMod val="40000"/>
+                        <a:lumOff val="60000"/>
+                      </a:schemeClr>
+                    </a:solidFill>
+                  </a:tcPr>
+                </a:tc>
+              </a:tr>
+              <a:tr h="286338">
+                <a:tc>
+                  <a:txBody>
+                    <a:bodyPr/>
+                    <a:lstStyle/>
+                    <a:p>
+                      <a:pPr algn="ctr"/>
+                      <a:endParaRPr lang="en-AU" sz="1200" dirty="0"/>
+                    </a:p>
+                  </a:txBody>
+                  <a:tcPr>
+                    <a:lnL w="12700" cmpd="sng">
+                      <a:noFill/>
+                    </a:lnL>
+                    <a:lnR w="12700" cap="flat" cmpd="sng" algn="ctr">
+                      <a:noFill/>
+                      <a:prstDash val="solid"/>
+                      <a:round/>
+                      <a:headEnd type="none" w="med" len="med"/>
+                      <a:tailEnd type="none" w="med" len="med"/>
+                    </a:lnR>
+                    <a:lnT w="12700" cmpd="sng">
+                      <a:noFill/>
+                    </a:lnT>
+                    <a:lnB w="12700" cap="flat" cmpd="sng" algn="ctr">
+                      <a:noFill/>
+                      <a:prstDash val="solid"/>
+                      <a:round/>
+                      <a:headEnd type="none" w="med" len="med"/>
+                      <a:tailEnd type="none" w="med" len="med"/>
+                    </a:lnB>
+                    <a:lnTlToBr w="12700" cmpd="sng">
+                      <a:noFill/>
+                      <a:prstDash val="solid"/>
+                    </a:lnTlToBr>
+                    <a:lnBlToTr w="12700" cmpd="sng">
+                      <a:noFill/>
+                      <a:prstDash val="solid"/>
+                    </a:lnBlToTr>
+                    <a:solidFill>
+                      <a:schemeClr val="accent6">
+                        <a:lumMod val="20000"/>
+                        <a:lumOff val="80000"/>
+                      </a:schemeClr>
+                    </a:solidFill>
+                  </a:tcPr>
+                </a:tc>
+              </a:tr>
+            </a:tbl>
+          </a:graphicData>
+        </a:graphic>
+      </p:graphicFrame>
+      <p:graphicFrame>
+        <p:nvGraphicFramePr>
+          <p:cNvPr id="5" name="Table 4"/>
+          <p:cNvGraphicFramePr>
+            <a:graphicFrameLocks noGrp="1"/>
+          </p:cNvGraphicFramePr>
+          <p:nvPr>
+            <p:extLst>
+              <p:ext uri="{D42A27DB-BD31-4B8C-83A1-F6EECF244321}">
+                <p14:modId xmlns:p14="http://schemas.microsoft.com/office/powerpoint/2010/main" val="1333281899"/>
+              </p:ext>
+            </p:extLst>
+          </p:nvPr>
+        </p:nvGraphicFramePr>
+        <p:xfrm>
+          <a:off x="4265969" y="3382630"/>
+          <a:ext cx="2078273" cy="1139344"/>
+        </p:xfrm>
+        <a:graphic>
+          <a:graphicData uri="http://schemas.openxmlformats.org/drawingml/2006/table">
+            <a:tbl>
+              <a:tblPr firstRow="1" bandRow="1">
+                <a:tableStyleId>{5C22544A-7EE6-4342-B048-85BDC9FD1C3A}</a:tableStyleId>
+              </a:tblPr>
+              <a:tblGrid>
+                <a:gridCol w="856055"/>
+                <a:gridCol w="407406"/>
+                <a:gridCol w="407406"/>
+                <a:gridCol w="407406"/>
+              </a:tblGrid>
+              <a:tr h="284836">
+                <a:tc>
+                  <a:txBody>
+                    <a:bodyPr/>
+                    <a:lstStyle/>
+                    <a:p>
+                      <a:pPr algn="ctr"/>
+                      <a:r>
+                        <a:rPr lang="en-AU" sz="1200" dirty="0" err="1" smtClean="0"/>
+                        <a:t>rowname</a:t>
+                      </a:r>
+                      <a:endParaRPr lang="en-AU" sz="1200" dirty="0"/>
+                    </a:p>
+                  </a:txBody>
+                  <a:tcPr anchor="ctr">
+                    <a:lnL w="12700" cap="flat" cmpd="sng" algn="ctr">
+                      <a:solidFill>
+                        <a:schemeClr val="tx1"/>
+                      </a:solidFill>
+                      <a:prstDash val="solid"/>
+                      <a:round/>
+                      <a:headEnd type="none" w="med" len="med"/>
+                      <a:tailEnd type="none" w="med" len="med"/>
+                    </a:lnL>
+                    <a:lnT w="12700" cap="flat" cmpd="sng" algn="ctr">
+                      <a:solidFill>
+                        <a:schemeClr val="tx1"/>
+                      </a:solidFill>
+                      <a:prstDash val="solid"/>
+                      <a:round/>
+                      <a:headEnd type="none" w="med" len="med"/>
+                      <a:tailEnd type="none" w="med" len="med"/>
+                    </a:lnT>
+                    <a:lnB w="12700" cap="flat" cmpd="sng" algn="ctr">
+                      <a:solidFill>
+                        <a:schemeClr val="tx1"/>
+                      </a:solidFill>
+                      <a:prstDash val="solid"/>
+                      <a:round/>
+                      <a:headEnd type="none" w="med" len="med"/>
+                      <a:tailEnd type="none" w="med" len="med"/>
+                    </a:lnB>
+                    <a:solidFill>
+                      <a:schemeClr val="accent3"/>
+                    </a:solidFill>
+                  </a:tcPr>
+                </a:tc>
+                <a:tc>
+                  <a:txBody>
+                    <a:bodyPr/>
+                    <a:lstStyle/>
+                    <a:p>
+                      <a:pPr algn="ctr"/>
+                      <a:r>
+                        <a:rPr lang="en-AU" sz="1200" dirty="0" smtClean="0"/>
+                        <a:t>A</a:t>
+                      </a:r>
+                      <a:endParaRPr lang="en-AU" sz="1200" dirty="0"/>
+                    </a:p>
+                  </a:txBody>
+                  <a:tcPr anchor="ctr">
+                    <a:lnT w="12700" cap="flat" cmpd="sng" algn="ctr">
+                      <a:solidFill>
+                        <a:schemeClr val="tx1"/>
+                      </a:solidFill>
+                      <a:prstDash val="solid"/>
+                      <a:round/>
+                      <a:headEnd type="none" w="med" len="med"/>
+                      <a:tailEnd type="none" w="med" len="med"/>
+                    </a:lnT>
+                    <a:lnB w="12700" cap="flat" cmpd="sng" algn="ctr">
+                      <a:solidFill>
+                        <a:schemeClr val="tx1"/>
+                      </a:solidFill>
+                      <a:prstDash val="solid"/>
+                      <a:round/>
+                      <a:headEnd type="none" w="med" len="med"/>
+                      <a:tailEnd type="none" w="med" len="med"/>
+                    </a:lnB>
+                  </a:tcPr>
+                </a:tc>
+                <a:tc>
+                  <a:txBody>
+                    <a:bodyPr/>
+                    <a:lstStyle/>
+                    <a:p>
+                      <a:pPr algn="ctr"/>
+                      <a:r>
+                        <a:rPr lang="en-AU" sz="1200" dirty="0" smtClean="0"/>
+                        <a:t>B</a:t>
+                      </a:r>
+                      <a:endParaRPr lang="en-AU" sz="1200" dirty="0"/>
+                    </a:p>
+                  </a:txBody>
+                  <a:tcPr anchor="ctr">
+                    <a:lnT w="12700" cap="flat" cmpd="sng" algn="ctr">
+                      <a:solidFill>
+                        <a:schemeClr val="tx1"/>
+                      </a:solidFill>
+                      <a:prstDash val="solid"/>
+                      <a:round/>
+                      <a:headEnd type="none" w="med" len="med"/>
+                      <a:tailEnd type="none" w="med" len="med"/>
+                    </a:lnT>
+                    <a:lnB w="12700" cap="flat" cmpd="sng" algn="ctr">
+                      <a:solidFill>
+                        <a:schemeClr val="tx1"/>
+                      </a:solidFill>
+                      <a:prstDash val="solid"/>
+                      <a:round/>
+                      <a:headEnd type="none" w="med" len="med"/>
+                      <a:tailEnd type="none" w="med" len="med"/>
+                    </a:lnB>
+                    <a:solidFill>
+                      <a:schemeClr val="accent2"/>
+                    </a:solidFill>
+                  </a:tcPr>
+                </a:tc>
+                <a:tc>
+                  <a:txBody>
+                    <a:bodyPr/>
+                    <a:lstStyle/>
+                    <a:p>
+                      <a:pPr algn="ctr"/>
+                      <a:r>
+                        <a:rPr lang="en-AU" sz="1200" dirty="0" smtClean="0"/>
+                        <a:t>C</a:t>
+                      </a:r>
+                      <a:endParaRPr lang="en-AU" sz="1200" dirty="0"/>
+                    </a:p>
+                  </a:txBody>
+                  <a:tcPr anchor="ctr">
+                    <a:lnR w="12700" cap="flat" cmpd="sng" algn="ctr">
+                      <a:solidFill>
+                        <a:schemeClr val="tx1"/>
+                      </a:solidFill>
+                      <a:prstDash val="solid"/>
+                      <a:round/>
+                      <a:headEnd type="none" w="med" len="med"/>
+                      <a:tailEnd type="none" w="med" len="med"/>
+                    </a:lnR>
+                    <a:lnT w="12700" cap="flat" cmpd="sng" algn="ctr">
+                      <a:solidFill>
+                        <a:schemeClr val="tx1"/>
+                      </a:solidFill>
+                      <a:prstDash val="solid"/>
+                      <a:round/>
+                      <a:headEnd type="none" w="med" len="med"/>
+                      <a:tailEnd type="none" w="med" len="med"/>
+                    </a:lnT>
+                    <a:lnB w="12700" cap="flat" cmpd="sng" algn="ctr">
+                      <a:solidFill>
+                        <a:schemeClr val="tx1"/>
+                      </a:solidFill>
+                      <a:prstDash val="solid"/>
+                      <a:round/>
+                      <a:headEnd type="none" w="med" len="med"/>
+                      <a:tailEnd type="none" w="med" len="med"/>
+                    </a:lnB>
+                    <a:solidFill>
+                      <a:schemeClr val="accent6"/>
+                    </a:solidFill>
+                  </a:tcPr>
+                </a:tc>
+              </a:tr>
+              <a:tr h="284836">
+                <a:tc>
+                  <a:txBody>
+                    <a:bodyPr/>
+                    <a:lstStyle/>
+                    <a:p>
+                      <a:pPr marL="0" marR="0" lvl="0" indent="0" algn="ctr" defTabSz="914400" rtl="0" eaLnBrk="1" fontAlgn="auto" latinLnBrk="0" hangingPunct="1">
+                        <a:lnSpc>
+                          <a:spcPct val="100000"/>
+                        </a:lnSpc>
+                        <a:spcBef>
+                          <a:spcPts val="0"/>
+                        </a:spcBef>
+                        <a:spcAft>
+                          <a:spcPts val="0"/>
+                        </a:spcAft>
+                        <a:buClrTx/>
+                        <a:buSzTx/>
+                        <a:buFontTx/>
+                        <a:buNone/>
+                        <a:tabLst/>
+                        <a:defRPr/>
+                      </a:pPr>
+                      <a:r>
+                        <a:rPr kumimoji="0" lang="en-AU" sz="1200" b="1" i="0" u="none" strike="noStrike" kern="1200" cap="none" spc="0" normalizeH="0" baseline="0" noProof="0" dirty="0" smtClean="0">
+                          <a:ln>
+                            <a:noFill/>
+                          </a:ln>
+                          <a:solidFill>
+                            <a:prstClr val="white"/>
+                          </a:solidFill>
+                          <a:effectLst/>
+                          <a:uLnTx/>
+                          <a:uFillTx/>
+                          <a:latin typeface="+mn-lt"/>
+                          <a:ea typeface="+mn-ea"/>
+                          <a:cs typeface="+mn-cs"/>
+                        </a:rPr>
+                        <a:t>A</a:t>
+                      </a:r>
+                    </a:p>
+                  </a:txBody>
+                  <a:tcPr anchor="ctr">
+                    <a:lnL w="12700" cap="flat" cmpd="sng" algn="ctr">
+                      <a:solidFill>
+                        <a:schemeClr val="tx1"/>
+                      </a:solidFill>
+                      <a:prstDash val="solid"/>
+                      <a:round/>
+                      <a:headEnd type="none" w="med" len="med"/>
+                      <a:tailEnd type="none" w="med" len="med"/>
+                    </a:lnL>
+                    <a:lnT w="12700" cap="flat" cmpd="sng" algn="ctr">
+                      <a:solidFill>
+                        <a:schemeClr val="tx1"/>
+                      </a:solidFill>
+                      <a:prstDash val="solid"/>
+                      <a:round/>
+                      <a:headEnd type="none" w="med" len="med"/>
+                      <a:tailEnd type="none" w="med" len="med"/>
+                    </a:lnT>
+                    <a:solidFill>
+                      <a:schemeClr val="accent1"/>
+                    </a:solidFill>
+                  </a:tcPr>
+                </a:tc>
+                <a:tc>
+                  <a:txBody>
+                    <a:bodyPr/>
+                    <a:lstStyle/>
+                    <a:p>
+                      <a:pPr algn="ctr"/>
+                      <a:r>
+                        <a:rPr lang="en-AU" sz="1200" i="1" dirty="0" smtClean="0">
+                          <a:solidFill>
+                            <a:srgbClr val="00B0F0"/>
+                          </a:solidFill>
+                        </a:rPr>
+                        <a:t>NA</a:t>
+                      </a:r>
+                      <a:endParaRPr lang="en-AU" sz="1200" i="1" dirty="0">
+                        <a:solidFill>
+                          <a:srgbClr val="00B0F0"/>
+                        </a:solidFill>
+                      </a:endParaRPr>
+                    </a:p>
+                  </a:txBody>
+                  <a:tcPr>
+                    <a:lnT w="12700" cap="flat" cmpd="sng" algn="ctr">
+                      <a:solidFill>
+                        <a:schemeClr val="tx1"/>
+                      </a:solidFill>
+                      <a:prstDash val="solid"/>
+                      <a:round/>
+                      <a:headEnd type="none" w="med" len="med"/>
+                      <a:tailEnd type="none" w="med" len="med"/>
+                    </a:lnT>
+                    <a:solidFill>
+                      <a:schemeClr val="bg1"/>
+                    </a:solidFill>
+                  </a:tcPr>
+                </a:tc>
+                <a:tc>
+                  <a:txBody>
+                    <a:bodyPr/>
+                    <a:lstStyle/>
+                    <a:p>
+                      <a:pPr algn="ctr"/>
+                      <a:r>
+                        <a:rPr lang="en-AU" sz="1200" dirty="0" smtClean="0"/>
+                        <a:t>BA</a:t>
+                      </a:r>
+                      <a:endParaRPr lang="en-AU" sz="1200" dirty="0"/>
+                    </a:p>
+                  </a:txBody>
+                  <a:tcPr>
+                    <a:lnT w="12700" cap="flat" cmpd="sng" algn="ctr">
+                      <a:solidFill>
+                        <a:schemeClr val="tx1"/>
+                      </a:solidFill>
+                      <a:prstDash val="solid"/>
+                      <a:round/>
+                      <a:headEnd type="none" w="med" len="med"/>
+                      <a:tailEnd type="none" w="med" len="med"/>
+                    </a:lnT>
+                    <a:solidFill>
+                      <a:schemeClr val="bg1"/>
+                    </a:solidFill>
+                  </a:tcPr>
+                </a:tc>
+                <a:tc>
+                  <a:txBody>
+                    <a:bodyPr/>
+                    <a:lstStyle/>
+                    <a:p>
+                      <a:pPr algn="ctr"/>
+                      <a:r>
+                        <a:rPr lang="en-AU" sz="1200" dirty="0" smtClean="0"/>
+                        <a:t>CA</a:t>
+                      </a:r>
+                      <a:endParaRPr lang="en-AU" sz="1200" dirty="0"/>
+                    </a:p>
+                  </a:txBody>
+                  <a:tcPr>
+                    <a:lnR w="12700" cap="flat" cmpd="sng" algn="ctr">
+                      <a:solidFill>
+                        <a:schemeClr val="tx1"/>
+                      </a:solidFill>
+                      <a:prstDash val="solid"/>
+                      <a:round/>
+                      <a:headEnd type="none" w="med" len="med"/>
+                      <a:tailEnd type="none" w="med" len="med"/>
+                    </a:lnR>
+                    <a:lnT w="12700" cap="flat" cmpd="sng" algn="ctr">
+                      <a:solidFill>
+                        <a:schemeClr val="tx1"/>
+                      </a:solidFill>
+                      <a:prstDash val="solid"/>
+                      <a:round/>
+                      <a:headEnd type="none" w="med" len="med"/>
+                      <a:tailEnd type="none" w="med" len="med"/>
+                    </a:lnT>
+                    <a:solidFill>
+                      <a:schemeClr val="bg1"/>
+                    </a:solidFill>
+                  </a:tcPr>
+                </a:tc>
+              </a:tr>
+              <a:tr h="284836">
+                <a:tc>
+                  <a:txBody>
+                    <a:bodyPr/>
+                    <a:lstStyle/>
+                    <a:p>
+                      <a:pPr marL="0" marR="0" lvl="0" indent="0" algn="ctr" defTabSz="914400" rtl="0" eaLnBrk="1" fontAlgn="auto" latinLnBrk="0" hangingPunct="1">
+                        <a:lnSpc>
+                          <a:spcPct val="100000"/>
+                        </a:lnSpc>
+                        <a:spcBef>
+                          <a:spcPts val="0"/>
+                        </a:spcBef>
+                        <a:spcAft>
+                          <a:spcPts val="0"/>
+                        </a:spcAft>
+                        <a:buClrTx/>
+                        <a:buSzTx/>
+                        <a:buFontTx/>
+                        <a:buNone/>
+                        <a:tabLst/>
+                        <a:defRPr/>
+                      </a:pPr>
+                      <a:r>
+                        <a:rPr kumimoji="0" lang="en-AU" sz="1200" b="1" i="0" u="none" strike="noStrike" kern="1200" cap="none" spc="0" normalizeH="0" baseline="0" noProof="0" dirty="0" smtClean="0">
+                          <a:ln>
+                            <a:noFill/>
+                          </a:ln>
+                          <a:solidFill>
+                            <a:prstClr val="white"/>
+                          </a:solidFill>
+                          <a:effectLst/>
+                          <a:uLnTx/>
+                          <a:uFillTx/>
+                          <a:latin typeface="+mn-lt"/>
+                          <a:ea typeface="+mn-ea"/>
+                          <a:cs typeface="+mn-cs"/>
+                        </a:rPr>
+                        <a:t>B</a:t>
+                      </a:r>
+                      <a:endParaRPr kumimoji="0" lang="en-AU" sz="1200" b="1" i="0" u="none" strike="noStrike" kern="1200" cap="none" spc="0" normalizeH="0" baseline="0" noProof="0" dirty="0">
+                        <a:ln>
+                          <a:noFill/>
+                        </a:ln>
+                        <a:solidFill>
+                          <a:prstClr val="white"/>
+                        </a:solidFill>
+                        <a:effectLst/>
+                        <a:uLnTx/>
+                        <a:uFillTx/>
+                        <a:latin typeface="+mn-lt"/>
+                        <a:ea typeface="+mn-ea"/>
+                        <a:cs typeface="+mn-cs"/>
+                      </a:endParaRPr>
+                    </a:p>
+                  </a:txBody>
+                  <a:tcPr anchor="ctr">
+                    <a:lnL w="12700" cap="flat" cmpd="sng" algn="ctr">
+                      <a:solidFill>
+                        <a:schemeClr val="tx1"/>
+                      </a:solidFill>
+                      <a:prstDash val="solid"/>
+                      <a:round/>
+                      <a:headEnd type="none" w="med" len="med"/>
+                      <a:tailEnd type="none" w="med" len="med"/>
+                    </a:lnL>
+                    <a:solidFill>
+                      <a:schemeClr val="accent2"/>
+                    </a:solidFill>
+                  </a:tcPr>
+                </a:tc>
+                <a:tc>
+                  <a:txBody>
+                    <a:bodyPr/>
+                    <a:lstStyle/>
+                    <a:p>
+                      <a:pPr algn="ctr"/>
+                      <a:r>
+                        <a:rPr lang="en-AU" sz="1200" dirty="0" smtClean="0"/>
+                        <a:t>AB</a:t>
+                      </a:r>
+                      <a:endParaRPr lang="en-AU" sz="1200" dirty="0"/>
+                    </a:p>
+                  </a:txBody>
+                  <a:tcPr>
+                    <a:solidFill>
+                      <a:schemeClr val="bg1"/>
+                    </a:solidFill>
+                  </a:tcPr>
+                </a:tc>
+                <a:tc>
+                  <a:txBody>
+                    <a:bodyPr/>
+                    <a:lstStyle/>
+                    <a:p>
+                      <a:pPr algn="ctr"/>
+                      <a:r>
+                        <a:rPr lang="en-AU" sz="1200" i="1" dirty="0" smtClean="0">
+                          <a:solidFill>
+                            <a:srgbClr val="00B0F0"/>
+                          </a:solidFill>
+                        </a:rPr>
+                        <a:t>NA</a:t>
+                      </a:r>
+                      <a:endParaRPr lang="en-AU" sz="1200" dirty="0"/>
+                    </a:p>
+                  </a:txBody>
+                  <a:tcPr>
+                    <a:solidFill>
+                      <a:schemeClr val="bg1"/>
+                    </a:solidFill>
+                  </a:tcPr>
+                </a:tc>
+                <a:tc>
+                  <a:txBody>
+                    <a:bodyPr/>
+                    <a:lstStyle/>
+                    <a:p>
+                      <a:pPr algn="ctr"/>
+                      <a:r>
+                        <a:rPr lang="en-AU" sz="1200" dirty="0" smtClean="0"/>
+                        <a:t>CB</a:t>
+                      </a:r>
+                      <a:endParaRPr lang="en-AU" sz="1200" dirty="0"/>
+                    </a:p>
+                  </a:txBody>
+                  <a:tcPr>
+                    <a:lnR w="12700" cap="flat" cmpd="sng" algn="ctr">
+                      <a:solidFill>
+                        <a:schemeClr val="tx1"/>
+                      </a:solidFill>
+                      <a:prstDash val="solid"/>
+                      <a:round/>
+                      <a:headEnd type="none" w="med" len="med"/>
+                      <a:tailEnd type="none" w="med" len="med"/>
+                    </a:lnR>
+                    <a:solidFill>
+                      <a:schemeClr val="bg1"/>
+                    </a:solidFill>
+                  </a:tcPr>
+                </a:tc>
+              </a:tr>
+              <a:tr h="284836">
+                <a:tc>
+                  <a:txBody>
+                    <a:bodyPr/>
+                    <a:lstStyle/>
+                    <a:p>
+                      <a:pPr marL="0" marR="0" lvl="0" indent="0" algn="ctr" defTabSz="914400" rtl="0" eaLnBrk="1" fontAlgn="auto" latinLnBrk="0" hangingPunct="1">
+                        <a:lnSpc>
+                          <a:spcPct val="100000"/>
+                        </a:lnSpc>
+                        <a:spcBef>
+                          <a:spcPts val="0"/>
+                        </a:spcBef>
+                        <a:spcAft>
+                          <a:spcPts val="0"/>
+                        </a:spcAft>
+                        <a:buClrTx/>
+                        <a:buSzTx/>
+                        <a:buFontTx/>
+                        <a:buNone/>
+                        <a:tabLst/>
+                        <a:defRPr/>
+                      </a:pPr>
+                      <a:r>
+                        <a:rPr kumimoji="0" lang="en-AU" sz="1200" b="1" i="0" u="none" strike="noStrike" kern="1200" cap="none" spc="0" normalizeH="0" baseline="0" noProof="0" dirty="0" smtClean="0">
+                          <a:ln>
+                            <a:noFill/>
+                          </a:ln>
+                          <a:solidFill>
+                            <a:prstClr val="white"/>
+                          </a:solidFill>
+                          <a:effectLst/>
+                          <a:uLnTx/>
+                          <a:uFillTx/>
+                          <a:latin typeface="+mn-lt"/>
+                          <a:ea typeface="+mn-ea"/>
+                          <a:cs typeface="+mn-cs"/>
+                        </a:rPr>
+                        <a:t>C</a:t>
+                      </a:r>
+                      <a:endParaRPr kumimoji="0" lang="en-AU" sz="1200" b="1" i="0" u="none" strike="noStrike" kern="1200" cap="none" spc="0" normalizeH="0" baseline="0" noProof="0" dirty="0">
+                        <a:ln>
+                          <a:noFill/>
+                        </a:ln>
+                        <a:solidFill>
+                          <a:prstClr val="white"/>
+                        </a:solidFill>
+                        <a:effectLst/>
+                        <a:uLnTx/>
+                        <a:uFillTx/>
+                        <a:latin typeface="+mn-lt"/>
+                        <a:ea typeface="+mn-ea"/>
+                        <a:cs typeface="+mn-cs"/>
+                      </a:endParaRPr>
+                    </a:p>
+                  </a:txBody>
+                  <a:tcPr anchor="ctr">
+                    <a:lnL w="12700" cap="flat" cmpd="sng" algn="ctr">
+                      <a:solidFill>
+                        <a:schemeClr val="tx1"/>
+                      </a:solidFill>
+                      <a:prstDash val="solid"/>
+                      <a:round/>
+                      <a:headEnd type="none" w="med" len="med"/>
+                      <a:tailEnd type="none" w="med" len="med"/>
+                    </a:lnL>
+                    <a:lnB w="12700" cap="flat" cmpd="sng" algn="ctr">
+                      <a:solidFill>
+                        <a:schemeClr val="tx1"/>
+                      </a:solidFill>
+                      <a:prstDash val="solid"/>
+                      <a:round/>
+                      <a:headEnd type="none" w="med" len="med"/>
+                      <a:tailEnd type="none" w="med" len="med"/>
+                    </a:lnB>
+                    <a:solidFill>
+                      <a:schemeClr val="accent6"/>
+                    </a:solidFill>
+                  </a:tcPr>
+                </a:tc>
+                <a:tc>
+                  <a:txBody>
+                    <a:bodyPr/>
+                    <a:lstStyle/>
+                    <a:p>
+                      <a:pPr algn="ctr"/>
+                      <a:r>
+                        <a:rPr lang="en-AU" sz="1200" dirty="0" smtClean="0"/>
+                        <a:t>AC</a:t>
+                      </a:r>
+                      <a:endParaRPr lang="en-AU" sz="1200" dirty="0"/>
+                    </a:p>
+                  </a:txBody>
+                  <a:tcPr>
+                    <a:lnB w="12700" cap="flat" cmpd="sng" algn="ctr">
+                      <a:solidFill>
+                        <a:schemeClr val="tx1"/>
+                      </a:solidFill>
+                      <a:prstDash val="solid"/>
+                      <a:round/>
+                      <a:headEnd type="none" w="med" len="med"/>
+                      <a:tailEnd type="none" w="med" len="med"/>
+                    </a:lnB>
+                    <a:solidFill>
+                      <a:schemeClr val="bg1"/>
+                    </a:solidFill>
+                  </a:tcPr>
+                </a:tc>
+                <a:tc>
+                  <a:txBody>
+                    <a:bodyPr/>
+                    <a:lstStyle/>
+                    <a:p>
+                      <a:pPr algn="ctr"/>
+                      <a:r>
+                        <a:rPr lang="en-AU" sz="1200" dirty="0" smtClean="0"/>
+                        <a:t>BC</a:t>
+                      </a:r>
+                      <a:endParaRPr lang="en-AU" sz="1200" dirty="0"/>
+                    </a:p>
+                  </a:txBody>
+                  <a:tcPr>
+                    <a:lnB w="12700" cap="flat" cmpd="sng" algn="ctr">
+                      <a:solidFill>
+                        <a:schemeClr val="tx1"/>
+                      </a:solidFill>
+                      <a:prstDash val="solid"/>
+                      <a:round/>
+                      <a:headEnd type="none" w="med" len="med"/>
+                      <a:tailEnd type="none" w="med" len="med"/>
+                    </a:lnB>
+                    <a:solidFill>
+                      <a:schemeClr val="bg1"/>
+                    </a:solidFill>
+                  </a:tcPr>
+                </a:tc>
+                <a:tc>
+                  <a:txBody>
+                    <a:bodyPr/>
+                    <a:lstStyle/>
+                    <a:p>
+                      <a:pPr algn="ctr"/>
+                      <a:r>
+                        <a:rPr lang="en-AU" sz="1200" i="1" dirty="0" smtClean="0">
+                          <a:solidFill>
+                            <a:srgbClr val="00B0F0"/>
+                          </a:solidFill>
+                        </a:rPr>
+                        <a:t>NA</a:t>
+                      </a:r>
+                      <a:endParaRPr lang="en-AU" sz="1200" dirty="0"/>
+                    </a:p>
+                  </a:txBody>
+                  <a:tcPr>
+                    <a:lnR w="12700" cap="flat" cmpd="sng" algn="ctr">
+                      <a:solidFill>
+                        <a:schemeClr val="tx1"/>
+                      </a:solidFill>
+                      <a:prstDash val="solid"/>
+                      <a:round/>
+                      <a:headEnd type="none" w="med" len="med"/>
+                      <a:tailEnd type="none" w="med" len="med"/>
+                    </a:lnR>
+                    <a:lnB w="12700" cap="flat" cmpd="sng" algn="ctr">
+                      <a:solidFill>
+                        <a:schemeClr val="tx1"/>
+                      </a:solidFill>
+                      <a:prstDash val="solid"/>
+                      <a:round/>
+                      <a:headEnd type="none" w="med" len="med"/>
+                      <a:tailEnd type="none" w="med" len="med"/>
+                    </a:lnB>
+                    <a:solidFill>
+                      <a:schemeClr val="bg1"/>
+                    </a:solidFill>
+                  </a:tcPr>
+                </a:tc>
+              </a:tr>
+            </a:tbl>
+          </a:graphicData>
+        </a:graphic>
+      </p:graphicFrame>
+      <p:sp>
+        <p:nvSpPr>
+          <p:cNvPr id="6" name="TextBox 5"/>
+          <p:cNvSpPr txBox="1"/>
+          <p:nvPr/>
+        </p:nvSpPr>
+        <p:spPr>
+          <a:xfrm>
+            <a:off x="3391267" y="2442031"/>
+            <a:ext cx="1418978" cy="338554"/>
+          </a:xfrm>
+          <a:prstGeom prst="rect">
+            <a:avLst/>
+          </a:prstGeom>
+          <a:noFill/>
+        </p:spPr>
+        <p:txBody>
+          <a:bodyPr wrap="none" rtlCol="0">
+            <a:spAutoFit/>
+          </a:bodyPr>
+          <a:lstStyle/>
+          <a:p>
+            <a:r>
+              <a:rPr lang="en-AU" sz="1600" dirty="0" smtClean="0">
+                <a:latin typeface="Consolas" panose="020B0609020204030204" pitchFamily="49" charset="0"/>
+                <a:cs typeface="Arial" panose="020B0604020202020204" pitchFamily="34" charset="0"/>
+              </a:rPr>
+              <a:t>correlate()</a:t>
+            </a:r>
+            <a:endParaRPr lang="en-AU" sz="1600" dirty="0">
+              <a:latin typeface="Consolas" panose="020B0609020204030204" pitchFamily="49" charset="0"/>
+              <a:cs typeface="Arial" panose="020B0604020202020204" pitchFamily="34" charset="0"/>
+            </a:endParaRPr>
+          </a:p>
+        </p:txBody>
+      </p:sp>
+      <p:sp>
+        <p:nvSpPr>
+          <p:cNvPr id="25" name="TextBox 24"/>
+          <p:cNvSpPr txBox="1"/>
+          <p:nvPr/>
+        </p:nvSpPr>
+        <p:spPr>
+          <a:xfrm>
+            <a:off x="4996366" y="1346353"/>
+            <a:ext cx="607859" cy="338554"/>
+          </a:xfrm>
+          <a:prstGeom prst="rect">
+            <a:avLst/>
+          </a:prstGeom>
+          <a:noFill/>
+        </p:spPr>
+        <p:txBody>
+          <a:bodyPr wrap="none" rtlCol="0">
+            <a:spAutoFit/>
+          </a:bodyPr>
+          <a:lstStyle/>
+          <a:p>
+            <a:r>
+              <a:rPr lang="en-AU" sz="1600" dirty="0" err="1" smtClean="0">
+                <a:solidFill>
+                  <a:schemeClr val="bg1">
+                    <a:lumMod val="65000"/>
+                  </a:schemeClr>
+                </a:solidFill>
+                <a:latin typeface="Arial" panose="020B0604020202020204" pitchFamily="34" charset="0"/>
+                <a:cs typeface="Arial" panose="020B0604020202020204" pitchFamily="34" charset="0"/>
+              </a:rPr>
+              <a:t>cor</a:t>
+            </a:r>
+            <a:r>
+              <a:rPr lang="en-AU" sz="1600" dirty="0" smtClean="0">
+                <a:solidFill>
+                  <a:schemeClr val="bg1">
+                    <a:lumMod val="65000"/>
+                  </a:schemeClr>
+                </a:solidFill>
+                <a:latin typeface="Arial" panose="020B0604020202020204" pitchFamily="34" charset="0"/>
+                <a:cs typeface="Arial" panose="020B0604020202020204" pitchFamily="34" charset="0"/>
+              </a:rPr>
+              <a:t>()</a:t>
+            </a:r>
+            <a:endParaRPr lang="en-AU" sz="1600" dirty="0">
+              <a:solidFill>
+                <a:schemeClr val="bg1">
+                  <a:lumMod val="65000"/>
+                </a:schemeClr>
+              </a:solidFill>
+              <a:latin typeface="Arial" panose="020B0604020202020204" pitchFamily="34" charset="0"/>
+              <a:cs typeface="Arial" panose="020B0604020202020204" pitchFamily="34" charset="0"/>
+            </a:endParaRPr>
+          </a:p>
+        </p:txBody>
+      </p:sp>
+      <p:cxnSp>
+        <p:nvCxnSpPr>
+          <p:cNvPr id="26" name="Straight Arrow Connector 25"/>
+          <p:cNvCxnSpPr>
+            <a:stCxn id="4" idx="3"/>
+            <a:endCxn id="25" idx="1"/>
+          </p:cNvCxnSpPr>
+          <p:nvPr/>
+        </p:nvCxnSpPr>
+        <p:spPr>
+          <a:xfrm>
+            <a:off x="4727151" y="1515630"/>
+            <a:ext cx="269215" cy="0"/>
+          </a:xfrm>
+          <a:prstGeom prst="straightConnector1">
+            <a:avLst/>
+          </a:prstGeom>
+          <a:ln>
+            <a:solidFill>
+              <a:schemeClr val="bg1">
+                <a:lumMod val="65000"/>
+              </a:schemeClr>
+            </a:solidFill>
+            <a:tailEnd type="triangle"/>
+          </a:ln>
+        </p:spPr>
+        <p:style>
+          <a:lnRef idx="2">
+            <a:schemeClr val="dk1"/>
+          </a:lnRef>
+          <a:fillRef idx="0">
+            <a:schemeClr val="dk1"/>
+          </a:fillRef>
+          <a:effectRef idx="1">
+            <a:schemeClr val="dk1"/>
+          </a:effectRef>
+          <a:fontRef idx="minor">
+            <a:schemeClr val="tx1"/>
+          </a:fontRef>
+        </p:style>
+      </p:cxnSp>
+      <p:graphicFrame>
+        <p:nvGraphicFramePr>
+          <p:cNvPr id="46" name="Table 45"/>
+          <p:cNvGraphicFramePr>
+            <a:graphicFrameLocks noGrp="1"/>
+          </p:cNvGraphicFramePr>
+          <p:nvPr>
+            <p:extLst>
+              <p:ext uri="{D42A27DB-BD31-4B8C-83A1-F6EECF244321}">
+                <p14:modId xmlns:p14="http://schemas.microsoft.com/office/powerpoint/2010/main" val="752483253"/>
+              </p:ext>
+            </p:extLst>
+          </p:nvPr>
+        </p:nvGraphicFramePr>
+        <p:xfrm>
+          <a:off x="5925044" y="1092132"/>
+          <a:ext cx="1208640" cy="846996"/>
+        </p:xfrm>
+        <a:graphic>
+          <a:graphicData uri="http://schemas.openxmlformats.org/drawingml/2006/table">
+            <a:tbl>
+              <a:tblPr firstRow="1" bandRow="1">
+                <a:tableStyleId>{5C22544A-7EE6-4342-B048-85BDC9FD1C3A}</a:tableStyleId>
+              </a:tblPr>
+              <a:tblGrid>
+                <a:gridCol w="402880"/>
+                <a:gridCol w="402880"/>
+                <a:gridCol w="402880"/>
+              </a:tblGrid>
+              <a:tr h="286338">
+                <a:tc>
+                  <a:txBody>
+                    <a:bodyPr/>
+                    <a:lstStyle/>
+                    <a:p>
+                      <a:pPr algn="ctr"/>
+                      <a:r>
+                        <a:rPr lang="en-AU" sz="1200" b="0" dirty="0" smtClean="0">
+                          <a:solidFill>
+                            <a:schemeClr val="tx1"/>
+                          </a:solidFill>
+                        </a:rPr>
+                        <a:t>1</a:t>
+                      </a:r>
+                      <a:endParaRPr lang="en-AU" sz="1200" b="0" dirty="0">
+                        <a:solidFill>
+                          <a:schemeClr val="tx1"/>
+                        </a:solidFill>
+                      </a:endParaRPr>
+                    </a:p>
+                  </a:txBody>
+                  <a:tcPr>
+                    <a:lnL w="12700" cap="flat" cmpd="sng" algn="ctr">
+                      <a:solidFill>
+                        <a:schemeClr val="tx1"/>
+                      </a:solidFill>
+                      <a:prstDash val="solid"/>
+                      <a:round/>
+                      <a:headEnd type="none" w="med" len="med"/>
+                      <a:tailEnd type="none" w="med" len="med"/>
+                    </a:lnL>
+                    <a:lnR w="12700" cmpd="sng">
+                      <a:noFill/>
+                    </a:lnR>
+                    <a:lnT w="12700" cap="flat" cmpd="sng" algn="ctr">
+                      <a:solidFill>
+                        <a:schemeClr val="tx1"/>
+                      </a:solidFill>
+                      <a:prstDash val="solid"/>
+                      <a:round/>
+                      <a:headEnd type="none" w="med" len="med"/>
+                      <a:tailEnd type="none" w="med" len="med"/>
+                    </a:lnT>
+                    <a:lnB w="12700" cmpd="sng">
+                      <a:noFill/>
+                    </a:lnB>
+                    <a:lnTlToBr w="12700" cmpd="sng">
+                      <a:noFill/>
+                      <a:prstDash val="solid"/>
+                    </a:lnTlToBr>
+                    <a:lnBlToTr w="12700" cmpd="sng">
+                      <a:noFill/>
+                      <a:prstDash val="solid"/>
+                    </a:lnBlToTr>
+                    <a:solidFill>
+                      <a:schemeClr val="bg1"/>
+                    </a:solidFill>
+                  </a:tcPr>
+                </a:tc>
+                <a:tc>
+                  <a:txBody>
+                    <a:bodyPr/>
+                    <a:lstStyle/>
+                    <a:p>
+                      <a:pPr algn="ctr"/>
+                      <a:r>
+                        <a:rPr lang="en-AU" sz="1200" b="0" dirty="0" smtClean="0">
+                          <a:solidFill>
+                            <a:schemeClr val="tx1"/>
+                          </a:solidFill>
+                        </a:rPr>
+                        <a:t>BA</a:t>
+                      </a:r>
+                      <a:endParaRPr lang="en-AU" sz="1200" b="0" dirty="0">
+                        <a:solidFill>
+                          <a:schemeClr val="tx1"/>
+                        </a:solidFill>
+                      </a:endParaRPr>
+                    </a:p>
+                  </a:txBody>
+                  <a:tcPr>
+                    <a:lnL w="12700" cmpd="sng">
+                      <a:noFill/>
+                    </a:lnL>
+                    <a:lnR w="12700" cmpd="sng">
+                      <a:noFill/>
+                    </a:lnR>
+                    <a:lnT w="12700" cap="flat" cmpd="sng" algn="ctr">
+                      <a:solidFill>
+                        <a:schemeClr val="tx1"/>
+                      </a:solidFill>
+                      <a:prstDash val="solid"/>
+                      <a:round/>
+                      <a:headEnd type="none" w="med" len="med"/>
+                      <a:tailEnd type="none" w="med" len="med"/>
+                    </a:lnT>
+                    <a:lnB w="12700" cmpd="sng">
+                      <a:noFill/>
+                    </a:lnB>
+                    <a:lnTlToBr w="12700" cmpd="sng">
+                      <a:noFill/>
+                      <a:prstDash val="solid"/>
+                    </a:lnTlToBr>
+                    <a:lnBlToTr w="12700" cmpd="sng">
+                      <a:noFill/>
+                      <a:prstDash val="solid"/>
+                    </a:lnBlToTr>
+                    <a:solidFill>
+                      <a:schemeClr val="bg1"/>
+                    </a:solidFill>
+                  </a:tcPr>
+                </a:tc>
+                <a:tc>
+                  <a:txBody>
+                    <a:bodyPr/>
+                    <a:lstStyle/>
+                    <a:p>
+                      <a:pPr algn="ctr"/>
+                      <a:r>
+                        <a:rPr lang="en-AU" sz="1200" b="0" dirty="0" smtClean="0">
+                          <a:solidFill>
+                            <a:schemeClr val="tx1"/>
+                          </a:solidFill>
+                        </a:rPr>
+                        <a:t>CA</a:t>
+                      </a:r>
+                      <a:endParaRPr lang="en-AU" sz="1200" b="0" dirty="0">
+                        <a:solidFill>
+                          <a:schemeClr val="tx1"/>
+                        </a:solidFill>
+                      </a:endParaRPr>
+                    </a:p>
+                  </a:txBody>
+                  <a:tcPr>
+                    <a:lnL w="12700" cmpd="sng">
+                      <a:noFill/>
+                    </a:lnL>
+                    <a:lnR w="12700" cap="flat" cmpd="sng" algn="ctr">
+                      <a:solidFill>
+                        <a:schemeClr val="tx1"/>
+                      </a:solidFill>
+                      <a:prstDash val="solid"/>
+                      <a:round/>
+                      <a:headEnd type="none" w="med" len="med"/>
+                      <a:tailEnd type="none" w="med" len="med"/>
+                    </a:lnR>
+                    <a:lnT w="12700" cap="flat" cmpd="sng" algn="ctr">
+                      <a:solidFill>
+                        <a:schemeClr val="tx1"/>
+                      </a:solidFill>
+                      <a:prstDash val="solid"/>
+                      <a:round/>
+                      <a:headEnd type="none" w="med" len="med"/>
+                      <a:tailEnd type="none" w="med" len="med"/>
+                    </a:lnT>
+                    <a:lnB w="12700" cmpd="sng">
+                      <a:noFill/>
+                    </a:lnB>
+                    <a:lnTlToBr w="12700" cmpd="sng">
+                      <a:noFill/>
+                      <a:prstDash val="solid"/>
+                    </a:lnTlToBr>
+                    <a:lnBlToTr w="12700" cmpd="sng">
+                      <a:noFill/>
+                      <a:prstDash val="solid"/>
+                    </a:lnBlToTr>
+                    <a:solidFill>
+                      <a:schemeClr val="bg1"/>
+                    </a:solidFill>
+                  </a:tcPr>
+                </a:tc>
+              </a:tr>
+              <a:tr h="286338">
+                <a:tc>
+                  <a:txBody>
+                    <a:bodyPr/>
+                    <a:lstStyle/>
+                    <a:p>
+                      <a:pPr algn="ctr"/>
+                      <a:r>
+                        <a:rPr lang="en-AU" sz="1200" dirty="0" smtClean="0"/>
+                        <a:t>AB</a:t>
+                      </a:r>
+                      <a:endParaRPr lang="en-AU" sz="1200" dirty="0"/>
+                    </a:p>
+                  </a:txBody>
+                  <a:tcPr>
+                    <a:lnL w="12700" cap="flat" cmpd="sng" algn="ctr">
+                      <a:solidFill>
+                        <a:schemeClr val="tx1"/>
+                      </a:solidFill>
+                      <a:prstDash val="solid"/>
+                      <a:round/>
+                      <a:headEnd type="none" w="med" len="med"/>
+                      <a:tailEnd type="none" w="med" len="med"/>
+                    </a:lnL>
+                    <a:lnR w="12700" cmpd="sng">
+                      <a:noFill/>
+                    </a:lnR>
+                    <a:lnT w="12700" cmpd="sng">
+                      <a:noFill/>
+                    </a:lnT>
+                    <a:lnB w="12700" cmpd="sng">
+                      <a:noFill/>
+                    </a:lnB>
+                    <a:lnTlToBr w="12700" cmpd="sng">
+                      <a:noFill/>
+                      <a:prstDash val="solid"/>
+                    </a:lnTlToBr>
+                    <a:lnBlToTr w="12700" cmpd="sng">
+                      <a:noFill/>
+                      <a:prstDash val="solid"/>
+                    </a:lnBlToTr>
+                    <a:solidFill>
+                      <a:schemeClr val="bg1"/>
+                    </a:solidFill>
+                  </a:tcPr>
+                </a:tc>
+                <a:tc>
+                  <a:txBody>
+                    <a:bodyPr/>
+                    <a:lstStyle/>
+                    <a:p>
+                      <a:pPr algn="ctr"/>
+                      <a:r>
+                        <a:rPr lang="en-AU" sz="1200" dirty="0" smtClean="0"/>
+                        <a:t>1</a:t>
+                      </a:r>
+                      <a:endParaRPr lang="en-AU" sz="1200" dirty="0"/>
+                    </a:p>
+                  </a:txBody>
+                  <a:tcPr>
+                    <a:lnL w="12700" cmpd="sng">
+                      <a:noFill/>
+                    </a:lnL>
+                    <a:lnR w="12700" cmpd="sng">
+                      <a:noFill/>
+                    </a:lnR>
+                    <a:lnT w="12700" cmpd="sng">
+                      <a:noFill/>
+                    </a:lnT>
+                    <a:lnB w="12700" cmpd="sng">
+                      <a:noFill/>
+                    </a:lnB>
+                    <a:lnTlToBr w="12700" cmpd="sng">
+                      <a:noFill/>
+                      <a:prstDash val="solid"/>
+                    </a:lnTlToBr>
+                    <a:lnBlToTr w="12700" cmpd="sng">
+                      <a:noFill/>
+                      <a:prstDash val="solid"/>
+                    </a:lnBlToTr>
+                    <a:solidFill>
+                      <a:schemeClr val="bg1"/>
+                    </a:solidFill>
+                  </a:tcPr>
+                </a:tc>
+                <a:tc>
+                  <a:txBody>
+                    <a:bodyPr/>
+                    <a:lstStyle/>
+                    <a:p>
+                      <a:pPr algn="ctr"/>
+                      <a:r>
+                        <a:rPr lang="en-AU" sz="1200" dirty="0" smtClean="0"/>
+                        <a:t>CB</a:t>
+                      </a:r>
+                      <a:endParaRPr lang="en-AU" sz="1200" dirty="0"/>
+                    </a:p>
+                  </a:txBody>
+                  <a:tcPr>
+                    <a:lnL w="12700" cmpd="sng">
+                      <a:noFill/>
+                    </a:lnL>
+                    <a:lnR w="12700" cap="flat" cmpd="sng" algn="ctr">
+                      <a:solidFill>
+                        <a:schemeClr val="tx1"/>
+                      </a:solidFill>
+                      <a:prstDash val="solid"/>
+                      <a:round/>
+                      <a:headEnd type="none" w="med" len="med"/>
+                      <a:tailEnd type="none" w="med" len="med"/>
+                    </a:lnR>
+                    <a:lnT w="12700" cmpd="sng">
+                      <a:noFill/>
+                    </a:lnT>
+                    <a:lnB w="12700" cmpd="sng">
+                      <a:noFill/>
+                    </a:lnB>
+                    <a:lnTlToBr w="12700" cmpd="sng">
+                      <a:noFill/>
+                      <a:prstDash val="solid"/>
+                    </a:lnTlToBr>
+                    <a:lnBlToTr w="12700" cmpd="sng">
+                      <a:noFill/>
+                      <a:prstDash val="solid"/>
+                    </a:lnBlToTr>
+                    <a:solidFill>
+                      <a:schemeClr val="bg1"/>
+                    </a:solidFill>
+                  </a:tcPr>
+                </a:tc>
+              </a:tr>
+              <a:tr h="274320">
+                <a:tc>
+                  <a:txBody>
+                    <a:bodyPr/>
+                    <a:lstStyle/>
+                    <a:p>
+                      <a:pPr algn="ctr"/>
+                      <a:r>
+                        <a:rPr lang="en-AU" sz="1200" dirty="0" smtClean="0"/>
+                        <a:t>AC</a:t>
+                      </a:r>
+                      <a:endParaRPr lang="en-AU" sz="1200" dirty="0"/>
+                    </a:p>
+                  </a:txBody>
+                  <a:tcPr>
+                    <a:lnL w="12700" cap="flat" cmpd="sng" algn="ctr">
+                      <a:solidFill>
+                        <a:schemeClr val="tx1"/>
+                      </a:solidFill>
+                      <a:prstDash val="solid"/>
+                      <a:round/>
+                      <a:headEnd type="none" w="med" len="med"/>
+                      <a:tailEnd type="none" w="med" len="med"/>
+                    </a:lnL>
+                    <a:lnR w="12700" cmpd="sng">
+                      <a:noFill/>
+                    </a:lnR>
+                    <a:lnT w="12700" cmpd="sng">
+                      <a:noFill/>
+                    </a:lnT>
+                    <a:lnB w="12700" cap="flat" cmpd="sng" algn="ctr">
+                      <a:solidFill>
+                        <a:schemeClr val="tx1"/>
+                      </a:solidFill>
+                      <a:prstDash val="solid"/>
+                      <a:round/>
+                      <a:headEnd type="none" w="med" len="med"/>
+                      <a:tailEnd type="none" w="med" len="med"/>
+                    </a:lnB>
+                    <a:lnTlToBr w="12700" cmpd="sng">
+                      <a:noFill/>
+                      <a:prstDash val="solid"/>
+                    </a:lnTlToBr>
+                    <a:lnBlToTr w="12700" cmpd="sng">
+                      <a:noFill/>
+                      <a:prstDash val="solid"/>
+                    </a:lnBlToTr>
+                    <a:solidFill>
+                      <a:schemeClr val="bg1"/>
+                    </a:solidFill>
+                  </a:tcPr>
+                </a:tc>
+                <a:tc>
+                  <a:txBody>
+                    <a:bodyPr/>
+                    <a:lstStyle/>
+                    <a:p>
+                      <a:pPr algn="ctr"/>
+                      <a:r>
+                        <a:rPr lang="en-AU" sz="1200" dirty="0" smtClean="0"/>
+                        <a:t>BC</a:t>
+                      </a:r>
+                      <a:endParaRPr lang="en-AU" sz="1200" dirty="0"/>
+                    </a:p>
+                  </a:txBody>
+                  <a:tcPr>
+                    <a:lnL w="12700" cmpd="sng">
+                      <a:noFill/>
+                    </a:lnL>
+                    <a:lnR w="12700" cmpd="sng">
+                      <a:noFill/>
+                    </a:lnR>
+                    <a:lnT w="12700" cmpd="sng">
+                      <a:noFill/>
+                    </a:lnT>
+                    <a:lnB w="12700" cap="flat" cmpd="sng" algn="ctr">
+                      <a:solidFill>
+                        <a:schemeClr val="tx1"/>
+                      </a:solidFill>
+                      <a:prstDash val="solid"/>
+                      <a:round/>
+                      <a:headEnd type="none" w="med" len="med"/>
+                      <a:tailEnd type="none" w="med" len="med"/>
+                    </a:lnB>
+                    <a:lnTlToBr w="12700" cmpd="sng">
+                      <a:noFill/>
+                      <a:prstDash val="solid"/>
+                    </a:lnTlToBr>
+                    <a:lnBlToTr w="12700" cmpd="sng">
+                      <a:noFill/>
+                      <a:prstDash val="solid"/>
+                    </a:lnBlToTr>
+                    <a:solidFill>
+                      <a:schemeClr val="bg1"/>
+                    </a:solidFill>
+                  </a:tcPr>
+                </a:tc>
+                <a:tc>
+                  <a:txBody>
+                    <a:bodyPr/>
+                    <a:lstStyle/>
+                    <a:p>
+                      <a:pPr algn="ctr"/>
+                      <a:r>
+                        <a:rPr lang="en-AU" sz="1200" dirty="0" smtClean="0"/>
+                        <a:t>1</a:t>
+                      </a:r>
+                      <a:endParaRPr lang="en-AU" sz="1200" dirty="0"/>
+                    </a:p>
+                  </a:txBody>
+                  <a:tcPr>
+                    <a:lnL w="12700" cmpd="sng">
+                      <a:noFill/>
+                    </a:lnL>
+                    <a:lnR w="12700" cap="flat" cmpd="sng" algn="ctr">
+                      <a:solidFill>
+                        <a:schemeClr val="tx1"/>
+                      </a:solidFill>
+                      <a:prstDash val="solid"/>
+                      <a:round/>
+                      <a:headEnd type="none" w="med" len="med"/>
+                      <a:tailEnd type="none" w="med" len="med"/>
+                    </a:lnR>
+                    <a:lnT w="12700" cmpd="sng">
+                      <a:noFill/>
+                    </a:lnT>
+                    <a:lnB w="12700" cap="flat" cmpd="sng" algn="ctr">
+                      <a:solidFill>
+                        <a:schemeClr val="tx1"/>
+                      </a:solidFill>
+                      <a:prstDash val="solid"/>
+                      <a:round/>
+                      <a:headEnd type="none" w="med" len="med"/>
+                      <a:tailEnd type="none" w="med" len="med"/>
+                    </a:lnB>
+                    <a:lnTlToBr w="12700" cmpd="sng">
+                      <a:noFill/>
+                      <a:prstDash val="solid"/>
+                    </a:lnTlToBr>
+                    <a:lnBlToTr w="12700" cmpd="sng">
+                      <a:noFill/>
+                      <a:prstDash val="solid"/>
+                    </a:lnBlToTr>
+                    <a:solidFill>
+                      <a:schemeClr val="bg1"/>
+                    </a:solidFill>
+                  </a:tcPr>
+                </a:tc>
+              </a:tr>
+            </a:tbl>
+          </a:graphicData>
+        </a:graphic>
+      </p:graphicFrame>
+      <p:cxnSp>
+        <p:nvCxnSpPr>
+          <p:cNvPr id="47" name="Straight Arrow Connector 46"/>
+          <p:cNvCxnSpPr>
+            <a:stCxn id="25" idx="3"/>
+            <a:endCxn id="46" idx="1"/>
+          </p:cNvCxnSpPr>
+          <p:nvPr/>
+        </p:nvCxnSpPr>
+        <p:spPr>
+          <a:xfrm>
+            <a:off x="5604225" y="1515630"/>
+            <a:ext cx="320819" cy="0"/>
+          </a:xfrm>
+          <a:prstGeom prst="straightConnector1">
+            <a:avLst/>
+          </a:prstGeom>
+          <a:ln>
+            <a:solidFill>
+              <a:schemeClr val="bg1">
+                <a:lumMod val="65000"/>
+              </a:schemeClr>
+            </a:solidFill>
+            <a:tailEnd type="triangle"/>
+          </a:ln>
+        </p:spPr>
+        <p:style>
+          <a:lnRef idx="2">
+            <a:schemeClr val="dk1"/>
+          </a:lnRef>
+          <a:fillRef idx="0">
+            <a:schemeClr val="dk1"/>
+          </a:fillRef>
+          <a:effectRef idx="1">
+            <a:schemeClr val="dk1"/>
+          </a:effectRef>
+          <a:fontRef idx="minor">
+            <a:schemeClr val="tx1"/>
+          </a:fontRef>
+        </p:style>
+      </p:cxnSp>
+      <p:sp>
+        <p:nvSpPr>
+          <p:cNvPr id="52" name="TextBox 51"/>
+          <p:cNvSpPr txBox="1"/>
+          <p:nvPr/>
+        </p:nvSpPr>
+        <p:spPr>
+          <a:xfrm>
+            <a:off x="5882239" y="2442031"/>
+            <a:ext cx="1306768" cy="338554"/>
+          </a:xfrm>
+          <a:prstGeom prst="rect">
+            <a:avLst/>
+          </a:prstGeom>
+          <a:noFill/>
+        </p:spPr>
+        <p:txBody>
+          <a:bodyPr wrap="none" rtlCol="0">
+            <a:spAutoFit/>
+          </a:bodyPr>
+          <a:lstStyle/>
+          <a:p>
+            <a:r>
+              <a:rPr lang="en-AU" sz="1600" dirty="0" err="1" smtClean="0">
+                <a:latin typeface="Consolas" panose="020B0609020204030204" pitchFamily="49" charset="0"/>
+                <a:cs typeface="Arial" panose="020B0604020202020204" pitchFamily="34" charset="0"/>
+              </a:rPr>
+              <a:t>as_cordf</a:t>
+            </a:r>
+            <a:r>
+              <a:rPr lang="en-AU" sz="1600" dirty="0" smtClean="0">
+                <a:latin typeface="Consolas" panose="020B0609020204030204" pitchFamily="49" charset="0"/>
+                <a:cs typeface="Arial" panose="020B0604020202020204" pitchFamily="34" charset="0"/>
+              </a:rPr>
+              <a:t>()</a:t>
+            </a:r>
+            <a:endParaRPr lang="en-AU" sz="1600" dirty="0">
+              <a:latin typeface="Consolas" panose="020B0609020204030204" pitchFamily="49" charset="0"/>
+              <a:cs typeface="Arial" panose="020B0604020202020204" pitchFamily="34" charset="0"/>
+            </a:endParaRPr>
+          </a:p>
+        </p:txBody>
+      </p:sp>
+      <p:cxnSp>
+        <p:nvCxnSpPr>
+          <p:cNvPr id="53" name="Straight Arrow Connector 52"/>
+          <p:cNvCxnSpPr>
+            <a:stCxn id="46" idx="2"/>
+            <a:endCxn id="52" idx="0"/>
+          </p:cNvCxnSpPr>
+          <p:nvPr/>
+        </p:nvCxnSpPr>
+        <p:spPr>
+          <a:xfrm>
+            <a:off x="6529364" y="1939128"/>
+            <a:ext cx="6259" cy="502903"/>
+          </a:xfrm>
+          <a:prstGeom prst="straightConnector1">
+            <a:avLst/>
+          </a:prstGeom>
+          <a:ln w="57150">
+            <a:tailEnd type="triangle"/>
+          </a:ln>
+        </p:spPr>
+        <p:style>
+          <a:lnRef idx="2">
+            <a:schemeClr val="dk1"/>
+          </a:lnRef>
+          <a:fillRef idx="0">
+            <a:schemeClr val="dk1"/>
+          </a:fillRef>
+          <a:effectRef idx="1">
+            <a:schemeClr val="dk1"/>
+          </a:effectRef>
+          <a:fontRef idx="minor">
+            <a:schemeClr val="tx1"/>
+          </a:fontRef>
+        </p:style>
+      </p:cxnSp>
+      <p:cxnSp>
+        <p:nvCxnSpPr>
+          <p:cNvPr id="57" name="Straight Arrow Connector 56"/>
+          <p:cNvCxnSpPr>
+            <a:stCxn id="52" idx="2"/>
+          </p:cNvCxnSpPr>
+          <p:nvPr/>
+        </p:nvCxnSpPr>
+        <p:spPr>
+          <a:xfrm flipH="1">
+            <a:off x="6083929" y="2780585"/>
+            <a:ext cx="451694" cy="453073"/>
+          </a:xfrm>
+          <a:prstGeom prst="straightConnector1">
+            <a:avLst/>
+          </a:prstGeom>
+          <a:ln w="57150">
+            <a:tailEnd type="triangle"/>
+          </a:ln>
+        </p:spPr>
+        <p:style>
+          <a:lnRef idx="2">
+            <a:schemeClr val="dk1"/>
+          </a:lnRef>
+          <a:fillRef idx="0">
+            <a:schemeClr val="dk1"/>
+          </a:fillRef>
+          <a:effectRef idx="1">
+            <a:schemeClr val="dk1"/>
+          </a:effectRef>
+          <a:fontRef idx="minor">
+            <a:schemeClr val="tx1"/>
+          </a:fontRef>
+        </p:style>
+      </p:cxnSp>
+      <p:sp>
+        <p:nvSpPr>
+          <p:cNvPr id="118" name="TextBox 117"/>
+          <p:cNvSpPr txBox="1"/>
+          <p:nvPr/>
+        </p:nvSpPr>
+        <p:spPr>
+          <a:xfrm>
+            <a:off x="3148738" y="434797"/>
+            <a:ext cx="1877437" cy="461665"/>
+          </a:xfrm>
+          <a:prstGeom prst="rect">
+            <a:avLst/>
+          </a:prstGeom>
+          <a:noFill/>
+        </p:spPr>
+        <p:txBody>
+          <a:bodyPr wrap="none" rtlCol="0">
+            <a:spAutoFit/>
+          </a:bodyPr>
+          <a:lstStyle/>
+          <a:p>
+            <a:pPr algn="ctr"/>
+            <a:r>
+              <a:rPr lang="en-AU" sz="1200" i="1" dirty="0" smtClean="0">
+                <a:latin typeface="Arial" panose="020B0604020202020204" pitchFamily="34" charset="0"/>
+                <a:cs typeface="Arial" panose="020B0604020202020204" pitchFamily="34" charset="0"/>
+              </a:rPr>
+              <a:t>Raw data</a:t>
+            </a:r>
+          </a:p>
+          <a:p>
+            <a:pPr algn="ctr"/>
+            <a:r>
+              <a:rPr lang="en-AU" sz="1200" i="1" dirty="0" smtClean="0">
+                <a:latin typeface="Arial" panose="020B0604020202020204" pitchFamily="34" charset="0"/>
+                <a:cs typeface="Arial" panose="020B0604020202020204" pitchFamily="34" charset="0"/>
+              </a:rPr>
+              <a:t>Data frame, matrix, list…</a:t>
+            </a:r>
+            <a:endParaRPr lang="en-AU" sz="1200" i="1" dirty="0">
+              <a:latin typeface="Arial" panose="020B0604020202020204" pitchFamily="34" charset="0"/>
+              <a:cs typeface="Arial" panose="020B0604020202020204" pitchFamily="34" charset="0"/>
+            </a:endParaRPr>
+          </a:p>
+        </p:txBody>
+      </p:sp>
+      <p:sp>
+        <p:nvSpPr>
+          <p:cNvPr id="119" name="TextBox 118"/>
+          <p:cNvSpPr txBox="1"/>
+          <p:nvPr/>
+        </p:nvSpPr>
+        <p:spPr>
+          <a:xfrm>
+            <a:off x="5810258" y="434797"/>
+            <a:ext cx="1438214" cy="461665"/>
+          </a:xfrm>
+          <a:prstGeom prst="rect">
+            <a:avLst/>
+          </a:prstGeom>
+          <a:noFill/>
+        </p:spPr>
+        <p:txBody>
+          <a:bodyPr wrap="none" rtlCol="0">
+            <a:spAutoFit/>
+          </a:bodyPr>
+          <a:lstStyle/>
+          <a:p>
+            <a:pPr algn="ctr"/>
+            <a:r>
+              <a:rPr lang="en-AU" sz="1200" i="1" dirty="0" smtClean="0">
+                <a:latin typeface="Arial" panose="020B0604020202020204" pitchFamily="34" charset="0"/>
+                <a:cs typeface="Arial" panose="020B0604020202020204" pitchFamily="34" charset="0"/>
+              </a:rPr>
+              <a:t>Correlation Matrix/</a:t>
+            </a:r>
+            <a:br>
+              <a:rPr lang="en-AU" sz="1200" i="1" dirty="0" smtClean="0">
+                <a:latin typeface="Arial" panose="020B0604020202020204" pitchFamily="34" charset="0"/>
+                <a:cs typeface="Arial" panose="020B0604020202020204" pitchFamily="34" charset="0"/>
+              </a:rPr>
+            </a:br>
+            <a:r>
+              <a:rPr lang="en-AU" sz="1200" i="1" dirty="0" smtClean="0">
+                <a:latin typeface="Arial" panose="020B0604020202020204" pitchFamily="34" charset="0"/>
+                <a:cs typeface="Arial" panose="020B0604020202020204" pitchFamily="34" charset="0"/>
+              </a:rPr>
+              <a:t>Square Structure</a:t>
+            </a:r>
+            <a:endParaRPr lang="en-AU" sz="1200" i="1" dirty="0">
+              <a:latin typeface="Arial" panose="020B0604020202020204" pitchFamily="34" charset="0"/>
+              <a:cs typeface="Arial" panose="020B0604020202020204" pitchFamily="34" charset="0"/>
+            </a:endParaRPr>
+          </a:p>
+        </p:txBody>
+      </p:sp>
+      <p:sp>
+        <p:nvSpPr>
+          <p:cNvPr id="120" name="TextBox 119"/>
+          <p:cNvSpPr txBox="1"/>
+          <p:nvPr/>
+        </p:nvSpPr>
+        <p:spPr>
+          <a:xfrm>
+            <a:off x="4835536" y="2875256"/>
+            <a:ext cx="944489" cy="461665"/>
+          </a:xfrm>
+          <a:prstGeom prst="rect">
+            <a:avLst/>
+          </a:prstGeom>
+          <a:noFill/>
+        </p:spPr>
+        <p:txBody>
+          <a:bodyPr wrap="none" rtlCol="0">
+            <a:spAutoFit/>
+          </a:bodyPr>
+          <a:lstStyle/>
+          <a:p>
+            <a:pPr algn="ctr"/>
+            <a:r>
+              <a:rPr lang="en-AU" sz="1200" i="1" dirty="0" smtClean="0">
+                <a:latin typeface="Arial" panose="020B0604020202020204" pitchFamily="34" charset="0"/>
+                <a:cs typeface="Arial" panose="020B0604020202020204" pitchFamily="34" charset="0"/>
+              </a:rPr>
+              <a:t>Correlation</a:t>
+            </a:r>
+            <a:br>
+              <a:rPr lang="en-AU" sz="1200" i="1" dirty="0" smtClean="0">
+                <a:latin typeface="Arial" panose="020B0604020202020204" pitchFamily="34" charset="0"/>
+                <a:cs typeface="Arial" panose="020B0604020202020204" pitchFamily="34" charset="0"/>
+              </a:rPr>
+            </a:br>
+            <a:r>
+              <a:rPr lang="en-AU" sz="1200" i="1" dirty="0" smtClean="0">
+                <a:latin typeface="Arial" panose="020B0604020202020204" pitchFamily="34" charset="0"/>
+                <a:cs typeface="Arial" panose="020B0604020202020204" pitchFamily="34" charset="0"/>
+              </a:rPr>
+              <a:t>Data frame</a:t>
+            </a:r>
+            <a:endParaRPr lang="en-AU" sz="1200" i="1" dirty="0">
+              <a:latin typeface="Arial" panose="020B0604020202020204" pitchFamily="34" charset="0"/>
+              <a:cs typeface="Arial" panose="020B0604020202020204" pitchFamily="34" charset="0"/>
+            </a:endParaRPr>
+          </a:p>
+        </p:txBody>
+      </p:sp>
+      <p:cxnSp>
+        <p:nvCxnSpPr>
+          <p:cNvPr id="31" name="Straight Arrow Connector 30"/>
+          <p:cNvCxnSpPr>
+            <a:stCxn id="54" idx="2"/>
+            <a:endCxn id="6" idx="0"/>
+          </p:cNvCxnSpPr>
+          <p:nvPr/>
+        </p:nvCxnSpPr>
+        <p:spPr>
+          <a:xfrm>
+            <a:off x="4089399" y="2088306"/>
+            <a:ext cx="11357" cy="353725"/>
+          </a:xfrm>
+          <a:prstGeom prst="straightConnector1">
+            <a:avLst/>
+          </a:prstGeom>
+          <a:ln w="57150">
+            <a:tailEnd type="triangle"/>
+          </a:ln>
+        </p:spPr>
+        <p:style>
+          <a:lnRef idx="2">
+            <a:schemeClr val="dk1"/>
+          </a:lnRef>
+          <a:fillRef idx="0">
+            <a:schemeClr val="dk1"/>
+          </a:fillRef>
+          <a:effectRef idx="1">
+            <a:schemeClr val="dk1"/>
+          </a:effectRef>
+          <a:fontRef idx="minor">
+            <a:schemeClr val="tx1"/>
+          </a:fontRef>
+        </p:style>
+      </p:cxnSp>
+      <p:cxnSp>
+        <p:nvCxnSpPr>
+          <p:cNvPr id="36" name="Straight Arrow Connector 35"/>
+          <p:cNvCxnSpPr>
+            <a:stCxn id="6" idx="2"/>
+          </p:cNvCxnSpPr>
+          <p:nvPr/>
+        </p:nvCxnSpPr>
+        <p:spPr>
+          <a:xfrm>
+            <a:off x="4100756" y="2780585"/>
+            <a:ext cx="364443" cy="453073"/>
+          </a:xfrm>
+          <a:prstGeom prst="straightConnector1">
+            <a:avLst/>
+          </a:prstGeom>
+          <a:ln w="57150">
+            <a:tailEnd type="triangle"/>
+          </a:ln>
+        </p:spPr>
+        <p:style>
+          <a:lnRef idx="2">
+            <a:schemeClr val="dk1"/>
+          </a:lnRef>
+          <a:fillRef idx="0">
+            <a:schemeClr val="dk1"/>
+          </a:fillRef>
+          <a:effectRef idx="1">
+            <a:schemeClr val="dk1"/>
+          </a:effectRef>
+          <a:fontRef idx="minor">
+            <a:schemeClr val="tx1"/>
+          </a:fontRef>
+        </p:style>
+      </p:cxnSp>
+      <p:sp>
+        <p:nvSpPr>
+          <p:cNvPr id="45" name="TextBox 44"/>
+          <p:cNvSpPr txBox="1"/>
+          <p:nvPr/>
+        </p:nvSpPr>
+        <p:spPr>
+          <a:xfrm>
+            <a:off x="4703273" y="4881651"/>
+            <a:ext cx="1208985" cy="338554"/>
+          </a:xfrm>
+          <a:prstGeom prst="rect">
+            <a:avLst/>
+          </a:prstGeom>
+          <a:noFill/>
+        </p:spPr>
+        <p:txBody>
+          <a:bodyPr wrap="none" rtlCol="0">
+            <a:spAutoFit/>
+          </a:bodyPr>
+          <a:lstStyle/>
+          <a:p>
+            <a:r>
+              <a:rPr lang="en-AU" sz="1600" dirty="0" smtClean="0">
+                <a:latin typeface="Arial" panose="020B0604020202020204" pitchFamily="34" charset="0"/>
+                <a:cs typeface="Arial" panose="020B0604020202020204" pitchFamily="34" charset="0"/>
+              </a:rPr>
+              <a:t>EXPLORE!</a:t>
+            </a:r>
+            <a:endParaRPr lang="en-AU" sz="1600" dirty="0">
+              <a:latin typeface="Arial" panose="020B0604020202020204" pitchFamily="34" charset="0"/>
+              <a:cs typeface="Arial" panose="020B0604020202020204" pitchFamily="34" charset="0"/>
+            </a:endParaRPr>
+          </a:p>
+        </p:txBody>
+      </p:sp>
+      <p:graphicFrame>
+        <p:nvGraphicFramePr>
+          <p:cNvPr id="54" name="Table 53"/>
+          <p:cNvGraphicFramePr>
+            <a:graphicFrameLocks noGrp="1"/>
+          </p:cNvGraphicFramePr>
+          <p:nvPr>
+            <p:extLst>
+              <p:ext uri="{D42A27DB-BD31-4B8C-83A1-F6EECF244321}">
+                <p14:modId xmlns:p14="http://schemas.microsoft.com/office/powerpoint/2010/main" val="3568259453"/>
+              </p:ext>
+            </p:extLst>
+          </p:nvPr>
+        </p:nvGraphicFramePr>
+        <p:xfrm>
+          <a:off x="3890161" y="942954"/>
+          <a:ext cx="398476" cy="1145352"/>
+        </p:xfrm>
+        <a:graphic>
+          <a:graphicData uri="http://schemas.openxmlformats.org/drawingml/2006/table">
+            <a:tbl>
+              <a:tblPr firstRow="1" bandRow="1">
+                <a:tableStyleId>{5C22544A-7EE6-4342-B048-85BDC9FD1C3A}</a:tableStyleId>
+              </a:tblPr>
+              <a:tblGrid>
+                <a:gridCol w="398476"/>
+              </a:tblGrid>
+              <a:tr h="286338">
+                <a:tc>
+                  <a:txBody>
+                    <a:bodyPr/>
+                    <a:lstStyle/>
+                    <a:p>
+                      <a:pPr algn="ctr"/>
+                      <a:r>
+                        <a:rPr lang="en-AU" sz="1200" dirty="0" smtClean="0"/>
+                        <a:t>B</a:t>
+                      </a:r>
+                      <a:endParaRPr lang="en-AU" sz="1200" dirty="0"/>
+                    </a:p>
+                  </a:txBody>
+                  <a:tcPr anchor="ctr">
+                    <a:lnL w="12700" cmpd="sng">
+                      <a:noFill/>
+                    </a:lnL>
+                    <a:lnR w="12700" cmpd="sng">
+                      <a:noFill/>
+                    </a:lnR>
+                    <a:lnT w="12700" cap="flat" cmpd="sng" algn="ctr">
+                      <a:noFill/>
+                      <a:prstDash val="solid"/>
+                      <a:round/>
+                      <a:headEnd type="none" w="med" len="med"/>
+                      <a:tailEnd type="none" w="med" len="med"/>
+                    </a:lnT>
+                    <a:lnB w="38100" cmpd="sng">
+                      <a:noFill/>
+                    </a:lnB>
+                    <a:lnTlToBr w="12700" cmpd="sng">
+                      <a:noFill/>
+                      <a:prstDash val="solid"/>
+                    </a:lnTlToBr>
+                    <a:lnBlToTr w="12700" cmpd="sng">
+                      <a:noFill/>
+                      <a:prstDash val="solid"/>
+                    </a:lnBlToTr>
+                    <a:solidFill>
+                      <a:schemeClr val="accent2"/>
+                    </a:solidFill>
+                  </a:tcPr>
+                </a:tc>
+              </a:tr>
+              <a:tr h="286338">
+                <a:tc>
+                  <a:txBody>
+                    <a:bodyPr/>
+                    <a:lstStyle/>
+                    <a:p>
+                      <a:pPr algn="ctr"/>
+                      <a:endParaRPr lang="en-AU" sz="1200" dirty="0"/>
+                    </a:p>
+                  </a:txBody>
+                  <a:tcPr>
+                    <a:lnL w="12700" cmpd="sng">
+                      <a:noFill/>
+                    </a:lnL>
+                    <a:lnR w="12700" cmpd="sng">
+                      <a:noFill/>
+                    </a:lnR>
+                    <a:lnT w="38100" cmpd="sng">
+                      <a:noFill/>
+                    </a:lnT>
+                    <a:lnB w="12700" cmpd="sng">
+                      <a:noFill/>
+                    </a:lnB>
+                    <a:lnTlToBr w="12700" cmpd="sng">
+                      <a:noFill/>
+                      <a:prstDash val="solid"/>
+                    </a:lnTlToBr>
+                    <a:lnBlToTr w="12700" cmpd="sng">
+                      <a:noFill/>
+                      <a:prstDash val="solid"/>
+                    </a:lnBlToTr>
+                    <a:solidFill>
+                      <a:schemeClr val="accent2">
+                        <a:lumMod val="60000"/>
+                        <a:lumOff val="40000"/>
+                      </a:schemeClr>
+                    </a:solidFill>
+                  </a:tcPr>
+                </a:tc>
+              </a:tr>
+              <a:tr h="286338">
+                <a:tc>
+                  <a:txBody>
+                    <a:bodyPr/>
+                    <a:lstStyle/>
+                    <a:p>
+                      <a:pPr algn="ctr"/>
+                      <a:endParaRPr lang="en-AU" sz="1200" dirty="0"/>
+                    </a:p>
+                  </a:txBody>
+                  <a:tcPr>
+                    <a:lnL w="12700" cmpd="sng">
+                      <a:noFill/>
+                    </a:lnL>
+                    <a:lnR w="12700" cmpd="sng">
+                      <a:noFill/>
+                    </a:lnR>
+                    <a:lnT w="12700" cmpd="sng">
+                      <a:noFill/>
+                    </a:lnT>
+                    <a:lnB w="12700" cmpd="sng">
+                      <a:noFill/>
+                    </a:lnB>
+                    <a:lnTlToBr w="12700" cmpd="sng">
+                      <a:noFill/>
+                      <a:prstDash val="solid"/>
+                    </a:lnTlToBr>
+                    <a:lnBlToTr w="12700" cmpd="sng">
+                      <a:noFill/>
+                      <a:prstDash val="solid"/>
+                    </a:lnBlToTr>
+                    <a:solidFill>
+                      <a:schemeClr val="accent2">
+                        <a:lumMod val="40000"/>
+                        <a:lumOff val="60000"/>
+                      </a:schemeClr>
+                    </a:solidFill>
+                  </a:tcPr>
+                </a:tc>
+              </a:tr>
+              <a:tr h="286338">
+                <a:tc>
+                  <a:txBody>
+                    <a:bodyPr/>
+                    <a:lstStyle/>
+                    <a:p>
+                      <a:pPr algn="ctr"/>
+                      <a:endParaRPr lang="en-AU" sz="1200" dirty="0"/>
+                    </a:p>
+                  </a:txBody>
+                  <a:tcPr>
+                    <a:lnL w="12700" cmpd="sng">
+                      <a:noFill/>
+                    </a:lnL>
+                    <a:lnR w="12700" cmpd="sng">
+                      <a:noFill/>
+                    </a:lnR>
+                    <a:lnT w="12700" cmpd="sng">
+                      <a:noFill/>
+                    </a:lnT>
+                    <a:lnB w="12700" cap="flat" cmpd="sng" algn="ctr">
+                      <a:noFill/>
+                      <a:prstDash val="solid"/>
+                      <a:round/>
+                      <a:headEnd type="none" w="med" len="med"/>
+                      <a:tailEnd type="none" w="med" len="med"/>
+                    </a:lnB>
+                    <a:lnTlToBr w="12700" cmpd="sng">
+                      <a:noFill/>
+                      <a:prstDash val="solid"/>
+                    </a:lnTlToBr>
+                    <a:lnBlToTr w="12700" cmpd="sng">
+                      <a:noFill/>
+                      <a:prstDash val="solid"/>
+                    </a:lnBlToTr>
+                    <a:solidFill>
+                      <a:schemeClr val="accent2">
+                        <a:lumMod val="20000"/>
+                        <a:lumOff val="80000"/>
+                      </a:schemeClr>
+                    </a:solidFill>
+                  </a:tcPr>
+                </a:tc>
+              </a:tr>
+            </a:tbl>
+          </a:graphicData>
+        </a:graphic>
+      </p:graphicFrame>
+      <p:graphicFrame>
+        <p:nvGraphicFramePr>
+          <p:cNvPr id="55" name="Table 54"/>
+          <p:cNvGraphicFramePr>
+            <a:graphicFrameLocks noGrp="1"/>
+          </p:cNvGraphicFramePr>
+          <p:nvPr>
+            <p:extLst>
+              <p:ext uri="{D42A27DB-BD31-4B8C-83A1-F6EECF244321}">
+                <p14:modId xmlns:p14="http://schemas.microsoft.com/office/powerpoint/2010/main" val="1699868338"/>
+              </p:ext>
+            </p:extLst>
+          </p:nvPr>
+        </p:nvGraphicFramePr>
+        <p:xfrm>
+          <a:off x="3451648" y="942954"/>
+          <a:ext cx="398476" cy="1145352"/>
+        </p:xfrm>
+        <a:graphic>
+          <a:graphicData uri="http://schemas.openxmlformats.org/drawingml/2006/table">
+            <a:tbl>
+              <a:tblPr firstRow="1" bandRow="1">
+                <a:tableStyleId>{5C22544A-7EE6-4342-B048-85BDC9FD1C3A}</a:tableStyleId>
+              </a:tblPr>
+              <a:tblGrid>
+                <a:gridCol w="398476"/>
+              </a:tblGrid>
+              <a:tr h="286338">
+                <a:tc>
+                  <a:txBody>
+                    <a:bodyPr/>
+                    <a:lstStyle/>
+                    <a:p>
+                      <a:pPr algn="ctr"/>
+                      <a:r>
+                        <a:rPr lang="en-AU" sz="1200" dirty="0" smtClean="0"/>
+                        <a:t>A</a:t>
+                      </a:r>
+                      <a:endParaRPr lang="en-AU" sz="1200" dirty="0"/>
+                    </a:p>
+                  </a:txBody>
+                  <a:tcPr anchor="ctr">
+                    <a:lnL w="12700" cap="flat" cmpd="sng" algn="ctr">
+                      <a:noFill/>
+                      <a:prstDash val="solid"/>
+                      <a:round/>
+                      <a:headEnd type="none" w="med" len="med"/>
+                      <a:tailEnd type="none" w="med" len="med"/>
+                    </a:lnL>
+                    <a:lnR w="12700" cmpd="sng">
+                      <a:noFill/>
+                    </a:lnR>
+                    <a:lnT w="12700" cap="flat" cmpd="sng" algn="ctr">
+                      <a:noFill/>
+                      <a:prstDash val="solid"/>
+                      <a:round/>
+                      <a:headEnd type="none" w="med" len="med"/>
+                      <a:tailEnd type="none" w="med" len="med"/>
+                    </a:lnT>
+                    <a:lnB w="38100" cmpd="sng">
+                      <a:noFill/>
+                    </a:lnB>
+                    <a:lnTlToBr w="12700" cmpd="sng">
+                      <a:noFill/>
+                      <a:prstDash val="solid"/>
+                    </a:lnTlToBr>
+                    <a:lnBlToTr w="12700" cmpd="sng">
+                      <a:noFill/>
+                      <a:prstDash val="solid"/>
+                    </a:lnBlToTr>
+                  </a:tcPr>
+                </a:tc>
+              </a:tr>
+              <a:tr h="286338">
+                <a:tc>
+                  <a:txBody>
+                    <a:bodyPr/>
+                    <a:lstStyle/>
+                    <a:p>
+                      <a:pPr algn="ctr"/>
+                      <a:endParaRPr lang="en-AU" sz="1200" dirty="0"/>
+                    </a:p>
+                  </a:txBody>
+                  <a:tcPr>
+                    <a:lnL w="12700" cap="flat" cmpd="sng" algn="ctr">
+                      <a:noFill/>
+                      <a:prstDash val="solid"/>
+                      <a:round/>
+                      <a:headEnd type="none" w="med" len="med"/>
+                      <a:tailEnd type="none" w="med" len="med"/>
+                    </a:lnL>
+                    <a:lnR w="12700" cmpd="sng">
+                      <a:noFill/>
+                    </a:lnR>
+                    <a:lnT w="38100" cmpd="sng">
+                      <a:noFill/>
+                    </a:lnT>
+                    <a:lnB w="12700" cmpd="sng">
+                      <a:noFill/>
+                    </a:lnB>
+                    <a:lnTlToBr w="12700" cmpd="sng">
+                      <a:noFill/>
+                      <a:prstDash val="solid"/>
+                    </a:lnTlToBr>
+                    <a:lnBlToTr w="12700" cmpd="sng">
+                      <a:noFill/>
+                      <a:prstDash val="solid"/>
+                    </a:lnBlToTr>
+                    <a:solidFill>
+                      <a:schemeClr val="accent1">
+                        <a:lumMod val="60000"/>
+                        <a:lumOff val="40000"/>
+                      </a:schemeClr>
+                    </a:solidFill>
+                  </a:tcPr>
+                </a:tc>
+              </a:tr>
+              <a:tr h="286338">
+                <a:tc>
+                  <a:txBody>
+                    <a:bodyPr/>
+                    <a:lstStyle/>
+                    <a:p>
+                      <a:pPr algn="ctr"/>
+                      <a:endParaRPr lang="en-AU" sz="1200" dirty="0"/>
+                    </a:p>
+                  </a:txBody>
+                  <a:tcPr>
+                    <a:lnL w="12700" cap="flat" cmpd="sng" algn="ctr">
+                      <a:noFill/>
+                      <a:prstDash val="solid"/>
+                      <a:round/>
+                      <a:headEnd type="none" w="med" len="med"/>
+                      <a:tailEnd type="none" w="med" len="med"/>
+                    </a:lnL>
+                    <a:lnR w="12700" cmpd="sng">
+                      <a:noFill/>
+                    </a:lnR>
+                    <a:lnT w="12700" cmpd="sng">
+                      <a:noFill/>
+                    </a:lnT>
+                    <a:lnB w="12700" cmpd="sng">
+                      <a:noFill/>
+                    </a:lnB>
+                    <a:lnTlToBr w="12700" cmpd="sng">
+                      <a:noFill/>
+                      <a:prstDash val="solid"/>
+                    </a:lnTlToBr>
+                    <a:lnBlToTr w="12700" cmpd="sng">
+                      <a:noFill/>
+                      <a:prstDash val="solid"/>
+                    </a:lnBlToTr>
+                    <a:solidFill>
+                      <a:schemeClr val="accent1">
+                        <a:lumMod val="40000"/>
+                        <a:lumOff val="60000"/>
+                      </a:schemeClr>
+                    </a:solidFill>
+                  </a:tcPr>
+                </a:tc>
+              </a:tr>
+              <a:tr h="286338">
+                <a:tc>
+                  <a:txBody>
+                    <a:bodyPr/>
+                    <a:lstStyle/>
+                    <a:p>
+                      <a:pPr algn="ctr"/>
+                      <a:endParaRPr lang="en-AU" sz="1200" dirty="0"/>
+                    </a:p>
+                  </a:txBody>
+                  <a:tcPr>
+                    <a:lnL w="12700" cap="flat" cmpd="sng" algn="ctr">
+                      <a:noFill/>
+                      <a:prstDash val="solid"/>
+                      <a:round/>
+                      <a:headEnd type="none" w="med" len="med"/>
+                      <a:tailEnd type="none" w="med" len="med"/>
+                    </a:lnL>
+                    <a:lnR w="12700" cmpd="sng">
+                      <a:noFill/>
+                    </a:lnR>
+                    <a:lnT w="12700" cmpd="sng">
+                      <a:noFill/>
+                    </a:lnT>
+                    <a:lnB w="12700" cap="flat" cmpd="sng" algn="ctr">
+                      <a:noFill/>
+                      <a:prstDash val="solid"/>
+                      <a:round/>
+                      <a:headEnd type="none" w="med" len="med"/>
+                      <a:tailEnd type="none" w="med" len="med"/>
+                    </a:lnB>
+                    <a:lnTlToBr w="12700" cmpd="sng">
+                      <a:noFill/>
+                      <a:prstDash val="solid"/>
+                    </a:lnTlToBr>
+                    <a:lnBlToTr w="12700" cmpd="sng">
+                      <a:noFill/>
+                      <a:prstDash val="solid"/>
+                    </a:lnBlToTr>
+                    <a:solidFill>
+                      <a:schemeClr val="accent1">
+                        <a:lumMod val="20000"/>
+                        <a:lumOff val="80000"/>
+                      </a:schemeClr>
+                    </a:solidFill>
+                  </a:tcPr>
+                </a:tc>
+              </a:tr>
+            </a:tbl>
+          </a:graphicData>
+        </a:graphic>
+      </p:graphicFrame>
+      <p:cxnSp>
+        <p:nvCxnSpPr>
+          <p:cNvPr id="60" name="Straight Arrow Connector 59"/>
+          <p:cNvCxnSpPr>
+            <a:stCxn id="5" idx="2"/>
+            <a:endCxn id="45" idx="0"/>
+          </p:cNvCxnSpPr>
+          <p:nvPr/>
+        </p:nvCxnSpPr>
+        <p:spPr>
+          <a:xfrm>
+            <a:off x="5305105" y="4521974"/>
+            <a:ext cx="2661" cy="359677"/>
+          </a:xfrm>
+          <a:prstGeom prst="straightConnector1">
+            <a:avLst/>
+          </a:prstGeom>
+          <a:ln w="57150">
+            <a:tailEnd type="triangle"/>
+          </a:ln>
+        </p:spPr>
+        <p:style>
+          <a:lnRef idx="2">
+            <a:schemeClr val="dk1"/>
+          </a:lnRef>
+          <a:fillRef idx="0">
+            <a:schemeClr val="dk1"/>
+          </a:fillRef>
+          <a:effectRef idx="1">
+            <a:schemeClr val="dk1"/>
+          </a:effectRef>
+          <a:fontRef idx="minor">
+            <a:schemeClr val="tx1"/>
+          </a:fontRef>
+        </p:style>
+      </p:cxnSp>
+    </p:spTree>
+    <p:extLst>
+      <p:ext uri="{BB962C8B-B14F-4D97-AF65-F5344CB8AC3E}">
+        <p14:creationId xmlns:p14="http://schemas.microsoft.com/office/powerpoint/2010/main" val="989634408"/>
+      </p:ext>
+    </p:extLst>
+  </p:cSld>
+  <p:clrMapOvr>
+    <a:masterClrMapping/>
+  </p:clrMapOvr>
+</p:sld>
+</file>
+
+<file path=ppt/slides/slide4.xml><?xml version="1.0" encoding="utf-8"?>
+<p:sld xmlns:a="http://schemas.openxmlformats.org/drawingml/2006/main" xmlns:r="http://schemas.openxmlformats.org/officeDocument/2006/relationships" xmlns:p="http://schemas.openxmlformats.org/presentationml/2006/main">
+  <p:cSld>
+    <p:spTree>
+      <p:nvGrpSpPr>
+        <p:cNvPr id="1" name=""/>
+        <p:cNvGrpSpPr/>
+        <p:nvPr/>
+      </p:nvGrpSpPr>
+      <p:grpSpPr>
+        <a:xfrm>
+          <a:off x="0" y="0"/>
+          <a:ext cx="0" cy="0"/>
+          <a:chOff x="0" y="0"/>
+          <a:chExt cx="0" cy="0"/>
+        </a:xfrm>
+      </p:grpSpPr>
+      <p:graphicFrame>
+        <p:nvGraphicFramePr>
+          <p:cNvPr id="5" name="Table 4"/>
+          <p:cNvGraphicFramePr>
+            <a:graphicFrameLocks noGrp="1"/>
+          </p:cNvGraphicFramePr>
+          <p:nvPr>
+            <p:extLst>
+              <p:ext uri="{D42A27DB-BD31-4B8C-83A1-F6EECF244321}">
+                <p14:modId xmlns:p14="http://schemas.microsoft.com/office/powerpoint/2010/main" val="3219581402"/>
+              </p:ext>
+            </p:extLst>
+          </p:nvPr>
+        </p:nvGraphicFramePr>
+        <p:xfrm>
+          <a:off x="6453635" y="1425792"/>
+          <a:ext cx="2078273" cy="1139344"/>
+        </p:xfrm>
+        <a:graphic>
+          <a:graphicData uri="http://schemas.openxmlformats.org/drawingml/2006/table">
+            <a:tbl>
+              <a:tblPr firstRow="1" bandRow="1">
+                <a:tableStyleId>{5C22544A-7EE6-4342-B048-85BDC9FD1C3A}</a:tableStyleId>
+              </a:tblPr>
+              <a:tblGrid>
+                <a:gridCol w="856055"/>
+                <a:gridCol w="407406"/>
+                <a:gridCol w="407406"/>
+                <a:gridCol w="407406"/>
+              </a:tblGrid>
+              <a:tr h="284836">
+                <a:tc>
+                  <a:txBody>
+                    <a:bodyPr/>
+                    <a:lstStyle/>
+                    <a:p>
+                      <a:pPr algn="ctr"/>
+                      <a:r>
+                        <a:rPr lang="en-AU" sz="1200" dirty="0" err="1" smtClean="0"/>
+                        <a:t>rowname</a:t>
+                      </a:r>
+                      <a:endParaRPr lang="en-AU" sz="1200" dirty="0"/>
+                    </a:p>
+                  </a:txBody>
+                  <a:tcPr anchor="ctr">
+                    <a:lnL w="12700" cap="flat" cmpd="sng" algn="ctr">
+                      <a:solidFill>
+                        <a:schemeClr val="tx1"/>
+                      </a:solidFill>
+                      <a:prstDash val="solid"/>
+                      <a:round/>
+                      <a:headEnd type="none" w="med" len="med"/>
+                      <a:tailEnd type="none" w="med" len="med"/>
+                    </a:lnL>
+                    <a:lnT w="12700" cap="flat" cmpd="sng" algn="ctr">
+                      <a:solidFill>
+                        <a:schemeClr val="tx1"/>
+                      </a:solidFill>
+                      <a:prstDash val="solid"/>
+                      <a:round/>
+                      <a:headEnd type="none" w="med" len="med"/>
+                      <a:tailEnd type="none" w="med" len="med"/>
+                    </a:lnT>
+                    <a:lnB w="12700" cap="flat" cmpd="sng" algn="ctr">
+                      <a:solidFill>
+                        <a:schemeClr val="tx1"/>
+                      </a:solidFill>
+                      <a:prstDash val="solid"/>
+                      <a:round/>
+                      <a:headEnd type="none" w="med" len="med"/>
+                      <a:tailEnd type="none" w="med" len="med"/>
+                    </a:lnB>
+                    <a:solidFill>
+                      <a:schemeClr val="accent3"/>
+                    </a:solidFill>
+                  </a:tcPr>
+                </a:tc>
+                <a:tc>
+                  <a:txBody>
+                    <a:bodyPr/>
+                    <a:lstStyle/>
+                    <a:p>
+                      <a:pPr algn="ctr"/>
+                      <a:r>
+                        <a:rPr lang="en-AU" sz="1200" dirty="0" smtClean="0"/>
+                        <a:t>A</a:t>
+                      </a:r>
+                      <a:endParaRPr lang="en-AU" sz="1200" dirty="0"/>
+                    </a:p>
+                  </a:txBody>
+                  <a:tcPr anchor="ctr">
+                    <a:lnT w="12700" cap="flat" cmpd="sng" algn="ctr">
+                      <a:solidFill>
+                        <a:schemeClr val="tx1"/>
+                      </a:solidFill>
+                      <a:prstDash val="solid"/>
+                      <a:round/>
+                      <a:headEnd type="none" w="med" len="med"/>
+                      <a:tailEnd type="none" w="med" len="med"/>
+                    </a:lnT>
+                    <a:lnB w="12700" cap="flat" cmpd="sng" algn="ctr">
+                      <a:solidFill>
+                        <a:schemeClr val="tx1"/>
+                      </a:solidFill>
+                      <a:prstDash val="solid"/>
+                      <a:round/>
+                      <a:headEnd type="none" w="med" len="med"/>
+                      <a:tailEnd type="none" w="med" len="med"/>
+                    </a:lnB>
+                  </a:tcPr>
+                </a:tc>
+                <a:tc>
+                  <a:txBody>
+                    <a:bodyPr/>
+                    <a:lstStyle/>
+                    <a:p>
+                      <a:pPr algn="ctr"/>
+                      <a:r>
+                        <a:rPr lang="en-AU" sz="1200" dirty="0" smtClean="0"/>
+                        <a:t>B</a:t>
+                      </a:r>
+                      <a:endParaRPr lang="en-AU" sz="1200" dirty="0"/>
+                    </a:p>
+                  </a:txBody>
+                  <a:tcPr anchor="ctr">
+                    <a:lnT w="12700" cap="flat" cmpd="sng" algn="ctr">
+                      <a:solidFill>
+                        <a:schemeClr val="tx1"/>
+                      </a:solidFill>
+                      <a:prstDash val="solid"/>
+                      <a:round/>
+                      <a:headEnd type="none" w="med" len="med"/>
+                      <a:tailEnd type="none" w="med" len="med"/>
+                    </a:lnT>
+                    <a:lnB w="12700" cap="flat" cmpd="sng" algn="ctr">
+                      <a:solidFill>
+                        <a:schemeClr val="tx1"/>
+                      </a:solidFill>
+                      <a:prstDash val="solid"/>
+                      <a:round/>
+                      <a:headEnd type="none" w="med" len="med"/>
+                      <a:tailEnd type="none" w="med" len="med"/>
+                    </a:lnB>
+                    <a:solidFill>
+                      <a:schemeClr val="accent2"/>
+                    </a:solidFill>
+                  </a:tcPr>
+                </a:tc>
+                <a:tc>
+                  <a:txBody>
+                    <a:bodyPr/>
+                    <a:lstStyle/>
+                    <a:p>
+                      <a:pPr algn="ctr"/>
+                      <a:r>
+                        <a:rPr lang="en-AU" sz="1200" dirty="0" smtClean="0"/>
+                        <a:t>C</a:t>
+                      </a:r>
+                      <a:endParaRPr lang="en-AU" sz="1200" dirty="0"/>
+                    </a:p>
+                  </a:txBody>
+                  <a:tcPr anchor="ctr">
+                    <a:lnR w="12700" cap="flat" cmpd="sng" algn="ctr">
+                      <a:solidFill>
+                        <a:schemeClr val="tx1"/>
+                      </a:solidFill>
+                      <a:prstDash val="solid"/>
+                      <a:round/>
+                      <a:headEnd type="none" w="med" len="med"/>
+                      <a:tailEnd type="none" w="med" len="med"/>
+                    </a:lnR>
+                    <a:lnT w="12700" cap="flat" cmpd="sng" algn="ctr">
+                      <a:solidFill>
+                        <a:schemeClr val="tx1"/>
+                      </a:solidFill>
+                      <a:prstDash val="solid"/>
+                      <a:round/>
+                      <a:headEnd type="none" w="med" len="med"/>
+                      <a:tailEnd type="none" w="med" len="med"/>
+                    </a:lnT>
+                    <a:lnB w="12700" cap="flat" cmpd="sng" algn="ctr">
+                      <a:solidFill>
+                        <a:schemeClr val="tx1"/>
+                      </a:solidFill>
+                      <a:prstDash val="solid"/>
+                      <a:round/>
+                      <a:headEnd type="none" w="med" len="med"/>
+                      <a:tailEnd type="none" w="med" len="med"/>
+                    </a:lnB>
+                    <a:solidFill>
+                      <a:schemeClr val="accent6"/>
+                    </a:solidFill>
+                  </a:tcPr>
+                </a:tc>
+              </a:tr>
+              <a:tr h="284836">
+                <a:tc>
+                  <a:txBody>
+                    <a:bodyPr/>
+                    <a:lstStyle/>
+                    <a:p>
+                      <a:pPr marL="0" marR="0" lvl="0" indent="0" algn="ctr" defTabSz="914400" rtl="0" eaLnBrk="1" fontAlgn="auto" latinLnBrk="0" hangingPunct="1">
+                        <a:lnSpc>
+                          <a:spcPct val="100000"/>
+                        </a:lnSpc>
+                        <a:spcBef>
+                          <a:spcPts val="0"/>
+                        </a:spcBef>
+                        <a:spcAft>
+                          <a:spcPts val="0"/>
+                        </a:spcAft>
+                        <a:buClrTx/>
+                        <a:buSzTx/>
+                        <a:buFontTx/>
+                        <a:buNone/>
+                        <a:tabLst/>
+                        <a:defRPr/>
+                      </a:pPr>
+                      <a:r>
+                        <a:rPr kumimoji="0" lang="en-AU" sz="1200" b="1" i="0" u="none" strike="noStrike" kern="1200" cap="none" spc="0" normalizeH="0" baseline="0" noProof="0" dirty="0" smtClean="0">
+                          <a:ln>
+                            <a:noFill/>
+                          </a:ln>
+                          <a:solidFill>
+                            <a:prstClr val="white"/>
+                          </a:solidFill>
+                          <a:effectLst/>
+                          <a:uLnTx/>
+                          <a:uFillTx/>
+                          <a:latin typeface="+mn-lt"/>
+                          <a:ea typeface="+mn-ea"/>
+                          <a:cs typeface="+mn-cs"/>
+                        </a:rPr>
+                        <a:t>A</a:t>
+                      </a:r>
+                    </a:p>
+                  </a:txBody>
+                  <a:tcPr anchor="ctr">
+                    <a:lnL w="12700" cap="flat" cmpd="sng" algn="ctr">
+                      <a:solidFill>
+                        <a:schemeClr val="tx1"/>
+                      </a:solidFill>
+                      <a:prstDash val="solid"/>
+                      <a:round/>
+                      <a:headEnd type="none" w="med" len="med"/>
+                      <a:tailEnd type="none" w="med" len="med"/>
+                    </a:lnL>
+                    <a:lnT w="12700" cap="flat" cmpd="sng" algn="ctr">
+                      <a:solidFill>
+                        <a:schemeClr val="tx1"/>
+                      </a:solidFill>
+                      <a:prstDash val="solid"/>
+                      <a:round/>
+                      <a:headEnd type="none" w="med" len="med"/>
+                      <a:tailEnd type="none" w="med" len="med"/>
+                    </a:lnT>
+                    <a:solidFill>
+                      <a:schemeClr val="accent1"/>
+                    </a:solidFill>
+                  </a:tcPr>
+                </a:tc>
+                <a:tc>
+                  <a:txBody>
+                    <a:bodyPr/>
+                    <a:lstStyle/>
+                    <a:p>
+                      <a:pPr algn="ctr"/>
+                      <a:r>
+                        <a:rPr lang="en-AU" sz="1200" i="1" dirty="0" smtClean="0">
+                          <a:solidFill>
+                            <a:srgbClr val="00B0F0"/>
+                          </a:solidFill>
+                        </a:rPr>
+                        <a:t>NA</a:t>
+                      </a:r>
+                      <a:endParaRPr lang="en-AU" sz="1200" i="1" dirty="0">
+                        <a:solidFill>
+                          <a:srgbClr val="00B0F0"/>
+                        </a:solidFill>
+                      </a:endParaRPr>
+                    </a:p>
+                  </a:txBody>
+                  <a:tcPr>
+                    <a:lnT w="12700" cap="flat" cmpd="sng" algn="ctr">
+                      <a:solidFill>
+                        <a:schemeClr val="tx1"/>
+                      </a:solidFill>
+                      <a:prstDash val="solid"/>
+                      <a:round/>
+                      <a:headEnd type="none" w="med" len="med"/>
+                      <a:tailEnd type="none" w="med" len="med"/>
+                    </a:lnT>
+                    <a:solidFill>
+                      <a:schemeClr val="bg1"/>
+                    </a:solidFill>
+                  </a:tcPr>
+                </a:tc>
+                <a:tc>
+                  <a:txBody>
+                    <a:bodyPr/>
+                    <a:lstStyle/>
+                    <a:p>
+                      <a:pPr algn="ctr"/>
+                      <a:r>
+                        <a:rPr lang="en-AU" sz="1200" dirty="0" smtClean="0"/>
+                        <a:t>BA</a:t>
+                      </a:r>
+                      <a:endParaRPr lang="en-AU" sz="1200" dirty="0"/>
+                    </a:p>
+                  </a:txBody>
+                  <a:tcPr>
+                    <a:lnT w="12700" cap="flat" cmpd="sng" algn="ctr">
+                      <a:solidFill>
+                        <a:schemeClr val="tx1"/>
+                      </a:solidFill>
+                      <a:prstDash val="solid"/>
+                      <a:round/>
+                      <a:headEnd type="none" w="med" len="med"/>
+                      <a:tailEnd type="none" w="med" len="med"/>
+                    </a:lnT>
+                    <a:solidFill>
+                      <a:schemeClr val="bg1"/>
+                    </a:solidFill>
+                  </a:tcPr>
+                </a:tc>
+                <a:tc>
+                  <a:txBody>
+                    <a:bodyPr/>
+                    <a:lstStyle/>
+                    <a:p>
+                      <a:pPr algn="ctr"/>
+                      <a:r>
+                        <a:rPr lang="en-AU" sz="1200" dirty="0" smtClean="0"/>
+                        <a:t>CA</a:t>
+                      </a:r>
+                      <a:endParaRPr lang="en-AU" sz="1200" dirty="0"/>
+                    </a:p>
+                  </a:txBody>
+                  <a:tcPr>
+                    <a:lnR w="12700" cap="flat" cmpd="sng" algn="ctr">
+                      <a:solidFill>
+                        <a:schemeClr val="tx1"/>
+                      </a:solidFill>
+                      <a:prstDash val="solid"/>
+                      <a:round/>
+                      <a:headEnd type="none" w="med" len="med"/>
+                      <a:tailEnd type="none" w="med" len="med"/>
+                    </a:lnR>
+                    <a:lnT w="12700" cap="flat" cmpd="sng" algn="ctr">
+                      <a:solidFill>
+                        <a:schemeClr val="tx1"/>
+                      </a:solidFill>
+                      <a:prstDash val="solid"/>
+                      <a:round/>
+                      <a:headEnd type="none" w="med" len="med"/>
+                      <a:tailEnd type="none" w="med" len="med"/>
+                    </a:lnT>
+                    <a:solidFill>
+                      <a:schemeClr val="bg1"/>
+                    </a:solidFill>
+                  </a:tcPr>
+                </a:tc>
+              </a:tr>
+              <a:tr h="284836">
+                <a:tc>
+                  <a:txBody>
+                    <a:bodyPr/>
+                    <a:lstStyle/>
+                    <a:p>
+                      <a:pPr marL="0" marR="0" lvl="0" indent="0" algn="ctr" defTabSz="914400" rtl="0" eaLnBrk="1" fontAlgn="auto" latinLnBrk="0" hangingPunct="1">
+                        <a:lnSpc>
+                          <a:spcPct val="100000"/>
+                        </a:lnSpc>
+                        <a:spcBef>
+                          <a:spcPts val="0"/>
+                        </a:spcBef>
+                        <a:spcAft>
+                          <a:spcPts val="0"/>
+                        </a:spcAft>
+                        <a:buClrTx/>
+                        <a:buSzTx/>
+                        <a:buFontTx/>
+                        <a:buNone/>
+                        <a:tabLst/>
+                        <a:defRPr/>
+                      </a:pPr>
+                      <a:r>
+                        <a:rPr kumimoji="0" lang="en-AU" sz="1200" b="1" i="0" u="none" strike="noStrike" kern="1200" cap="none" spc="0" normalizeH="0" baseline="0" noProof="0" dirty="0" smtClean="0">
+                          <a:ln>
+                            <a:noFill/>
+                          </a:ln>
+                          <a:solidFill>
+                            <a:prstClr val="white"/>
+                          </a:solidFill>
+                          <a:effectLst/>
+                          <a:uLnTx/>
+                          <a:uFillTx/>
+                          <a:latin typeface="+mn-lt"/>
+                          <a:ea typeface="+mn-ea"/>
+                          <a:cs typeface="+mn-cs"/>
+                        </a:rPr>
+                        <a:t>B</a:t>
+                      </a:r>
+                      <a:endParaRPr kumimoji="0" lang="en-AU" sz="1200" b="1" i="0" u="none" strike="noStrike" kern="1200" cap="none" spc="0" normalizeH="0" baseline="0" noProof="0" dirty="0">
+                        <a:ln>
+                          <a:noFill/>
+                        </a:ln>
+                        <a:solidFill>
+                          <a:prstClr val="white"/>
+                        </a:solidFill>
+                        <a:effectLst/>
+                        <a:uLnTx/>
+                        <a:uFillTx/>
+                        <a:latin typeface="+mn-lt"/>
+                        <a:ea typeface="+mn-ea"/>
+                        <a:cs typeface="+mn-cs"/>
+                      </a:endParaRPr>
+                    </a:p>
+                  </a:txBody>
+                  <a:tcPr anchor="ctr">
+                    <a:lnL w="12700" cap="flat" cmpd="sng" algn="ctr">
+                      <a:solidFill>
+                        <a:schemeClr val="tx1"/>
+                      </a:solidFill>
+                      <a:prstDash val="solid"/>
+                      <a:round/>
+                      <a:headEnd type="none" w="med" len="med"/>
+                      <a:tailEnd type="none" w="med" len="med"/>
+                    </a:lnL>
+                    <a:solidFill>
+                      <a:schemeClr val="accent2"/>
+                    </a:solidFill>
+                  </a:tcPr>
+                </a:tc>
+                <a:tc>
+                  <a:txBody>
+                    <a:bodyPr/>
+                    <a:lstStyle/>
+                    <a:p>
+                      <a:pPr algn="ctr"/>
+                      <a:r>
+                        <a:rPr lang="en-AU" sz="1200" dirty="0" smtClean="0"/>
+                        <a:t>AB</a:t>
+                      </a:r>
+                      <a:endParaRPr lang="en-AU" sz="1200" dirty="0"/>
+                    </a:p>
+                  </a:txBody>
+                  <a:tcPr>
+                    <a:solidFill>
+                      <a:schemeClr val="bg1"/>
+                    </a:solidFill>
+                  </a:tcPr>
+                </a:tc>
+                <a:tc>
+                  <a:txBody>
+                    <a:bodyPr/>
+                    <a:lstStyle/>
+                    <a:p>
+                      <a:pPr algn="ctr"/>
+                      <a:r>
+                        <a:rPr lang="en-AU" sz="1200" i="1" dirty="0" smtClean="0">
+                          <a:solidFill>
+                            <a:srgbClr val="00B0F0"/>
+                          </a:solidFill>
+                        </a:rPr>
+                        <a:t>NA</a:t>
+                      </a:r>
+                      <a:endParaRPr lang="en-AU" sz="1200" dirty="0"/>
+                    </a:p>
+                  </a:txBody>
+                  <a:tcPr>
+                    <a:solidFill>
+                      <a:schemeClr val="bg1"/>
+                    </a:solidFill>
+                  </a:tcPr>
+                </a:tc>
+                <a:tc>
+                  <a:txBody>
+                    <a:bodyPr/>
+                    <a:lstStyle/>
+                    <a:p>
+                      <a:pPr algn="ctr"/>
+                      <a:r>
+                        <a:rPr lang="en-AU" sz="1200" dirty="0" smtClean="0"/>
+                        <a:t>CB</a:t>
+                      </a:r>
+                      <a:endParaRPr lang="en-AU" sz="1200" dirty="0"/>
+                    </a:p>
+                  </a:txBody>
+                  <a:tcPr>
+                    <a:lnR w="12700" cap="flat" cmpd="sng" algn="ctr">
+                      <a:solidFill>
+                        <a:schemeClr val="tx1"/>
+                      </a:solidFill>
+                      <a:prstDash val="solid"/>
+                      <a:round/>
+                      <a:headEnd type="none" w="med" len="med"/>
+                      <a:tailEnd type="none" w="med" len="med"/>
+                    </a:lnR>
+                    <a:solidFill>
+                      <a:schemeClr val="bg1"/>
+                    </a:solidFill>
+                  </a:tcPr>
+                </a:tc>
+              </a:tr>
+              <a:tr h="284836">
+                <a:tc>
+                  <a:txBody>
+                    <a:bodyPr/>
+                    <a:lstStyle/>
+                    <a:p>
+                      <a:pPr marL="0" marR="0" lvl="0" indent="0" algn="ctr" defTabSz="914400" rtl="0" eaLnBrk="1" fontAlgn="auto" latinLnBrk="0" hangingPunct="1">
+                        <a:lnSpc>
+                          <a:spcPct val="100000"/>
+                        </a:lnSpc>
+                        <a:spcBef>
+                          <a:spcPts val="0"/>
+                        </a:spcBef>
+                        <a:spcAft>
+                          <a:spcPts val="0"/>
+                        </a:spcAft>
+                        <a:buClrTx/>
+                        <a:buSzTx/>
+                        <a:buFontTx/>
+                        <a:buNone/>
+                        <a:tabLst/>
+                        <a:defRPr/>
+                      </a:pPr>
+                      <a:r>
+                        <a:rPr kumimoji="0" lang="en-AU" sz="1200" b="1" i="0" u="none" strike="noStrike" kern="1200" cap="none" spc="0" normalizeH="0" baseline="0" noProof="0" dirty="0" smtClean="0">
+                          <a:ln>
+                            <a:noFill/>
+                          </a:ln>
+                          <a:solidFill>
+                            <a:prstClr val="white"/>
+                          </a:solidFill>
+                          <a:effectLst/>
+                          <a:uLnTx/>
+                          <a:uFillTx/>
+                          <a:latin typeface="+mn-lt"/>
+                          <a:ea typeface="+mn-ea"/>
+                          <a:cs typeface="+mn-cs"/>
+                        </a:rPr>
+                        <a:t>C</a:t>
+                      </a:r>
+                      <a:endParaRPr kumimoji="0" lang="en-AU" sz="1200" b="1" i="0" u="none" strike="noStrike" kern="1200" cap="none" spc="0" normalizeH="0" baseline="0" noProof="0" dirty="0">
+                        <a:ln>
+                          <a:noFill/>
+                        </a:ln>
+                        <a:solidFill>
+                          <a:prstClr val="white"/>
+                        </a:solidFill>
+                        <a:effectLst/>
+                        <a:uLnTx/>
+                        <a:uFillTx/>
+                        <a:latin typeface="+mn-lt"/>
+                        <a:ea typeface="+mn-ea"/>
+                        <a:cs typeface="+mn-cs"/>
+                      </a:endParaRPr>
+                    </a:p>
+                  </a:txBody>
+                  <a:tcPr anchor="ctr">
+                    <a:lnL w="12700" cap="flat" cmpd="sng" algn="ctr">
+                      <a:solidFill>
+                        <a:schemeClr val="tx1"/>
+                      </a:solidFill>
+                      <a:prstDash val="solid"/>
+                      <a:round/>
+                      <a:headEnd type="none" w="med" len="med"/>
+                      <a:tailEnd type="none" w="med" len="med"/>
+                    </a:lnL>
+                    <a:lnB w="12700" cap="flat" cmpd="sng" algn="ctr">
+                      <a:solidFill>
+                        <a:schemeClr val="tx1"/>
+                      </a:solidFill>
+                      <a:prstDash val="solid"/>
+                      <a:round/>
+                      <a:headEnd type="none" w="med" len="med"/>
+                      <a:tailEnd type="none" w="med" len="med"/>
+                    </a:lnB>
+                    <a:solidFill>
+                      <a:schemeClr val="accent6"/>
+                    </a:solidFill>
+                  </a:tcPr>
+                </a:tc>
+                <a:tc>
+                  <a:txBody>
+                    <a:bodyPr/>
+                    <a:lstStyle/>
+                    <a:p>
+                      <a:pPr algn="ctr"/>
+                      <a:r>
+                        <a:rPr lang="en-AU" sz="1200" dirty="0" smtClean="0"/>
+                        <a:t>AC</a:t>
+                      </a:r>
+                      <a:endParaRPr lang="en-AU" sz="1200" dirty="0"/>
+                    </a:p>
+                  </a:txBody>
+                  <a:tcPr>
+                    <a:lnB w="12700" cap="flat" cmpd="sng" algn="ctr">
+                      <a:solidFill>
+                        <a:schemeClr val="tx1"/>
+                      </a:solidFill>
+                      <a:prstDash val="solid"/>
+                      <a:round/>
+                      <a:headEnd type="none" w="med" len="med"/>
+                      <a:tailEnd type="none" w="med" len="med"/>
+                    </a:lnB>
+                    <a:solidFill>
+                      <a:schemeClr val="bg1"/>
+                    </a:solidFill>
+                  </a:tcPr>
+                </a:tc>
+                <a:tc>
+                  <a:txBody>
+                    <a:bodyPr/>
+                    <a:lstStyle/>
+                    <a:p>
+                      <a:pPr algn="ctr"/>
+                      <a:r>
+                        <a:rPr lang="en-AU" sz="1200" dirty="0" smtClean="0"/>
+                        <a:t>BC</a:t>
+                      </a:r>
+                      <a:endParaRPr lang="en-AU" sz="1200" dirty="0"/>
+                    </a:p>
+                  </a:txBody>
+                  <a:tcPr>
+                    <a:lnB w="12700" cap="flat" cmpd="sng" algn="ctr">
+                      <a:solidFill>
+                        <a:schemeClr val="tx1"/>
+                      </a:solidFill>
+                      <a:prstDash val="solid"/>
+                      <a:round/>
+                      <a:headEnd type="none" w="med" len="med"/>
+                      <a:tailEnd type="none" w="med" len="med"/>
+                    </a:lnB>
+                    <a:solidFill>
+                      <a:schemeClr val="bg1"/>
+                    </a:solidFill>
+                  </a:tcPr>
+                </a:tc>
+                <a:tc>
+                  <a:txBody>
+                    <a:bodyPr/>
+                    <a:lstStyle/>
+                    <a:p>
+                      <a:pPr algn="ctr"/>
+                      <a:r>
+                        <a:rPr lang="en-AU" sz="1200" i="1" dirty="0" smtClean="0">
+                          <a:solidFill>
+                            <a:srgbClr val="00B0F0"/>
+                          </a:solidFill>
+                        </a:rPr>
+                        <a:t>NA</a:t>
+                      </a:r>
+                      <a:endParaRPr lang="en-AU" sz="1200" dirty="0"/>
+                    </a:p>
+                  </a:txBody>
+                  <a:tcPr>
+                    <a:lnR w="12700" cap="flat" cmpd="sng" algn="ctr">
+                      <a:solidFill>
+                        <a:schemeClr val="tx1"/>
+                      </a:solidFill>
+                      <a:prstDash val="solid"/>
+                      <a:round/>
+                      <a:headEnd type="none" w="med" len="med"/>
+                      <a:tailEnd type="none" w="med" len="med"/>
+                    </a:lnR>
+                    <a:lnB w="12700" cap="flat" cmpd="sng" algn="ctr">
+                      <a:solidFill>
+                        <a:schemeClr val="tx1"/>
+                      </a:solidFill>
+                      <a:prstDash val="solid"/>
+                      <a:round/>
+                      <a:headEnd type="none" w="med" len="med"/>
+                      <a:tailEnd type="none" w="med" len="med"/>
+                    </a:lnB>
+                    <a:solidFill>
+                      <a:schemeClr val="bg1"/>
+                    </a:solidFill>
+                  </a:tcPr>
+                </a:tc>
+              </a:tr>
+            </a:tbl>
+          </a:graphicData>
+        </a:graphic>
+      </p:graphicFrame>
+      <p:sp>
+        <p:nvSpPr>
+          <p:cNvPr id="6" name="TextBox 5"/>
+          <p:cNvSpPr txBox="1"/>
+          <p:nvPr/>
+        </p:nvSpPr>
+        <p:spPr>
+          <a:xfrm>
+            <a:off x="4959717" y="2846515"/>
+            <a:ext cx="1120820" cy="338554"/>
+          </a:xfrm>
+          <a:prstGeom prst="rect">
+            <a:avLst/>
+          </a:prstGeom>
+          <a:noFill/>
+        </p:spPr>
+        <p:txBody>
+          <a:bodyPr wrap="none" rtlCol="0">
+            <a:spAutoFit/>
+          </a:bodyPr>
+          <a:lstStyle/>
+          <a:p>
+            <a:r>
+              <a:rPr lang="en-AU" sz="1600" dirty="0" smtClean="0">
+                <a:latin typeface="Arial" panose="020B0604020202020204" pitchFamily="34" charset="0"/>
+                <a:cs typeface="Arial" panose="020B0604020202020204" pitchFamily="34" charset="0"/>
+              </a:rPr>
+              <a:t>correlate()</a:t>
+            </a:r>
+            <a:endParaRPr lang="en-AU" sz="1600" dirty="0">
+              <a:latin typeface="Arial" panose="020B0604020202020204" pitchFamily="34" charset="0"/>
+              <a:cs typeface="Arial" panose="020B0604020202020204" pitchFamily="34" charset="0"/>
+            </a:endParaRPr>
+          </a:p>
+        </p:txBody>
+      </p:sp>
+      <p:sp>
+        <p:nvSpPr>
+          <p:cNvPr id="52" name="TextBox 51"/>
+          <p:cNvSpPr txBox="1"/>
+          <p:nvPr/>
+        </p:nvSpPr>
+        <p:spPr>
+          <a:xfrm>
+            <a:off x="4959717" y="1826187"/>
+            <a:ext cx="1109599" cy="338554"/>
+          </a:xfrm>
+          <a:prstGeom prst="rect">
+            <a:avLst/>
+          </a:prstGeom>
+          <a:noFill/>
+        </p:spPr>
+        <p:txBody>
+          <a:bodyPr wrap="none" rtlCol="0">
+            <a:spAutoFit/>
+          </a:bodyPr>
+          <a:lstStyle/>
+          <a:p>
+            <a:r>
+              <a:rPr lang="en-AU" sz="1600" dirty="0" err="1" smtClean="0">
+                <a:latin typeface="Arial" panose="020B0604020202020204" pitchFamily="34" charset="0"/>
+                <a:cs typeface="Arial" panose="020B0604020202020204" pitchFamily="34" charset="0"/>
+              </a:rPr>
+              <a:t>as_cordf</a:t>
+            </a:r>
+            <a:r>
+              <a:rPr lang="en-AU" sz="1600" dirty="0" smtClean="0">
+                <a:latin typeface="Arial" panose="020B0604020202020204" pitchFamily="34" charset="0"/>
+                <a:cs typeface="Arial" panose="020B0604020202020204" pitchFamily="34" charset="0"/>
+              </a:rPr>
+              <a:t>()</a:t>
+            </a:r>
+            <a:endParaRPr lang="en-AU" sz="1600" dirty="0">
+              <a:latin typeface="Arial" panose="020B0604020202020204" pitchFamily="34" charset="0"/>
+              <a:cs typeface="Arial" panose="020B0604020202020204" pitchFamily="34" charset="0"/>
+            </a:endParaRPr>
+          </a:p>
+        </p:txBody>
+      </p:sp>
+      <p:cxnSp>
+        <p:nvCxnSpPr>
+          <p:cNvPr id="53" name="Straight Arrow Connector 52"/>
+          <p:cNvCxnSpPr>
+            <a:stCxn id="20" idx="3"/>
+            <a:endCxn id="52" idx="1"/>
+          </p:cNvCxnSpPr>
+          <p:nvPr/>
+        </p:nvCxnSpPr>
+        <p:spPr>
+          <a:xfrm flipV="1">
+            <a:off x="4474766" y="1995464"/>
+            <a:ext cx="484951" cy="4055"/>
+          </a:xfrm>
+          <a:prstGeom prst="straightConnector1">
+            <a:avLst/>
+          </a:prstGeom>
+          <a:ln w="57150">
+            <a:tailEnd type="triangle"/>
+          </a:ln>
+        </p:spPr>
+        <p:style>
+          <a:lnRef idx="2">
+            <a:schemeClr val="dk1"/>
+          </a:lnRef>
+          <a:fillRef idx="0">
+            <a:schemeClr val="dk1"/>
+          </a:fillRef>
+          <a:effectRef idx="1">
+            <a:schemeClr val="dk1"/>
+          </a:effectRef>
+          <a:fontRef idx="minor">
+            <a:schemeClr val="tx1"/>
+          </a:fontRef>
+        </p:style>
+      </p:cxnSp>
+      <p:cxnSp>
+        <p:nvCxnSpPr>
+          <p:cNvPr id="57" name="Straight Arrow Connector 56"/>
+          <p:cNvCxnSpPr>
+            <a:stCxn id="52" idx="3"/>
+            <a:endCxn id="5" idx="1"/>
+          </p:cNvCxnSpPr>
+          <p:nvPr/>
+        </p:nvCxnSpPr>
+        <p:spPr>
+          <a:xfrm>
+            <a:off x="6069316" y="1995464"/>
+            <a:ext cx="384319" cy="0"/>
+          </a:xfrm>
+          <a:prstGeom prst="straightConnector1">
+            <a:avLst/>
+          </a:prstGeom>
+          <a:ln w="57150">
+            <a:tailEnd type="triangle"/>
+          </a:ln>
+        </p:spPr>
+        <p:style>
+          <a:lnRef idx="2">
+            <a:schemeClr val="dk1"/>
+          </a:lnRef>
+          <a:fillRef idx="0">
+            <a:schemeClr val="dk1"/>
+          </a:fillRef>
+          <a:effectRef idx="1">
+            <a:schemeClr val="dk1"/>
+          </a:effectRef>
+          <a:fontRef idx="minor">
+            <a:schemeClr val="tx1"/>
+          </a:fontRef>
+        </p:style>
+      </p:cxnSp>
+      <p:cxnSp>
+        <p:nvCxnSpPr>
+          <p:cNvPr id="108" name="Elbow Connector 107"/>
+          <p:cNvCxnSpPr>
+            <a:stCxn id="24" idx="2"/>
+            <a:endCxn id="6" idx="1"/>
+          </p:cNvCxnSpPr>
+          <p:nvPr/>
+        </p:nvCxnSpPr>
+        <p:spPr>
+          <a:xfrm rot="16200000" flipH="1">
+            <a:off x="3044328" y="1100402"/>
+            <a:ext cx="443597" cy="3387182"/>
+          </a:xfrm>
+          <a:prstGeom prst="bentConnector2">
+            <a:avLst/>
+          </a:prstGeom>
+          <a:ln w="57150">
+            <a:solidFill>
+              <a:schemeClr val="tx1"/>
+            </a:solidFill>
+            <a:tailEnd type="triangle"/>
+          </a:ln>
+        </p:spPr>
+        <p:style>
+          <a:lnRef idx="1">
+            <a:schemeClr val="accent1"/>
+          </a:lnRef>
+          <a:fillRef idx="0">
+            <a:schemeClr val="accent1"/>
+          </a:fillRef>
+          <a:effectRef idx="0">
+            <a:schemeClr val="accent1"/>
+          </a:effectRef>
+          <a:fontRef idx="minor">
+            <a:schemeClr val="tx1"/>
+          </a:fontRef>
+        </p:style>
+      </p:cxnSp>
+      <p:cxnSp>
+        <p:nvCxnSpPr>
+          <p:cNvPr id="111" name="Elbow Connector 110"/>
+          <p:cNvCxnSpPr>
+            <a:stCxn id="6" idx="3"/>
+            <a:endCxn id="5" idx="2"/>
+          </p:cNvCxnSpPr>
+          <p:nvPr/>
+        </p:nvCxnSpPr>
+        <p:spPr>
+          <a:xfrm flipV="1">
+            <a:off x="6080537" y="2565136"/>
+            <a:ext cx="1412234" cy="450656"/>
+          </a:xfrm>
+          <a:prstGeom prst="bentConnector2">
+            <a:avLst/>
+          </a:prstGeom>
+          <a:ln w="57150">
+            <a:solidFill>
+              <a:schemeClr val="tx1"/>
+            </a:solidFill>
+            <a:tailEnd type="triangle"/>
+          </a:ln>
+        </p:spPr>
+        <p:style>
+          <a:lnRef idx="1">
+            <a:schemeClr val="accent1"/>
+          </a:lnRef>
+          <a:fillRef idx="0">
+            <a:schemeClr val="accent1"/>
+          </a:fillRef>
+          <a:effectRef idx="0">
+            <a:schemeClr val="accent1"/>
+          </a:effectRef>
+          <a:fontRef idx="minor">
+            <a:schemeClr val="tx1"/>
+          </a:fontRef>
+        </p:style>
+      </p:cxnSp>
+      <p:sp>
+        <p:nvSpPr>
+          <p:cNvPr id="120" name="TextBox 119"/>
+          <p:cNvSpPr txBox="1"/>
+          <p:nvPr/>
+        </p:nvSpPr>
+        <p:spPr>
+          <a:xfrm>
+            <a:off x="7020526" y="918686"/>
+            <a:ext cx="944489" cy="461665"/>
+          </a:xfrm>
+          <a:prstGeom prst="rect">
+            <a:avLst/>
+          </a:prstGeom>
+          <a:noFill/>
+        </p:spPr>
+        <p:txBody>
+          <a:bodyPr wrap="none" rtlCol="0">
+            <a:spAutoFit/>
+          </a:bodyPr>
+          <a:lstStyle/>
+          <a:p>
+            <a:pPr algn="ctr"/>
+            <a:r>
+              <a:rPr lang="en-AU" sz="1200" i="1" dirty="0" smtClean="0">
+                <a:latin typeface="Arial" panose="020B0604020202020204" pitchFamily="34" charset="0"/>
+                <a:cs typeface="Arial" panose="020B0604020202020204" pitchFamily="34" charset="0"/>
+              </a:rPr>
+              <a:t>Correlation</a:t>
+            </a:r>
+            <a:br>
+              <a:rPr lang="en-AU" sz="1200" i="1" dirty="0" smtClean="0">
+                <a:latin typeface="Arial" panose="020B0604020202020204" pitchFamily="34" charset="0"/>
+                <a:cs typeface="Arial" panose="020B0604020202020204" pitchFamily="34" charset="0"/>
+              </a:rPr>
+            </a:br>
+            <a:r>
+              <a:rPr lang="en-AU" sz="1200" i="1" dirty="0" smtClean="0">
+                <a:latin typeface="Arial" panose="020B0604020202020204" pitchFamily="34" charset="0"/>
+                <a:cs typeface="Arial" panose="020B0604020202020204" pitchFamily="34" charset="0"/>
+              </a:rPr>
+              <a:t>Data frame</a:t>
+            </a:r>
+            <a:endParaRPr lang="en-AU" sz="1200" i="1" dirty="0">
+              <a:latin typeface="Arial" panose="020B0604020202020204" pitchFamily="34" charset="0"/>
+              <a:cs typeface="Arial" panose="020B0604020202020204" pitchFamily="34" charset="0"/>
+            </a:endParaRPr>
+          </a:p>
+        </p:txBody>
+      </p:sp>
+      <p:graphicFrame>
+        <p:nvGraphicFramePr>
+          <p:cNvPr id="17" name="Table 16"/>
+          <p:cNvGraphicFramePr>
+            <a:graphicFrameLocks noGrp="1"/>
+          </p:cNvGraphicFramePr>
+          <p:nvPr>
+            <p:extLst>
+              <p:ext uri="{D42A27DB-BD31-4B8C-83A1-F6EECF244321}">
+                <p14:modId xmlns:p14="http://schemas.microsoft.com/office/powerpoint/2010/main" val="2045347427"/>
+              </p:ext>
+            </p:extLst>
+          </p:nvPr>
+        </p:nvGraphicFramePr>
+        <p:xfrm>
+          <a:off x="1811811" y="1426843"/>
+          <a:ext cx="398476" cy="1145352"/>
+        </p:xfrm>
+        <a:graphic>
+          <a:graphicData uri="http://schemas.openxmlformats.org/drawingml/2006/table">
+            <a:tbl>
+              <a:tblPr firstRow="1" bandRow="1">
+                <a:tableStyleId>{5C22544A-7EE6-4342-B048-85BDC9FD1C3A}</a:tableStyleId>
+              </a:tblPr>
+              <a:tblGrid>
+                <a:gridCol w="398476"/>
+              </a:tblGrid>
+              <a:tr h="286338">
+                <a:tc>
+                  <a:txBody>
+                    <a:bodyPr/>
+                    <a:lstStyle/>
+                    <a:p>
+                      <a:pPr algn="ctr"/>
+                      <a:r>
+                        <a:rPr lang="en-AU" sz="1200" dirty="0" smtClean="0"/>
+                        <a:t>C</a:t>
+                      </a:r>
+                      <a:endParaRPr lang="en-AU" sz="1200" dirty="0"/>
+                    </a:p>
+                  </a:txBody>
+                  <a:tcPr anchor="ctr">
+                    <a:lnL w="12700" cmpd="sng">
+                      <a:noFill/>
+                    </a:lnL>
+                    <a:lnR w="12700" cap="flat" cmpd="sng" algn="ctr">
+                      <a:noFill/>
+                      <a:prstDash val="solid"/>
+                      <a:round/>
+                      <a:headEnd type="none" w="med" len="med"/>
+                      <a:tailEnd type="none" w="med" len="med"/>
+                    </a:lnR>
+                    <a:lnT w="12700" cap="flat" cmpd="sng" algn="ctr">
+                      <a:noFill/>
+                      <a:prstDash val="solid"/>
+                      <a:round/>
+                      <a:headEnd type="none" w="med" len="med"/>
+                      <a:tailEnd type="none" w="med" len="med"/>
+                    </a:lnT>
+                    <a:lnB w="38100" cmpd="sng">
+                      <a:noFill/>
+                    </a:lnB>
+                    <a:lnTlToBr w="12700" cmpd="sng">
+                      <a:noFill/>
+                      <a:prstDash val="solid"/>
+                    </a:lnTlToBr>
+                    <a:lnBlToTr w="12700" cmpd="sng">
+                      <a:noFill/>
+                      <a:prstDash val="solid"/>
+                    </a:lnBlToTr>
+                    <a:solidFill>
+                      <a:schemeClr val="accent6"/>
+                    </a:solidFill>
+                  </a:tcPr>
+                </a:tc>
+              </a:tr>
+              <a:tr h="286338">
+                <a:tc>
+                  <a:txBody>
+                    <a:bodyPr/>
+                    <a:lstStyle/>
+                    <a:p>
+                      <a:pPr algn="ctr"/>
+                      <a:endParaRPr lang="en-AU" sz="1200" dirty="0"/>
+                    </a:p>
+                  </a:txBody>
+                  <a:tcPr>
+                    <a:lnL w="12700" cmpd="sng">
+                      <a:noFill/>
+                    </a:lnL>
+                    <a:lnR w="12700" cap="flat" cmpd="sng" algn="ctr">
+                      <a:noFill/>
+                      <a:prstDash val="solid"/>
+                      <a:round/>
+                      <a:headEnd type="none" w="med" len="med"/>
+                      <a:tailEnd type="none" w="med" len="med"/>
+                    </a:lnR>
+                    <a:lnT w="38100" cmpd="sng">
+                      <a:noFill/>
+                    </a:lnT>
+                    <a:lnB w="12700" cmpd="sng">
+                      <a:noFill/>
+                    </a:lnB>
+                    <a:lnTlToBr w="12700" cmpd="sng">
+                      <a:noFill/>
+                      <a:prstDash val="solid"/>
+                    </a:lnTlToBr>
+                    <a:lnBlToTr w="12700" cmpd="sng">
+                      <a:noFill/>
+                      <a:prstDash val="solid"/>
+                    </a:lnBlToTr>
+                    <a:solidFill>
+                      <a:schemeClr val="accent6">
+                        <a:lumMod val="60000"/>
+                        <a:lumOff val="40000"/>
+                      </a:schemeClr>
+                    </a:solidFill>
+                  </a:tcPr>
+                </a:tc>
+              </a:tr>
+              <a:tr h="286338">
+                <a:tc>
+                  <a:txBody>
+                    <a:bodyPr/>
+                    <a:lstStyle/>
+                    <a:p>
+                      <a:pPr algn="ctr"/>
+                      <a:endParaRPr lang="en-AU" sz="1200" dirty="0"/>
+                    </a:p>
+                  </a:txBody>
+                  <a:tcPr>
+                    <a:lnL w="12700" cmpd="sng">
+                      <a:noFill/>
+                    </a:lnL>
+                    <a:lnR w="12700" cap="flat" cmpd="sng" algn="ctr">
+                      <a:noFill/>
+                      <a:prstDash val="solid"/>
+                      <a:round/>
+                      <a:headEnd type="none" w="med" len="med"/>
+                      <a:tailEnd type="none" w="med" len="med"/>
+                    </a:lnR>
+                    <a:lnT w="12700" cmpd="sng">
+                      <a:noFill/>
+                    </a:lnT>
+                    <a:lnB w="12700" cmpd="sng">
+                      <a:noFill/>
+                    </a:lnB>
+                    <a:lnTlToBr w="12700" cmpd="sng">
+                      <a:noFill/>
+                      <a:prstDash val="solid"/>
+                    </a:lnTlToBr>
+                    <a:lnBlToTr w="12700" cmpd="sng">
+                      <a:noFill/>
+                      <a:prstDash val="solid"/>
+                    </a:lnBlToTr>
+                    <a:solidFill>
+                      <a:schemeClr val="accent6">
+                        <a:lumMod val="40000"/>
+                        <a:lumOff val="60000"/>
+                      </a:schemeClr>
+                    </a:solidFill>
+                  </a:tcPr>
+                </a:tc>
+              </a:tr>
+              <a:tr h="286338">
+                <a:tc>
+                  <a:txBody>
+                    <a:bodyPr/>
+                    <a:lstStyle/>
+                    <a:p>
+                      <a:pPr algn="ctr"/>
+                      <a:endParaRPr lang="en-AU" sz="1200" dirty="0"/>
+                    </a:p>
+                  </a:txBody>
+                  <a:tcPr>
+                    <a:lnL w="12700" cmpd="sng">
+                      <a:noFill/>
+                    </a:lnL>
+                    <a:lnR w="12700" cap="flat" cmpd="sng" algn="ctr">
+                      <a:noFill/>
+                      <a:prstDash val="solid"/>
+                      <a:round/>
+                      <a:headEnd type="none" w="med" len="med"/>
+                      <a:tailEnd type="none" w="med" len="med"/>
+                    </a:lnR>
+                    <a:lnT w="12700" cmpd="sng">
+                      <a:noFill/>
+                    </a:lnT>
+                    <a:lnB w="12700" cap="flat" cmpd="sng" algn="ctr">
+                      <a:noFill/>
+                      <a:prstDash val="solid"/>
+                      <a:round/>
+                      <a:headEnd type="none" w="med" len="med"/>
+                      <a:tailEnd type="none" w="med" len="med"/>
+                    </a:lnB>
+                    <a:lnTlToBr w="12700" cmpd="sng">
+                      <a:noFill/>
+                      <a:prstDash val="solid"/>
+                    </a:lnTlToBr>
+                    <a:lnBlToTr w="12700" cmpd="sng">
+                      <a:noFill/>
+                      <a:prstDash val="solid"/>
+                    </a:lnBlToTr>
+                    <a:solidFill>
+                      <a:schemeClr val="accent6">
+                        <a:lumMod val="20000"/>
+                        <a:lumOff val="80000"/>
+                      </a:schemeClr>
+                    </a:solidFill>
+                  </a:tcPr>
+                </a:tc>
+              </a:tr>
+            </a:tbl>
+          </a:graphicData>
+        </a:graphic>
+      </p:graphicFrame>
+      <p:sp>
+        <p:nvSpPr>
+          <p:cNvPr id="18" name="TextBox 17"/>
+          <p:cNvSpPr txBox="1"/>
+          <p:nvPr/>
+        </p:nvSpPr>
+        <p:spPr>
+          <a:xfrm>
+            <a:off x="2457054" y="1830242"/>
+            <a:ext cx="607859" cy="338554"/>
+          </a:xfrm>
+          <a:prstGeom prst="rect">
+            <a:avLst/>
+          </a:prstGeom>
+          <a:noFill/>
+        </p:spPr>
+        <p:txBody>
+          <a:bodyPr wrap="none" rtlCol="0">
+            <a:spAutoFit/>
+          </a:bodyPr>
+          <a:lstStyle/>
+          <a:p>
+            <a:r>
+              <a:rPr lang="en-AU" sz="1600" dirty="0" err="1" smtClean="0">
+                <a:solidFill>
+                  <a:schemeClr val="bg1">
+                    <a:lumMod val="65000"/>
+                  </a:schemeClr>
+                </a:solidFill>
+                <a:latin typeface="Arial" panose="020B0604020202020204" pitchFamily="34" charset="0"/>
+                <a:cs typeface="Arial" panose="020B0604020202020204" pitchFamily="34" charset="0"/>
+              </a:rPr>
+              <a:t>cor</a:t>
+            </a:r>
+            <a:r>
+              <a:rPr lang="en-AU" sz="1600" dirty="0" smtClean="0">
+                <a:solidFill>
+                  <a:schemeClr val="bg1">
+                    <a:lumMod val="65000"/>
+                  </a:schemeClr>
+                </a:solidFill>
+                <a:latin typeface="Arial" panose="020B0604020202020204" pitchFamily="34" charset="0"/>
+                <a:cs typeface="Arial" panose="020B0604020202020204" pitchFamily="34" charset="0"/>
+              </a:rPr>
+              <a:t>()</a:t>
+            </a:r>
+            <a:endParaRPr lang="en-AU" sz="1600" dirty="0">
+              <a:solidFill>
+                <a:schemeClr val="bg1">
+                  <a:lumMod val="65000"/>
+                </a:schemeClr>
+              </a:solidFill>
+              <a:latin typeface="Arial" panose="020B0604020202020204" pitchFamily="34" charset="0"/>
+              <a:cs typeface="Arial" panose="020B0604020202020204" pitchFamily="34" charset="0"/>
+            </a:endParaRPr>
+          </a:p>
+        </p:txBody>
+      </p:sp>
+      <p:cxnSp>
+        <p:nvCxnSpPr>
+          <p:cNvPr id="19" name="Straight Arrow Connector 18"/>
+          <p:cNvCxnSpPr>
+            <a:stCxn id="17" idx="3"/>
+            <a:endCxn id="18" idx="1"/>
+          </p:cNvCxnSpPr>
+          <p:nvPr/>
+        </p:nvCxnSpPr>
+        <p:spPr>
+          <a:xfrm>
+            <a:off x="2210287" y="1999519"/>
+            <a:ext cx="246767" cy="0"/>
+          </a:xfrm>
+          <a:prstGeom prst="straightConnector1">
+            <a:avLst/>
+          </a:prstGeom>
+          <a:ln>
+            <a:solidFill>
+              <a:schemeClr val="bg1">
+                <a:lumMod val="65000"/>
+              </a:schemeClr>
+            </a:solidFill>
+            <a:tailEnd type="triangle"/>
+          </a:ln>
+        </p:spPr>
+        <p:style>
+          <a:lnRef idx="2">
+            <a:schemeClr val="dk1"/>
+          </a:lnRef>
+          <a:fillRef idx="0">
+            <a:schemeClr val="dk1"/>
+          </a:fillRef>
+          <a:effectRef idx="1">
+            <a:schemeClr val="dk1"/>
+          </a:effectRef>
+          <a:fontRef idx="minor">
+            <a:schemeClr val="tx1"/>
+          </a:fontRef>
+        </p:style>
+      </p:cxnSp>
+      <p:graphicFrame>
+        <p:nvGraphicFramePr>
+          <p:cNvPr id="20" name="Table 19"/>
+          <p:cNvGraphicFramePr>
+            <a:graphicFrameLocks noGrp="1"/>
+          </p:cNvGraphicFramePr>
+          <p:nvPr>
+            <p:extLst>
+              <p:ext uri="{D42A27DB-BD31-4B8C-83A1-F6EECF244321}">
+                <p14:modId xmlns:p14="http://schemas.microsoft.com/office/powerpoint/2010/main" val="3085969019"/>
+              </p:ext>
+            </p:extLst>
+          </p:nvPr>
+        </p:nvGraphicFramePr>
+        <p:xfrm>
+          <a:off x="3266126" y="1576021"/>
+          <a:ext cx="1208640" cy="846996"/>
+        </p:xfrm>
+        <a:graphic>
+          <a:graphicData uri="http://schemas.openxmlformats.org/drawingml/2006/table">
+            <a:tbl>
+              <a:tblPr firstRow="1" bandRow="1">
+                <a:tableStyleId>{5C22544A-7EE6-4342-B048-85BDC9FD1C3A}</a:tableStyleId>
+              </a:tblPr>
+              <a:tblGrid>
+                <a:gridCol w="402880"/>
+                <a:gridCol w="402880"/>
+                <a:gridCol w="402880"/>
+              </a:tblGrid>
+              <a:tr h="286338">
+                <a:tc>
+                  <a:txBody>
+                    <a:bodyPr/>
+                    <a:lstStyle/>
+                    <a:p>
+                      <a:pPr algn="ctr"/>
+                      <a:r>
+                        <a:rPr lang="en-AU" sz="1200" b="0" dirty="0" smtClean="0">
+                          <a:solidFill>
+                            <a:schemeClr val="tx1"/>
+                          </a:solidFill>
+                        </a:rPr>
+                        <a:t>1</a:t>
+                      </a:r>
+                      <a:endParaRPr lang="en-AU" sz="1200" b="0" dirty="0">
+                        <a:solidFill>
+                          <a:schemeClr val="tx1"/>
+                        </a:solidFill>
+                      </a:endParaRPr>
+                    </a:p>
+                  </a:txBody>
+                  <a:tcPr>
+                    <a:lnL w="12700" cap="flat" cmpd="sng" algn="ctr">
+                      <a:solidFill>
+                        <a:schemeClr val="tx1"/>
+                      </a:solidFill>
+                      <a:prstDash val="solid"/>
+                      <a:round/>
+                      <a:headEnd type="none" w="med" len="med"/>
+                      <a:tailEnd type="none" w="med" len="med"/>
+                    </a:lnL>
+                    <a:lnR w="12700" cmpd="sng">
+                      <a:noFill/>
+                    </a:lnR>
+                    <a:lnT w="12700" cap="flat" cmpd="sng" algn="ctr">
+                      <a:solidFill>
+                        <a:schemeClr val="tx1"/>
+                      </a:solidFill>
+                      <a:prstDash val="solid"/>
+                      <a:round/>
+                      <a:headEnd type="none" w="med" len="med"/>
+                      <a:tailEnd type="none" w="med" len="med"/>
+                    </a:lnT>
+                    <a:lnB w="12700" cmpd="sng">
+                      <a:noFill/>
+                    </a:lnB>
+                    <a:lnTlToBr w="12700" cmpd="sng">
+                      <a:noFill/>
+                      <a:prstDash val="solid"/>
+                    </a:lnTlToBr>
+                    <a:lnBlToTr w="12700" cmpd="sng">
+                      <a:noFill/>
+                      <a:prstDash val="solid"/>
+                    </a:lnBlToTr>
+                    <a:solidFill>
+                      <a:schemeClr val="bg1"/>
+                    </a:solidFill>
+                  </a:tcPr>
+                </a:tc>
+                <a:tc>
+                  <a:txBody>
+                    <a:bodyPr/>
+                    <a:lstStyle/>
+                    <a:p>
+                      <a:pPr algn="ctr"/>
+                      <a:r>
+                        <a:rPr lang="en-AU" sz="1200" b="0" dirty="0" smtClean="0">
+                          <a:solidFill>
+                            <a:schemeClr val="tx1"/>
+                          </a:solidFill>
+                        </a:rPr>
+                        <a:t>BA</a:t>
+                      </a:r>
+                      <a:endParaRPr lang="en-AU" sz="1200" b="0" dirty="0">
+                        <a:solidFill>
+                          <a:schemeClr val="tx1"/>
+                        </a:solidFill>
+                      </a:endParaRPr>
+                    </a:p>
+                  </a:txBody>
+                  <a:tcPr>
+                    <a:lnL w="12700" cmpd="sng">
+                      <a:noFill/>
+                    </a:lnL>
+                    <a:lnR w="12700" cmpd="sng">
+                      <a:noFill/>
+                    </a:lnR>
+                    <a:lnT w="12700" cap="flat" cmpd="sng" algn="ctr">
+                      <a:solidFill>
+                        <a:schemeClr val="tx1"/>
+                      </a:solidFill>
+                      <a:prstDash val="solid"/>
+                      <a:round/>
+                      <a:headEnd type="none" w="med" len="med"/>
+                      <a:tailEnd type="none" w="med" len="med"/>
+                    </a:lnT>
+                    <a:lnB w="12700" cmpd="sng">
+                      <a:noFill/>
+                    </a:lnB>
+                    <a:lnTlToBr w="12700" cmpd="sng">
+                      <a:noFill/>
+                      <a:prstDash val="solid"/>
+                    </a:lnTlToBr>
+                    <a:lnBlToTr w="12700" cmpd="sng">
+                      <a:noFill/>
+                      <a:prstDash val="solid"/>
+                    </a:lnBlToTr>
+                    <a:solidFill>
+                      <a:schemeClr val="bg1"/>
+                    </a:solidFill>
+                  </a:tcPr>
+                </a:tc>
+                <a:tc>
+                  <a:txBody>
+                    <a:bodyPr/>
+                    <a:lstStyle/>
+                    <a:p>
+                      <a:pPr algn="ctr"/>
+                      <a:r>
+                        <a:rPr lang="en-AU" sz="1200" b="0" dirty="0" smtClean="0">
+                          <a:solidFill>
+                            <a:schemeClr val="tx1"/>
+                          </a:solidFill>
+                        </a:rPr>
+                        <a:t>CA</a:t>
+                      </a:r>
+                      <a:endParaRPr lang="en-AU" sz="1200" b="0" dirty="0">
+                        <a:solidFill>
+                          <a:schemeClr val="tx1"/>
+                        </a:solidFill>
+                      </a:endParaRPr>
+                    </a:p>
+                  </a:txBody>
+                  <a:tcPr>
+                    <a:lnL w="12700" cmpd="sng">
+                      <a:noFill/>
+                    </a:lnL>
+                    <a:lnR w="12700" cap="flat" cmpd="sng" algn="ctr">
+                      <a:solidFill>
+                        <a:schemeClr val="tx1"/>
+                      </a:solidFill>
+                      <a:prstDash val="solid"/>
+                      <a:round/>
+                      <a:headEnd type="none" w="med" len="med"/>
+                      <a:tailEnd type="none" w="med" len="med"/>
+                    </a:lnR>
+                    <a:lnT w="12700" cap="flat" cmpd="sng" algn="ctr">
+                      <a:solidFill>
+                        <a:schemeClr val="tx1"/>
+                      </a:solidFill>
+                      <a:prstDash val="solid"/>
+                      <a:round/>
+                      <a:headEnd type="none" w="med" len="med"/>
+                      <a:tailEnd type="none" w="med" len="med"/>
+                    </a:lnT>
+                    <a:lnB w="12700" cmpd="sng">
+                      <a:noFill/>
+                    </a:lnB>
+                    <a:lnTlToBr w="12700" cmpd="sng">
+                      <a:noFill/>
+                      <a:prstDash val="solid"/>
+                    </a:lnTlToBr>
+                    <a:lnBlToTr w="12700" cmpd="sng">
+                      <a:noFill/>
+                      <a:prstDash val="solid"/>
+                    </a:lnBlToTr>
+                    <a:solidFill>
+                      <a:schemeClr val="bg1"/>
+                    </a:solidFill>
+                  </a:tcPr>
+                </a:tc>
+              </a:tr>
+              <a:tr h="286338">
+                <a:tc>
+                  <a:txBody>
+                    <a:bodyPr/>
+                    <a:lstStyle/>
+                    <a:p>
+                      <a:pPr algn="ctr"/>
+                      <a:r>
+                        <a:rPr lang="en-AU" sz="1200" dirty="0" smtClean="0"/>
+                        <a:t>AB</a:t>
+                      </a:r>
+                      <a:endParaRPr lang="en-AU" sz="1200" dirty="0"/>
+                    </a:p>
+                  </a:txBody>
+                  <a:tcPr>
+                    <a:lnL w="12700" cap="flat" cmpd="sng" algn="ctr">
+                      <a:solidFill>
+                        <a:schemeClr val="tx1"/>
+                      </a:solidFill>
+                      <a:prstDash val="solid"/>
+                      <a:round/>
+                      <a:headEnd type="none" w="med" len="med"/>
+                      <a:tailEnd type="none" w="med" len="med"/>
+                    </a:lnL>
+                    <a:lnR w="12700" cmpd="sng">
+                      <a:noFill/>
+                    </a:lnR>
+                    <a:lnT w="12700" cmpd="sng">
+                      <a:noFill/>
+                    </a:lnT>
+                    <a:lnB w="12700" cmpd="sng">
+                      <a:noFill/>
+                    </a:lnB>
+                    <a:lnTlToBr w="12700" cmpd="sng">
+                      <a:noFill/>
+                      <a:prstDash val="solid"/>
+                    </a:lnTlToBr>
+                    <a:lnBlToTr w="12700" cmpd="sng">
+                      <a:noFill/>
+                      <a:prstDash val="solid"/>
+                    </a:lnBlToTr>
+                    <a:solidFill>
+                      <a:schemeClr val="bg1"/>
+                    </a:solidFill>
+                  </a:tcPr>
+                </a:tc>
+                <a:tc>
+                  <a:txBody>
+                    <a:bodyPr/>
+                    <a:lstStyle/>
+                    <a:p>
+                      <a:pPr algn="ctr"/>
+                      <a:r>
+                        <a:rPr lang="en-AU" sz="1200" dirty="0" smtClean="0"/>
+                        <a:t>1</a:t>
+                      </a:r>
+                      <a:endParaRPr lang="en-AU" sz="1200" dirty="0"/>
+                    </a:p>
+                  </a:txBody>
+                  <a:tcPr>
+                    <a:lnL w="12700" cmpd="sng">
+                      <a:noFill/>
+                    </a:lnL>
+                    <a:lnR w="12700" cmpd="sng">
+                      <a:noFill/>
+                    </a:lnR>
+                    <a:lnT w="12700" cmpd="sng">
+                      <a:noFill/>
+                    </a:lnT>
+                    <a:lnB w="12700" cmpd="sng">
+                      <a:noFill/>
+                    </a:lnB>
+                    <a:lnTlToBr w="12700" cmpd="sng">
+                      <a:noFill/>
+                      <a:prstDash val="solid"/>
+                    </a:lnTlToBr>
+                    <a:lnBlToTr w="12700" cmpd="sng">
+                      <a:noFill/>
+                      <a:prstDash val="solid"/>
+                    </a:lnBlToTr>
+                    <a:solidFill>
+                      <a:schemeClr val="bg1"/>
+                    </a:solidFill>
+                  </a:tcPr>
+                </a:tc>
+                <a:tc>
+                  <a:txBody>
+                    <a:bodyPr/>
+                    <a:lstStyle/>
+                    <a:p>
+                      <a:pPr algn="ctr"/>
+                      <a:r>
+                        <a:rPr lang="en-AU" sz="1200" dirty="0" smtClean="0"/>
+                        <a:t>CB</a:t>
+                      </a:r>
+                      <a:endParaRPr lang="en-AU" sz="1200" dirty="0"/>
+                    </a:p>
+                  </a:txBody>
+                  <a:tcPr>
+                    <a:lnL w="12700" cmpd="sng">
+                      <a:noFill/>
+                    </a:lnL>
+                    <a:lnR w="12700" cap="flat" cmpd="sng" algn="ctr">
+                      <a:solidFill>
+                        <a:schemeClr val="tx1"/>
+                      </a:solidFill>
+                      <a:prstDash val="solid"/>
+                      <a:round/>
+                      <a:headEnd type="none" w="med" len="med"/>
+                      <a:tailEnd type="none" w="med" len="med"/>
+                    </a:lnR>
+                    <a:lnT w="12700" cmpd="sng">
+                      <a:noFill/>
+                    </a:lnT>
+                    <a:lnB w="12700" cmpd="sng">
+                      <a:noFill/>
+                    </a:lnB>
+                    <a:lnTlToBr w="12700" cmpd="sng">
+                      <a:noFill/>
+                      <a:prstDash val="solid"/>
+                    </a:lnTlToBr>
+                    <a:lnBlToTr w="12700" cmpd="sng">
+                      <a:noFill/>
+                      <a:prstDash val="solid"/>
+                    </a:lnBlToTr>
+                    <a:solidFill>
+                      <a:schemeClr val="bg1"/>
+                    </a:solidFill>
+                  </a:tcPr>
+                </a:tc>
+              </a:tr>
+              <a:tr h="274320">
+                <a:tc>
+                  <a:txBody>
+                    <a:bodyPr/>
+                    <a:lstStyle/>
+                    <a:p>
+                      <a:pPr algn="ctr"/>
+                      <a:r>
+                        <a:rPr lang="en-AU" sz="1200" dirty="0" smtClean="0"/>
+                        <a:t>AC</a:t>
+                      </a:r>
+                      <a:endParaRPr lang="en-AU" sz="1200" dirty="0"/>
+                    </a:p>
+                  </a:txBody>
+                  <a:tcPr>
+                    <a:lnL w="12700" cap="flat" cmpd="sng" algn="ctr">
+                      <a:solidFill>
+                        <a:schemeClr val="tx1"/>
+                      </a:solidFill>
+                      <a:prstDash val="solid"/>
+                      <a:round/>
+                      <a:headEnd type="none" w="med" len="med"/>
+                      <a:tailEnd type="none" w="med" len="med"/>
+                    </a:lnL>
+                    <a:lnR w="12700" cmpd="sng">
+                      <a:noFill/>
+                    </a:lnR>
+                    <a:lnT w="12700" cmpd="sng">
+                      <a:noFill/>
+                    </a:lnT>
+                    <a:lnB w="12700" cap="flat" cmpd="sng" algn="ctr">
+                      <a:solidFill>
+                        <a:schemeClr val="tx1"/>
+                      </a:solidFill>
+                      <a:prstDash val="solid"/>
+                      <a:round/>
+                      <a:headEnd type="none" w="med" len="med"/>
+                      <a:tailEnd type="none" w="med" len="med"/>
+                    </a:lnB>
+                    <a:lnTlToBr w="12700" cmpd="sng">
+                      <a:noFill/>
+                      <a:prstDash val="solid"/>
+                    </a:lnTlToBr>
+                    <a:lnBlToTr w="12700" cmpd="sng">
+                      <a:noFill/>
+                      <a:prstDash val="solid"/>
+                    </a:lnBlToTr>
+                    <a:solidFill>
+                      <a:schemeClr val="bg1"/>
+                    </a:solidFill>
+                  </a:tcPr>
+                </a:tc>
+                <a:tc>
+                  <a:txBody>
+                    <a:bodyPr/>
+                    <a:lstStyle/>
+                    <a:p>
+                      <a:pPr algn="ctr"/>
+                      <a:r>
+                        <a:rPr lang="en-AU" sz="1200" dirty="0" smtClean="0"/>
+                        <a:t>BC</a:t>
+                      </a:r>
+                      <a:endParaRPr lang="en-AU" sz="1200" dirty="0"/>
+                    </a:p>
+                  </a:txBody>
+                  <a:tcPr>
+                    <a:lnL w="12700" cmpd="sng">
+                      <a:noFill/>
+                    </a:lnL>
+                    <a:lnR w="12700" cmpd="sng">
+                      <a:noFill/>
+                    </a:lnR>
+                    <a:lnT w="12700" cmpd="sng">
+                      <a:noFill/>
+                    </a:lnT>
+                    <a:lnB w="12700" cap="flat" cmpd="sng" algn="ctr">
+                      <a:solidFill>
+                        <a:schemeClr val="tx1"/>
+                      </a:solidFill>
+                      <a:prstDash val="solid"/>
+                      <a:round/>
+                      <a:headEnd type="none" w="med" len="med"/>
+                      <a:tailEnd type="none" w="med" len="med"/>
+                    </a:lnB>
+                    <a:lnTlToBr w="12700" cmpd="sng">
+                      <a:noFill/>
+                      <a:prstDash val="solid"/>
+                    </a:lnTlToBr>
+                    <a:lnBlToTr w="12700" cmpd="sng">
+                      <a:noFill/>
+                      <a:prstDash val="solid"/>
+                    </a:lnBlToTr>
+                    <a:solidFill>
+                      <a:schemeClr val="bg1"/>
+                    </a:solidFill>
+                  </a:tcPr>
+                </a:tc>
+                <a:tc>
+                  <a:txBody>
+                    <a:bodyPr/>
+                    <a:lstStyle/>
+                    <a:p>
+                      <a:pPr algn="ctr"/>
+                      <a:r>
+                        <a:rPr lang="en-AU" sz="1200" dirty="0" smtClean="0"/>
+                        <a:t>1</a:t>
+                      </a:r>
+                      <a:endParaRPr lang="en-AU" sz="1200" dirty="0"/>
+                    </a:p>
+                  </a:txBody>
+                  <a:tcPr>
+                    <a:lnL w="12700" cmpd="sng">
+                      <a:noFill/>
+                    </a:lnL>
+                    <a:lnR w="12700" cap="flat" cmpd="sng" algn="ctr">
+                      <a:solidFill>
+                        <a:schemeClr val="tx1"/>
+                      </a:solidFill>
+                      <a:prstDash val="solid"/>
+                      <a:round/>
+                      <a:headEnd type="none" w="med" len="med"/>
+                      <a:tailEnd type="none" w="med" len="med"/>
+                    </a:lnR>
+                    <a:lnT w="12700" cmpd="sng">
+                      <a:noFill/>
+                    </a:lnT>
+                    <a:lnB w="12700" cap="flat" cmpd="sng" algn="ctr">
+                      <a:solidFill>
+                        <a:schemeClr val="tx1"/>
+                      </a:solidFill>
+                      <a:prstDash val="solid"/>
+                      <a:round/>
+                      <a:headEnd type="none" w="med" len="med"/>
+                      <a:tailEnd type="none" w="med" len="med"/>
+                    </a:lnB>
+                    <a:lnTlToBr w="12700" cmpd="sng">
+                      <a:noFill/>
+                      <a:prstDash val="solid"/>
+                    </a:lnTlToBr>
+                    <a:lnBlToTr w="12700" cmpd="sng">
+                      <a:noFill/>
+                      <a:prstDash val="solid"/>
+                    </a:lnBlToTr>
+                    <a:solidFill>
+                      <a:schemeClr val="bg1"/>
+                    </a:solidFill>
+                  </a:tcPr>
+                </a:tc>
+              </a:tr>
+            </a:tbl>
+          </a:graphicData>
+        </a:graphic>
+      </p:graphicFrame>
+      <p:cxnSp>
+        <p:nvCxnSpPr>
+          <p:cNvPr id="21" name="Straight Arrow Connector 20"/>
+          <p:cNvCxnSpPr>
+            <a:stCxn id="18" idx="3"/>
+            <a:endCxn id="20" idx="1"/>
+          </p:cNvCxnSpPr>
+          <p:nvPr/>
+        </p:nvCxnSpPr>
+        <p:spPr>
+          <a:xfrm>
+            <a:off x="3064913" y="1999519"/>
+            <a:ext cx="201213" cy="0"/>
+          </a:xfrm>
+          <a:prstGeom prst="straightConnector1">
+            <a:avLst/>
+          </a:prstGeom>
+          <a:ln>
+            <a:solidFill>
+              <a:schemeClr val="bg1">
+                <a:lumMod val="65000"/>
+              </a:schemeClr>
+            </a:solidFill>
+            <a:tailEnd type="triangle"/>
+          </a:ln>
+        </p:spPr>
+        <p:style>
+          <a:lnRef idx="2">
+            <a:schemeClr val="dk1"/>
+          </a:lnRef>
+          <a:fillRef idx="0">
+            <a:schemeClr val="dk1"/>
+          </a:fillRef>
+          <a:effectRef idx="1">
+            <a:schemeClr val="dk1"/>
+          </a:effectRef>
+          <a:fontRef idx="minor">
+            <a:schemeClr val="tx1"/>
+          </a:fontRef>
+        </p:style>
+      </p:cxnSp>
+      <p:sp>
+        <p:nvSpPr>
+          <p:cNvPr id="22" name="TextBox 21"/>
+          <p:cNvSpPr txBox="1"/>
+          <p:nvPr/>
+        </p:nvSpPr>
+        <p:spPr>
+          <a:xfrm>
+            <a:off x="631874" y="918686"/>
+            <a:ext cx="1877437" cy="461665"/>
+          </a:xfrm>
+          <a:prstGeom prst="rect">
+            <a:avLst/>
+          </a:prstGeom>
+          <a:noFill/>
+        </p:spPr>
+        <p:txBody>
+          <a:bodyPr wrap="none" rtlCol="0">
+            <a:spAutoFit/>
+          </a:bodyPr>
+          <a:lstStyle/>
+          <a:p>
+            <a:pPr algn="ctr"/>
+            <a:r>
+              <a:rPr lang="en-AU" sz="1200" i="1" dirty="0" smtClean="0">
+                <a:latin typeface="Arial" panose="020B0604020202020204" pitchFamily="34" charset="0"/>
+                <a:cs typeface="Arial" panose="020B0604020202020204" pitchFamily="34" charset="0"/>
+              </a:rPr>
+              <a:t>Raw data</a:t>
+            </a:r>
+          </a:p>
+          <a:p>
+            <a:pPr algn="ctr"/>
+            <a:r>
+              <a:rPr lang="en-AU" sz="1200" i="1" dirty="0" smtClean="0">
+                <a:latin typeface="Arial" panose="020B0604020202020204" pitchFamily="34" charset="0"/>
+                <a:cs typeface="Arial" panose="020B0604020202020204" pitchFamily="34" charset="0"/>
+              </a:rPr>
+              <a:t>Data frame, matrix, list…</a:t>
+            </a:r>
+            <a:endParaRPr lang="en-AU" sz="1200" i="1" dirty="0">
+              <a:latin typeface="Arial" panose="020B0604020202020204" pitchFamily="34" charset="0"/>
+              <a:cs typeface="Arial" panose="020B0604020202020204" pitchFamily="34" charset="0"/>
+            </a:endParaRPr>
+          </a:p>
+        </p:txBody>
+      </p:sp>
+      <p:sp>
+        <p:nvSpPr>
+          <p:cNvPr id="23" name="TextBox 22"/>
+          <p:cNvSpPr txBox="1"/>
+          <p:nvPr/>
+        </p:nvSpPr>
+        <p:spPr>
+          <a:xfrm>
+            <a:off x="3151339" y="918686"/>
+            <a:ext cx="1438214" cy="461665"/>
+          </a:xfrm>
+          <a:prstGeom prst="rect">
+            <a:avLst/>
+          </a:prstGeom>
+          <a:noFill/>
+        </p:spPr>
+        <p:txBody>
+          <a:bodyPr wrap="none" rtlCol="0">
+            <a:spAutoFit/>
+          </a:bodyPr>
+          <a:lstStyle/>
+          <a:p>
+            <a:pPr algn="ctr"/>
+            <a:r>
+              <a:rPr lang="en-AU" sz="1200" i="1" dirty="0" smtClean="0">
+                <a:latin typeface="Arial" panose="020B0604020202020204" pitchFamily="34" charset="0"/>
+                <a:cs typeface="Arial" panose="020B0604020202020204" pitchFamily="34" charset="0"/>
+              </a:rPr>
+              <a:t>Correlation Matrix/</a:t>
+            </a:r>
+            <a:br>
+              <a:rPr lang="en-AU" sz="1200" i="1" dirty="0" smtClean="0">
+                <a:latin typeface="Arial" panose="020B0604020202020204" pitchFamily="34" charset="0"/>
+                <a:cs typeface="Arial" panose="020B0604020202020204" pitchFamily="34" charset="0"/>
+              </a:rPr>
+            </a:br>
+            <a:r>
+              <a:rPr lang="en-AU" sz="1200" i="1" dirty="0" smtClean="0">
+                <a:latin typeface="Arial" panose="020B0604020202020204" pitchFamily="34" charset="0"/>
+                <a:cs typeface="Arial" panose="020B0604020202020204" pitchFamily="34" charset="0"/>
+              </a:rPr>
+              <a:t>Square Structure</a:t>
+            </a:r>
+            <a:endParaRPr lang="en-AU" sz="1200" i="1" dirty="0">
+              <a:latin typeface="Arial" panose="020B0604020202020204" pitchFamily="34" charset="0"/>
+              <a:cs typeface="Arial" panose="020B0604020202020204" pitchFamily="34" charset="0"/>
+            </a:endParaRPr>
+          </a:p>
+        </p:txBody>
+      </p:sp>
+      <p:graphicFrame>
+        <p:nvGraphicFramePr>
+          <p:cNvPr id="24" name="Table 23"/>
+          <p:cNvGraphicFramePr>
+            <a:graphicFrameLocks noGrp="1"/>
+          </p:cNvGraphicFramePr>
+          <p:nvPr>
+            <p:extLst>
+              <p:ext uri="{D42A27DB-BD31-4B8C-83A1-F6EECF244321}">
+                <p14:modId xmlns:p14="http://schemas.microsoft.com/office/powerpoint/2010/main" val="491218439"/>
+              </p:ext>
+            </p:extLst>
+          </p:nvPr>
+        </p:nvGraphicFramePr>
+        <p:xfrm>
+          <a:off x="1373297" y="1426843"/>
+          <a:ext cx="398476" cy="1145352"/>
+        </p:xfrm>
+        <a:graphic>
+          <a:graphicData uri="http://schemas.openxmlformats.org/drawingml/2006/table">
+            <a:tbl>
+              <a:tblPr firstRow="1" bandRow="1">
+                <a:tableStyleId>{5C22544A-7EE6-4342-B048-85BDC9FD1C3A}</a:tableStyleId>
+              </a:tblPr>
+              <a:tblGrid>
+                <a:gridCol w="398476"/>
+              </a:tblGrid>
+              <a:tr h="286338">
+                <a:tc>
+                  <a:txBody>
+                    <a:bodyPr/>
+                    <a:lstStyle/>
+                    <a:p>
+                      <a:pPr algn="ctr"/>
+                      <a:r>
+                        <a:rPr lang="en-AU" sz="1200" dirty="0" smtClean="0"/>
+                        <a:t>B</a:t>
+                      </a:r>
+                      <a:endParaRPr lang="en-AU" sz="1200" dirty="0"/>
+                    </a:p>
+                  </a:txBody>
+                  <a:tcPr anchor="ctr">
+                    <a:lnL w="12700" cmpd="sng">
+                      <a:noFill/>
+                    </a:lnL>
+                    <a:lnR w="12700" cmpd="sng">
+                      <a:noFill/>
+                    </a:lnR>
+                    <a:lnT w="12700" cap="flat" cmpd="sng" algn="ctr">
+                      <a:noFill/>
+                      <a:prstDash val="solid"/>
+                      <a:round/>
+                      <a:headEnd type="none" w="med" len="med"/>
+                      <a:tailEnd type="none" w="med" len="med"/>
+                    </a:lnT>
+                    <a:lnB w="38100" cmpd="sng">
+                      <a:noFill/>
+                    </a:lnB>
+                    <a:lnTlToBr w="12700" cmpd="sng">
+                      <a:noFill/>
+                      <a:prstDash val="solid"/>
+                    </a:lnTlToBr>
+                    <a:lnBlToTr w="12700" cmpd="sng">
+                      <a:noFill/>
+                      <a:prstDash val="solid"/>
+                    </a:lnBlToTr>
+                    <a:solidFill>
+                      <a:schemeClr val="accent2"/>
+                    </a:solidFill>
+                  </a:tcPr>
+                </a:tc>
+              </a:tr>
+              <a:tr h="286338">
+                <a:tc>
+                  <a:txBody>
+                    <a:bodyPr/>
+                    <a:lstStyle/>
+                    <a:p>
+                      <a:pPr algn="ctr"/>
+                      <a:endParaRPr lang="en-AU" sz="1200" dirty="0"/>
+                    </a:p>
+                  </a:txBody>
+                  <a:tcPr>
+                    <a:lnL w="12700" cmpd="sng">
+                      <a:noFill/>
+                    </a:lnL>
+                    <a:lnR w="12700" cmpd="sng">
+                      <a:noFill/>
+                    </a:lnR>
+                    <a:lnT w="38100" cmpd="sng">
+                      <a:noFill/>
+                    </a:lnT>
+                    <a:lnB w="12700" cmpd="sng">
+                      <a:noFill/>
+                    </a:lnB>
+                    <a:lnTlToBr w="12700" cmpd="sng">
+                      <a:noFill/>
+                      <a:prstDash val="solid"/>
+                    </a:lnTlToBr>
+                    <a:lnBlToTr w="12700" cmpd="sng">
+                      <a:noFill/>
+                      <a:prstDash val="solid"/>
+                    </a:lnBlToTr>
+                    <a:solidFill>
+                      <a:schemeClr val="accent2">
+                        <a:lumMod val="60000"/>
+                        <a:lumOff val="40000"/>
+                      </a:schemeClr>
+                    </a:solidFill>
+                  </a:tcPr>
+                </a:tc>
+              </a:tr>
+              <a:tr h="286338">
+                <a:tc>
+                  <a:txBody>
+                    <a:bodyPr/>
+                    <a:lstStyle/>
+                    <a:p>
+                      <a:pPr algn="ctr"/>
+                      <a:endParaRPr lang="en-AU" sz="1200" dirty="0"/>
+                    </a:p>
+                  </a:txBody>
+                  <a:tcPr>
+                    <a:lnL w="12700" cmpd="sng">
+                      <a:noFill/>
+                    </a:lnL>
+                    <a:lnR w="12700" cmpd="sng">
+                      <a:noFill/>
+                    </a:lnR>
+                    <a:lnT w="12700" cmpd="sng">
+                      <a:noFill/>
+                    </a:lnT>
+                    <a:lnB w="12700" cmpd="sng">
+                      <a:noFill/>
+                    </a:lnB>
+                    <a:lnTlToBr w="12700" cmpd="sng">
+                      <a:noFill/>
+                      <a:prstDash val="solid"/>
+                    </a:lnTlToBr>
+                    <a:lnBlToTr w="12700" cmpd="sng">
+                      <a:noFill/>
+                      <a:prstDash val="solid"/>
+                    </a:lnBlToTr>
+                    <a:solidFill>
+                      <a:schemeClr val="accent2">
+                        <a:lumMod val="40000"/>
+                        <a:lumOff val="60000"/>
+                      </a:schemeClr>
+                    </a:solidFill>
+                  </a:tcPr>
+                </a:tc>
+              </a:tr>
+              <a:tr h="286338">
+                <a:tc>
+                  <a:txBody>
+                    <a:bodyPr/>
+                    <a:lstStyle/>
+                    <a:p>
+                      <a:pPr algn="ctr"/>
+                      <a:endParaRPr lang="en-AU" sz="1200" dirty="0"/>
+                    </a:p>
+                  </a:txBody>
+                  <a:tcPr>
+                    <a:lnL w="12700" cmpd="sng">
+                      <a:noFill/>
+                    </a:lnL>
+                    <a:lnR w="12700" cmpd="sng">
+                      <a:noFill/>
+                    </a:lnR>
+                    <a:lnT w="12700" cmpd="sng">
+                      <a:noFill/>
+                    </a:lnT>
+                    <a:lnB w="12700" cap="flat" cmpd="sng" algn="ctr">
+                      <a:noFill/>
+                      <a:prstDash val="solid"/>
+                      <a:round/>
+                      <a:headEnd type="none" w="med" len="med"/>
+                      <a:tailEnd type="none" w="med" len="med"/>
+                    </a:lnB>
+                    <a:lnTlToBr w="12700" cmpd="sng">
+                      <a:noFill/>
+                      <a:prstDash val="solid"/>
+                    </a:lnTlToBr>
+                    <a:lnBlToTr w="12700" cmpd="sng">
+                      <a:noFill/>
+                      <a:prstDash val="solid"/>
+                    </a:lnBlToTr>
+                    <a:solidFill>
+                      <a:schemeClr val="accent2">
+                        <a:lumMod val="20000"/>
+                        <a:lumOff val="80000"/>
+                      </a:schemeClr>
+                    </a:solidFill>
+                  </a:tcPr>
+                </a:tc>
+              </a:tr>
+            </a:tbl>
+          </a:graphicData>
+        </a:graphic>
+      </p:graphicFrame>
+      <p:graphicFrame>
+        <p:nvGraphicFramePr>
+          <p:cNvPr id="27" name="Table 26"/>
+          <p:cNvGraphicFramePr>
+            <a:graphicFrameLocks noGrp="1"/>
+          </p:cNvGraphicFramePr>
+          <p:nvPr>
+            <p:extLst>
+              <p:ext uri="{D42A27DB-BD31-4B8C-83A1-F6EECF244321}">
+                <p14:modId xmlns:p14="http://schemas.microsoft.com/office/powerpoint/2010/main" val="2360240447"/>
+              </p:ext>
+            </p:extLst>
+          </p:nvPr>
+        </p:nvGraphicFramePr>
+        <p:xfrm>
+          <a:off x="934784" y="1426843"/>
+          <a:ext cx="398476" cy="1145352"/>
+        </p:xfrm>
+        <a:graphic>
+          <a:graphicData uri="http://schemas.openxmlformats.org/drawingml/2006/table">
+            <a:tbl>
+              <a:tblPr firstRow="1" bandRow="1">
+                <a:tableStyleId>{5C22544A-7EE6-4342-B048-85BDC9FD1C3A}</a:tableStyleId>
+              </a:tblPr>
+              <a:tblGrid>
+                <a:gridCol w="398476"/>
+              </a:tblGrid>
+              <a:tr h="286338">
+                <a:tc>
+                  <a:txBody>
+                    <a:bodyPr/>
+                    <a:lstStyle/>
+                    <a:p>
+                      <a:pPr algn="ctr"/>
+                      <a:r>
+                        <a:rPr lang="en-AU" sz="1200" dirty="0" smtClean="0"/>
+                        <a:t>A</a:t>
+                      </a:r>
+                      <a:endParaRPr lang="en-AU" sz="1200" dirty="0"/>
+                    </a:p>
+                  </a:txBody>
+                  <a:tcPr anchor="ctr">
+                    <a:lnL w="12700" cap="flat" cmpd="sng" algn="ctr">
+                      <a:noFill/>
+                      <a:prstDash val="solid"/>
+                      <a:round/>
+                      <a:headEnd type="none" w="med" len="med"/>
+                      <a:tailEnd type="none" w="med" len="med"/>
+                    </a:lnL>
+                    <a:lnR w="12700" cmpd="sng">
+                      <a:noFill/>
+                    </a:lnR>
+                    <a:lnT w="12700" cap="flat" cmpd="sng" algn="ctr">
+                      <a:noFill/>
+                      <a:prstDash val="solid"/>
+                      <a:round/>
+                      <a:headEnd type="none" w="med" len="med"/>
+                      <a:tailEnd type="none" w="med" len="med"/>
+                    </a:lnT>
+                    <a:lnB w="38100" cmpd="sng">
+                      <a:noFill/>
+                    </a:lnB>
+                    <a:lnTlToBr w="12700" cmpd="sng">
+                      <a:noFill/>
+                      <a:prstDash val="solid"/>
+                    </a:lnTlToBr>
+                    <a:lnBlToTr w="12700" cmpd="sng">
+                      <a:noFill/>
+                      <a:prstDash val="solid"/>
+                    </a:lnBlToTr>
+                  </a:tcPr>
+                </a:tc>
+              </a:tr>
+              <a:tr h="286338">
+                <a:tc>
+                  <a:txBody>
+                    <a:bodyPr/>
+                    <a:lstStyle/>
+                    <a:p>
+                      <a:pPr algn="ctr"/>
+                      <a:endParaRPr lang="en-AU" sz="1200" dirty="0"/>
+                    </a:p>
+                  </a:txBody>
+                  <a:tcPr>
+                    <a:lnL w="12700" cap="flat" cmpd="sng" algn="ctr">
+                      <a:noFill/>
+                      <a:prstDash val="solid"/>
+                      <a:round/>
+                      <a:headEnd type="none" w="med" len="med"/>
+                      <a:tailEnd type="none" w="med" len="med"/>
+                    </a:lnL>
+                    <a:lnR w="12700" cmpd="sng">
+                      <a:noFill/>
+                    </a:lnR>
+                    <a:lnT w="38100" cmpd="sng">
+                      <a:noFill/>
+                    </a:lnT>
+                    <a:lnB w="12700" cmpd="sng">
+                      <a:noFill/>
+                    </a:lnB>
+                    <a:lnTlToBr w="12700" cmpd="sng">
+                      <a:noFill/>
+                      <a:prstDash val="solid"/>
+                    </a:lnTlToBr>
+                    <a:lnBlToTr w="12700" cmpd="sng">
+                      <a:noFill/>
+                      <a:prstDash val="solid"/>
+                    </a:lnBlToTr>
+                    <a:solidFill>
+                      <a:schemeClr val="accent1">
+                        <a:lumMod val="60000"/>
+                        <a:lumOff val="40000"/>
+                      </a:schemeClr>
+                    </a:solidFill>
+                  </a:tcPr>
+                </a:tc>
+              </a:tr>
+              <a:tr h="286338">
+                <a:tc>
+                  <a:txBody>
+                    <a:bodyPr/>
+                    <a:lstStyle/>
+                    <a:p>
+                      <a:pPr algn="ctr"/>
+                      <a:endParaRPr lang="en-AU" sz="1200" dirty="0"/>
+                    </a:p>
+                  </a:txBody>
+                  <a:tcPr>
+                    <a:lnL w="12700" cap="flat" cmpd="sng" algn="ctr">
+                      <a:noFill/>
+                      <a:prstDash val="solid"/>
+                      <a:round/>
+                      <a:headEnd type="none" w="med" len="med"/>
+                      <a:tailEnd type="none" w="med" len="med"/>
+                    </a:lnL>
+                    <a:lnR w="12700" cmpd="sng">
+                      <a:noFill/>
+                    </a:lnR>
+                    <a:lnT w="12700" cmpd="sng">
+                      <a:noFill/>
+                    </a:lnT>
+                    <a:lnB w="12700" cmpd="sng">
+                      <a:noFill/>
+                    </a:lnB>
+                    <a:lnTlToBr w="12700" cmpd="sng">
+                      <a:noFill/>
+                      <a:prstDash val="solid"/>
+                    </a:lnTlToBr>
+                    <a:lnBlToTr w="12700" cmpd="sng">
+                      <a:noFill/>
+                      <a:prstDash val="solid"/>
+                    </a:lnBlToTr>
+                    <a:solidFill>
+                      <a:schemeClr val="accent1">
+                        <a:lumMod val="40000"/>
+                        <a:lumOff val="60000"/>
+                      </a:schemeClr>
+                    </a:solidFill>
+                  </a:tcPr>
+                </a:tc>
+              </a:tr>
+              <a:tr h="286338">
+                <a:tc>
+                  <a:txBody>
+                    <a:bodyPr/>
+                    <a:lstStyle/>
+                    <a:p>
+                      <a:pPr algn="ctr"/>
+                      <a:endParaRPr lang="en-AU" sz="1200" dirty="0"/>
+                    </a:p>
+                  </a:txBody>
+                  <a:tcPr>
+                    <a:lnL w="12700" cap="flat" cmpd="sng" algn="ctr">
+                      <a:noFill/>
+                      <a:prstDash val="solid"/>
+                      <a:round/>
+                      <a:headEnd type="none" w="med" len="med"/>
+                      <a:tailEnd type="none" w="med" len="med"/>
+                    </a:lnL>
+                    <a:lnR w="12700" cmpd="sng">
+                      <a:noFill/>
+                    </a:lnR>
+                    <a:lnT w="12700" cmpd="sng">
+                      <a:noFill/>
+                    </a:lnT>
+                    <a:lnB w="12700" cap="flat" cmpd="sng" algn="ctr">
+                      <a:noFill/>
+                      <a:prstDash val="solid"/>
+                      <a:round/>
+                      <a:headEnd type="none" w="med" len="med"/>
+                      <a:tailEnd type="none" w="med" len="med"/>
+                    </a:lnB>
+                    <a:lnTlToBr w="12700" cmpd="sng">
+                      <a:noFill/>
+                      <a:prstDash val="solid"/>
+                    </a:lnTlToBr>
+                    <a:lnBlToTr w="12700" cmpd="sng">
+                      <a:noFill/>
+                      <a:prstDash val="solid"/>
+                    </a:lnBlToTr>
+                    <a:solidFill>
+                      <a:schemeClr val="accent1">
+                        <a:lumMod val="20000"/>
+                        <a:lumOff val="80000"/>
+                      </a:schemeClr>
+                    </a:solidFill>
+                  </a:tcPr>
+                </a:tc>
+              </a:tr>
+            </a:tbl>
+          </a:graphicData>
+        </a:graphic>
+      </p:graphicFrame>
+    </p:spTree>
+    <p:extLst>
+      <p:ext uri="{BB962C8B-B14F-4D97-AF65-F5344CB8AC3E}">
+        <p14:creationId xmlns:p14="http://schemas.microsoft.com/office/powerpoint/2010/main" val="1348701357"/>
+      </p:ext>
+    </p:extLst>
+  </p:cSld>
+  <p:clrMapOvr>
+    <a:masterClrMapping/>
+  </p:clrMapOvr>
+</p:sld>
+</file>
+
 <file path=ppt/theme/theme1.xml><?xml version="1.0" encoding="utf-8"?>
 <a:theme xmlns:a="http://schemas.openxmlformats.org/drawingml/2006/main" name="Office Theme">
   <a:themeElements>
